--- a/diagrams/TelcoService.pptx
+++ b/diagrams/TelcoService.pptx
@@ -5,7 +5,7 @@
     <p:sldMasterId id="2147483648" r:id="rId1"/>
   </p:sldMasterIdLst>
   <p:handoutMasterIdLst>
-    <p:handoutMasterId r:id="rId36"/>
+    <p:handoutMasterId r:id="rId38"/>
   </p:handoutMasterIdLst>
   <p:sldIdLst>
     <p:sldId id="256" r:id="rId2"/>
@@ -29,19 +29,21 @@
     <p:sldId id="275" r:id="rId20"/>
     <p:sldId id="276" r:id="rId21"/>
     <p:sldId id="277" r:id="rId22"/>
-    <p:sldId id="280" r:id="rId23"/>
-    <p:sldId id="281" r:id="rId24"/>
-    <p:sldId id="282" r:id="rId25"/>
-    <p:sldId id="283" r:id="rId26"/>
-    <p:sldId id="284" r:id="rId27"/>
-    <p:sldId id="285" r:id="rId28"/>
-    <p:sldId id="286" r:id="rId29"/>
-    <p:sldId id="287" r:id="rId30"/>
-    <p:sldId id="288" r:id="rId31"/>
-    <p:sldId id="289" r:id="rId32"/>
-    <p:sldId id="290" r:id="rId33"/>
-    <p:sldId id="278" r:id="rId34"/>
-    <p:sldId id="279" r:id="rId35"/>
+    <p:sldId id="291" r:id="rId23"/>
+    <p:sldId id="280" r:id="rId24"/>
+    <p:sldId id="281" r:id="rId25"/>
+    <p:sldId id="282" r:id="rId26"/>
+    <p:sldId id="283" r:id="rId27"/>
+    <p:sldId id="284" r:id="rId28"/>
+    <p:sldId id="285" r:id="rId29"/>
+    <p:sldId id="286" r:id="rId30"/>
+    <p:sldId id="287" r:id="rId31"/>
+    <p:sldId id="288" r:id="rId32"/>
+    <p:sldId id="289" r:id="rId33"/>
+    <p:sldId id="292" r:id="rId34"/>
+    <p:sldId id="290" r:id="rId35"/>
+    <p:sldId id="278" r:id="rId36"/>
+    <p:sldId id="279" r:id="rId37"/>
   </p:sldIdLst>
   <p:sldSz cx="12192000" cy="6858000"/>
   <p:notesSz cx="6858000" cy="9144000"/>
@@ -140,6 +142,14 @@
       </a:defRPr>
     </a:lvl9pPr>
   </p:defaultTextStyle>
+  <p:extLst>
+    <p:ext uri="{EFAFB233-063F-42B5-8137-9DF3F51BA10A}">
+      <p15:sldGuideLst xmlns:p15="http://schemas.microsoft.com/office/powerpoint/2012/main"/>
+    </p:ext>
+    <p:ext uri="{2D200454-40CA-4A62-9FC3-DE9A4176ACB9}">
+      <p15:notesGuideLst xmlns:p15="http://schemas.microsoft.com/office/powerpoint/2012/main"/>
+    </p:ext>
+  </p:extLst>
 </p:presentation>
 </file>
 
@@ -237,7 +247,7 @@
           <a:p>
             <a:fld id="{CF52B1CD-19E6-3A43-AEDB-B8A904AF3739}" type="datetimeFigureOut">
               <a:rPr lang="en-IT" smtClean="0"/>
-              <a:t>10/01/22</a:t>
+              <a:t>01/12/2022</a:t>
             </a:fld>
             <a:endParaRPr lang="en-IT"/>
           </a:p>
@@ -315,7 +325,7 @@
           <a:p>
             <a:fld id="{4ECDF255-69BC-1B4D-AB28-430FBB774D74}" type="slidenum">
               <a:rPr lang="en-IT" smtClean="0"/>
-              <a:t>‹#›</a:t>
+              <a:t>‹N›</a:t>
             </a:fld>
             <a:endParaRPr lang="en-IT"/>
           </a:p>
@@ -481,7 +491,7 @@
           <a:p>
             <a:fld id="{1B89F024-FC78-A84D-B6A9-F5E82332D115}" type="datetimeFigureOut">
               <a:rPr lang="en-IT" smtClean="0"/>
-              <a:t>10/01/22</a:t>
+              <a:t>01/12/2022</a:t>
             </a:fld>
             <a:endParaRPr lang="en-IT"/>
           </a:p>
@@ -535,7 +545,7 @@
           <a:p>
             <a:fld id="{A67DD375-B24D-C14D-95AF-DDB32ED56C9E}" type="slidenum">
               <a:rPr lang="en-IT" smtClean="0"/>
-              <a:t>‹#›</a:t>
+              <a:t>‹N›</a:t>
             </a:fld>
             <a:endParaRPr lang="en-IT"/>
           </a:p>
@@ -681,7 +691,7 @@
           <a:p>
             <a:fld id="{1B89F024-FC78-A84D-B6A9-F5E82332D115}" type="datetimeFigureOut">
               <a:rPr lang="en-IT" smtClean="0"/>
-              <a:t>10/01/22</a:t>
+              <a:t>01/12/2022</a:t>
             </a:fld>
             <a:endParaRPr lang="en-IT"/>
           </a:p>
@@ -735,7 +745,7 @@
           <a:p>
             <a:fld id="{A67DD375-B24D-C14D-95AF-DDB32ED56C9E}" type="slidenum">
               <a:rPr lang="en-IT" smtClean="0"/>
-              <a:t>‹#›</a:t>
+              <a:t>‹N›</a:t>
             </a:fld>
             <a:endParaRPr lang="en-IT"/>
           </a:p>
@@ -891,7 +901,7 @@
           <a:p>
             <a:fld id="{1B89F024-FC78-A84D-B6A9-F5E82332D115}" type="datetimeFigureOut">
               <a:rPr lang="en-IT" smtClean="0"/>
-              <a:t>10/01/22</a:t>
+              <a:t>01/12/2022</a:t>
             </a:fld>
             <a:endParaRPr lang="en-IT"/>
           </a:p>
@@ -945,7 +955,7 @@
           <a:p>
             <a:fld id="{A67DD375-B24D-C14D-95AF-DDB32ED56C9E}" type="slidenum">
               <a:rPr lang="en-IT" smtClean="0"/>
-              <a:t>‹#›</a:t>
+              <a:t>‹N›</a:t>
             </a:fld>
             <a:endParaRPr lang="en-IT"/>
           </a:p>
@@ -1091,7 +1101,7 @@
           <a:p>
             <a:fld id="{1B89F024-FC78-A84D-B6A9-F5E82332D115}" type="datetimeFigureOut">
               <a:rPr lang="en-IT" smtClean="0"/>
-              <a:t>10/01/22</a:t>
+              <a:t>01/12/2022</a:t>
             </a:fld>
             <a:endParaRPr lang="en-IT"/>
           </a:p>
@@ -1145,7 +1155,7 @@
           <a:p>
             <a:fld id="{A67DD375-B24D-C14D-95AF-DDB32ED56C9E}" type="slidenum">
               <a:rPr lang="en-IT" smtClean="0"/>
-              <a:t>‹#›</a:t>
+              <a:t>‹N›</a:t>
             </a:fld>
             <a:endParaRPr lang="en-IT"/>
           </a:p>
@@ -1367,7 +1377,7 @@
           <a:p>
             <a:fld id="{1B89F024-FC78-A84D-B6A9-F5E82332D115}" type="datetimeFigureOut">
               <a:rPr lang="en-IT" smtClean="0"/>
-              <a:t>10/01/22</a:t>
+              <a:t>01/12/2022</a:t>
             </a:fld>
             <a:endParaRPr lang="en-IT"/>
           </a:p>
@@ -1421,7 +1431,7 @@
           <a:p>
             <a:fld id="{A67DD375-B24D-C14D-95AF-DDB32ED56C9E}" type="slidenum">
               <a:rPr lang="en-IT" smtClean="0"/>
-              <a:t>‹#›</a:t>
+              <a:t>‹N›</a:t>
             </a:fld>
             <a:endParaRPr lang="en-IT"/>
           </a:p>
@@ -1635,7 +1645,7 @@
           <a:p>
             <a:fld id="{1B89F024-FC78-A84D-B6A9-F5E82332D115}" type="datetimeFigureOut">
               <a:rPr lang="en-IT" smtClean="0"/>
-              <a:t>10/01/22</a:t>
+              <a:t>01/12/2022</a:t>
             </a:fld>
             <a:endParaRPr lang="en-IT"/>
           </a:p>
@@ -1689,7 +1699,7 @@
           <a:p>
             <a:fld id="{A67DD375-B24D-C14D-95AF-DDB32ED56C9E}" type="slidenum">
               <a:rPr lang="en-IT" smtClean="0"/>
-              <a:t>‹#›</a:t>
+              <a:t>‹N›</a:t>
             </a:fld>
             <a:endParaRPr lang="en-IT"/>
           </a:p>
@@ -2050,7 +2060,7 @@
           <a:p>
             <a:fld id="{1B89F024-FC78-A84D-B6A9-F5E82332D115}" type="datetimeFigureOut">
               <a:rPr lang="en-IT" smtClean="0"/>
-              <a:t>10/01/22</a:t>
+              <a:t>01/12/2022</a:t>
             </a:fld>
             <a:endParaRPr lang="en-IT"/>
           </a:p>
@@ -2104,7 +2114,7 @@
           <a:p>
             <a:fld id="{A67DD375-B24D-C14D-95AF-DDB32ED56C9E}" type="slidenum">
               <a:rPr lang="en-IT" smtClean="0"/>
-              <a:t>‹#›</a:t>
+              <a:t>‹N›</a:t>
             </a:fld>
             <a:endParaRPr lang="en-IT"/>
           </a:p>
@@ -2192,7 +2202,7 @@
           <a:p>
             <a:fld id="{1B89F024-FC78-A84D-B6A9-F5E82332D115}" type="datetimeFigureOut">
               <a:rPr lang="en-IT" smtClean="0"/>
-              <a:t>10/01/22</a:t>
+              <a:t>01/12/2022</a:t>
             </a:fld>
             <a:endParaRPr lang="en-IT"/>
           </a:p>
@@ -2246,7 +2256,7 @@
           <a:p>
             <a:fld id="{A67DD375-B24D-C14D-95AF-DDB32ED56C9E}" type="slidenum">
               <a:rPr lang="en-IT" smtClean="0"/>
-              <a:t>‹#›</a:t>
+              <a:t>‹N›</a:t>
             </a:fld>
             <a:endParaRPr lang="en-IT"/>
           </a:p>
@@ -2305,7 +2315,7 @@
           <a:p>
             <a:fld id="{1B89F024-FC78-A84D-B6A9-F5E82332D115}" type="datetimeFigureOut">
               <a:rPr lang="en-IT" smtClean="0"/>
-              <a:t>10/01/22</a:t>
+              <a:t>01/12/2022</a:t>
             </a:fld>
             <a:endParaRPr lang="en-IT"/>
           </a:p>
@@ -2359,7 +2369,7 @@
           <a:p>
             <a:fld id="{A67DD375-B24D-C14D-95AF-DDB32ED56C9E}" type="slidenum">
               <a:rPr lang="en-IT" smtClean="0"/>
-              <a:t>‹#›</a:t>
+              <a:t>‹N›</a:t>
             </a:fld>
             <a:endParaRPr lang="en-IT"/>
           </a:p>
@@ -2618,7 +2628,7 @@
           <a:p>
             <a:fld id="{1B89F024-FC78-A84D-B6A9-F5E82332D115}" type="datetimeFigureOut">
               <a:rPr lang="en-IT" smtClean="0"/>
-              <a:t>10/01/22</a:t>
+              <a:t>01/12/2022</a:t>
             </a:fld>
             <a:endParaRPr lang="en-IT"/>
           </a:p>
@@ -2672,7 +2682,7 @@
           <a:p>
             <a:fld id="{A67DD375-B24D-C14D-95AF-DDB32ED56C9E}" type="slidenum">
               <a:rPr lang="en-IT" smtClean="0"/>
-              <a:t>‹#›</a:t>
+              <a:t>‹N›</a:t>
             </a:fld>
             <a:endParaRPr lang="en-IT"/>
           </a:p>
@@ -2907,7 +2917,7 @@
           <a:p>
             <a:fld id="{1B89F024-FC78-A84D-B6A9-F5E82332D115}" type="datetimeFigureOut">
               <a:rPr lang="en-IT" smtClean="0"/>
-              <a:t>10/01/22</a:t>
+              <a:t>01/12/2022</a:t>
             </a:fld>
             <a:endParaRPr lang="en-IT"/>
           </a:p>
@@ -2961,7 +2971,7 @@
           <a:p>
             <a:fld id="{A67DD375-B24D-C14D-95AF-DDB32ED56C9E}" type="slidenum">
               <a:rPr lang="en-IT" smtClean="0"/>
-              <a:t>‹#›</a:t>
+              <a:t>‹N›</a:t>
             </a:fld>
             <a:endParaRPr lang="en-IT"/>
           </a:p>
@@ -3150,7 +3160,7 @@
           <a:p>
             <a:fld id="{1B89F024-FC78-A84D-B6A9-F5E82332D115}" type="datetimeFigureOut">
               <a:rPr lang="en-IT" smtClean="0"/>
-              <a:t>10/01/22</a:t>
+              <a:t>01/12/2022</a:t>
             </a:fld>
             <a:endParaRPr lang="en-IT"/>
           </a:p>
@@ -3240,7 +3250,7 @@
           <a:p>
             <a:fld id="{A67DD375-B24D-C14D-95AF-DDB32ED56C9E}" type="slidenum">
               <a:rPr lang="en-IT" smtClean="0"/>
-              <a:t>‹#›</a:t>
+              <a:t>‹N›</a:t>
             </a:fld>
             <a:endParaRPr lang="en-IT"/>
           </a:p>
@@ -5728,10 +5738,10 @@
       </p:grpSpPr>
       <p:sp>
         <p:nvSpPr>
-          <p:cNvPr id="2" name="Title 1">
-            <a:extLst>
-              <a:ext uri="{FF2B5EF4-FFF2-40B4-BE49-F238E27FC236}">
-                <a16:creationId xmlns:a16="http://schemas.microsoft.com/office/drawing/2014/main" id="{9F93B6FE-84BF-B44C-8B1E-905614F2C5A7}"/>
+          <p:cNvPr id="4" name="Titolo 3">
+            <a:extLst>
+              <a:ext uri="{FF2B5EF4-FFF2-40B4-BE49-F238E27FC236}">
+                <a16:creationId xmlns:a16="http://schemas.microsoft.com/office/drawing/2014/main" id="{4C0913AC-67D2-419B-8484-893BD4A9E7A0}"/>
               </a:ext>
             </a:extLst>
           </p:cNvPr>
@@ -5742,50 +5752,30 @@
             <p:ph type="title"/>
           </p:nvPr>
         </p:nvSpPr>
-        <p:spPr/>
+        <p:spPr>
+          <a:xfrm>
+            <a:off x="838200" y="2608704"/>
+            <a:ext cx="10515600" cy="1325563"/>
+          </a:xfrm>
+        </p:spPr>
         <p:txBody>
           <a:bodyPr>
             <a:normAutofit/>
           </a:bodyPr>
           <a:lstStyle/>
           <a:p>
-            <a:r>
-              <a:rPr lang="en-GB" dirty="0" err="1"/>
-              <a:t>MobileInternetService</a:t>
-            </a:r>
-            <a:endParaRPr lang="en-IT" dirty="0"/>
-          </a:p>
-        </p:txBody>
-      </p:sp>
-      <p:sp>
-        <p:nvSpPr>
-          <p:cNvPr id="3" name="Content Placeholder 2">
-            <a:extLst>
-              <a:ext uri="{FF2B5EF4-FFF2-40B4-BE49-F238E27FC236}">
-                <a16:creationId xmlns:a16="http://schemas.microsoft.com/office/drawing/2014/main" id="{EACBD965-6A7F-D64D-B8D1-0D3023B213B4}"/>
-              </a:ext>
-            </a:extLst>
-          </p:cNvPr>
-          <p:cNvSpPr>
-            <a:spLocks noGrp="1"/>
-          </p:cNvSpPr>
-          <p:nvPr>
-            <p:ph idx="1"/>
-          </p:nvPr>
-        </p:nvSpPr>
-        <p:spPr/>
-        <p:txBody>
-          <a:bodyPr/>
-          <a:lstStyle/>
-          <a:p>
-            <a:endParaRPr lang="en-IT"/>
+            <a:pPr algn="ctr"/>
+            <a:r>
+              <a:rPr lang="it-IT" sz="6600" b="1" dirty="0"/>
+              <a:t>ENTITIES</a:t>
+            </a:r>
           </a:p>
         </p:txBody>
       </p:sp>
     </p:spTree>
     <p:extLst>
       <p:ext uri="{BB962C8B-B14F-4D97-AF65-F5344CB8AC3E}">
-        <p14:creationId xmlns:p14="http://schemas.microsoft.com/office/powerpoint/2010/main" val="615638387"/>
+        <p14:creationId xmlns:p14="http://schemas.microsoft.com/office/powerpoint/2010/main" val="3724630667"/>
       </p:ext>
     </p:extLst>
   </p:cSld>
@@ -5836,8 +5826,8 @@
           <a:lstStyle/>
           <a:p>
             <a:r>
-              <a:rPr lang="en-GB" dirty="0"/>
-              <a:t>Client</a:t>
+              <a:rPr lang="en-GB" dirty="0" err="1"/>
+              <a:t>MobileInternetService</a:t>
             </a:r>
             <a:endParaRPr lang="en-IT" dirty="0"/>
           </a:p>
@@ -5871,7 +5861,7 @@
     </p:spTree>
     <p:extLst>
       <p:ext uri="{BB962C8B-B14F-4D97-AF65-F5344CB8AC3E}">
-        <p14:creationId xmlns:p14="http://schemas.microsoft.com/office/powerpoint/2010/main" val="3185242001"/>
+        <p14:creationId xmlns:p14="http://schemas.microsoft.com/office/powerpoint/2010/main" val="615638387"/>
       </p:ext>
     </p:extLst>
   </p:cSld>
@@ -5922,8 +5912,8 @@
           <a:lstStyle/>
           <a:p>
             <a:r>
-              <a:rPr lang="en-GB" dirty="0" err="1"/>
-              <a:t>OptionalProduct</a:t>
+              <a:rPr lang="en-GB" dirty="0"/>
+              <a:t>Client</a:t>
             </a:r>
             <a:endParaRPr lang="en-IT" dirty="0"/>
           </a:p>
@@ -5957,7 +5947,7 @@
     </p:spTree>
     <p:extLst>
       <p:ext uri="{BB962C8B-B14F-4D97-AF65-F5344CB8AC3E}">
-        <p14:creationId xmlns:p14="http://schemas.microsoft.com/office/powerpoint/2010/main" val="2531030918"/>
+        <p14:creationId xmlns:p14="http://schemas.microsoft.com/office/powerpoint/2010/main" val="3185242001"/>
       </p:ext>
     </p:extLst>
   </p:cSld>
@@ -6009,7 +5999,7 @@
           <a:p>
             <a:r>
               <a:rPr lang="en-GB" dirty="0" err="1"/>
-              <a:t>FixedInternetService</a:t>
+              <a:t>OptionalProduct</a:t>
             </a:r>
             <a:endParaRPr lang="en-IT" dirty="0"/>
           </a:p>
@@ -6043,7 +6033,7 @@
     </p:spTree>
     <p:extLst>
       <p:ext uri="{BB962C8B-B14F-4D97-AF65-F5344CB8AC3E}">
-        <p14:creationId xmlns:p14="http://schemas.microsoft.com/office/powerpoint/2010/main" val="4023115116"/>
+        <p14:creationId xmlns:p14="http://schemas.microsoft.com/office/powerpoint/2010/main" val="2531030918"/>
       </p:ext>
     </p:extLst>
   </p:cSld>
@@ -6094,8 +6084,8 @@
           <a:lstStyle/>
           <a:p>
             <a:r>
-              <a:rPr lang="en-GB" dirty="0"/>
-              <a:t>Order</a:t>
+              <a:rPr lang="en-GB" dirty="0" err="1"/>
+              <a:t>FixedInternetService</a:t>
             </a:r>
             <a:endParaRPr lang="en-IT" dirty="0"/>
           </a:p>
@@ -6129,7 +6119,7 @@
     </p:spTree>
     <p:extLst>
       <p:ext uri="{BB962C8B-B14F-4D97-AF65-F5344CB8AC3E}">
-        <p14:creationId xmlns:p14="http://schemas.microsoft.com/office/powerpoint/2010/main" val="1045824776"/>
+        <p14:creationId xmlns:p14="http://schemas.microsoft.com/office/powerpoint/2010/main" val="4023115116"/>
       </p:ext>
     </p:extLst>
   </p:cSld>
@@ -6180,8 +6170,8 @@
           <a:lstStyle/>
           <a:p>
             <a:r>
-              <a:rPr lang="en-GB" dirty="0" err="1"/>
-              <a:t>MobilePhoneService</a:t>
+              <a:rPr lang="en-GB" dirty="0"/>
+              <a:t>Order</a:t>
             </a:r>
             <a:endParaRPr lang="en-IT" dirty="0"/>
           </a:p>
@@ -6215,7 +6205,7 @@
     </p:spTree>
     <p:extLst>
       <p:ext uri="{BB962C8B-B14F-4D97-AF65-F5344CB8AC3E}">
-        <p14:creationId xmlns:p14="http://schemas.microsoft.com/office/powerpoint/2010/main" val="1531281992"/>
+        <p14:creationId xmlns:p14="http://schemas.microsoft.com/office/powerpoint/2010/main" val="1045824776"/>
       </p:ext>
     </p:extLst>
   </p:cSld>
@@ -6266,8 +6256,8 @@
           <a:lstStyle/>
           <a:p>
             <a:r>
-              <a:rPr lang="en-GB" dirty="0"/>
-              <a:t>Employee</a:t>
+              <a:rPr lang="en-GB" dirty="0" err="1"/>
+              <a:t>MobilePhoneService</a:t>
             </a:r>
             <a:endParaRPr lang="en-IT" dirty="0"/>
           </a:p>
@@ -6294,14 +6284,14 @@
           <a:bodyPr/>
           <a:lstStyle/>
           <a:p>
-            <a:endParaRPr lang="en-IT" dirty="0"/>
+            <a:endParaRPr lang="en-IT"/>
           </a:p>
         </p:txBody>
       </p:sp>
     </p:spTree>
     <p:extLst>
       <p:ext uri="{BB962C8B-B14F-4D97-AF65-F5344CB8AC3E}">
-        <p14:creationId xmlns:p14="http://schemas.microsoft.com/office/powerpoint/2010/main" val="1548068163"/>
+        <p14:creationId xmlns:p14="http://schemas.microsoft.com/office/powerpoint/2010/main" val="1531281992"/>
       </p:ext>
     </p:extLst>
   </p:cSld>
@@ -6353,7 +6343,7 @@
           <a:p>
             <a:r>
               <a:rPr lang="en-GB" dirty="0"/>
-              <a:t>Service</a:t>
+              <a:t>Employee</a:t>
             </a:r>
             <a:endParaRPr lang="en-IT" dirty="0"/>
           </a:p>
@@ -6380,14 +6370,14 @@
           <a:bodyPr/>
           <a:lstStyle/>
           <a:p>
-            <a:endParaRPr lang="en-IT"/>
+            <a:endParaRPr lang="en-IT" dirty="0"/>
           </a:p>
         </p:txBody>
       </p:sp>
     </p:spTree>
     <p:extLst>
       <p:ext uri="{BB962C8B-B14F-4D97-AF65-F5344CB8AC3E}">
-        <p14:creationId xmlns:p14="http://schemas.microsoft.com/office/powerpoint/2010/main" val="2933478100"/>
+        <p14:creationId xmlns:p14="http://schemas.microsoft.com/office/powerpoint/2010/main" val="1548068163"/>
       </p:ext>
     </p:extLst>
   </p:cSld>
@@ -6501,8 +6491,8 @@
           <a:lstStyle/>
           <a:p>
             <a:r>
-              <a:rPr lang="en-GB" dirty="0" err="1"/>
-              <a:t>ServicePackage</a:t>
+              <a:rPr lang="en-GB" dirty="0"/>
+              <a:t>Service</a:t>
             </a:r>
             <a:endParaRPr lang="en-IT" dirty="0"/>
           </a:p>
@@ -6529,14 +6519,14 @@
           <a:bodyPr/>
           <a:lstStyle/>
           <a:p>
-            <a:endParaRPr lang="en-IT" dirty="0"/>
+            <a:endParaRPr lang="en-IT"/>
           </a:p>
         </p:txBody>
       </p:sp>
     </p:spTree>
     <p:extLst>
       <p:ext uri="{BB962C8B-B14F-4D97-AF65-F5344CB8AC3E}">
-        <p14:creationId xmlns:p14="http://schemas.microsoft.com/office/powerpoint/2010/main" val="528099141"/>
+        <p14:creationId xmlns:p14="http://schemas.microsoft.com/office/powerpoint/2010/main" val="2933478100"/>
       </p:ext>
     </p:extLst>
   </p:cSld>
@@ -6587,6 +6577,92 @@
           <a:lstStyle/>
           <a:p>
             <a:r>
+              <a:rPr lang="en-GB" dirty="0" err="1"/>
+              <a:t>ServicePackage</a:t>
+            </a:r>
+            <a:endParaRPr lang="en-IT" dirty="0"/>
+          </a:p>
+        </p:txBody>
+      </p:sp>
+      <p:sp>
+        <p:nvSpPr>
+          <p:cNvPr id="3" name="Content Placeholder 2">
+            <a:extLst>
+              <a:ext uri="{FF2B5EF4-FFF2-40B4-BE49-F238E27FC236}">
+                <a16:creationId xmlns:a16="http://schemas.microsoft.com/office/drawing/2014/main" id="{EACBD965-6A7F-D64D-B8D1-0D3023B213B4}"/>
+              </a:ext>
+            </a:extLst>
+          </p:cNvPr>
+          <p:cNvSpPr>
+            <a:spLocks noGrp="1"/>
+          </p:cNvSpPr>
+          <p:nvPr>
+            <p:ph idx="1"/>
+          </p:nvPr>
+        </p:nvSpPr>
+        <p:spPr/>
+        <p:txBody>
+          <a:bodyPr/>
+          <a:lstStyle/>
+          <a:p>
+            <a:endParaRPr lang="en-IT" dirty="0"/>
+          </a:p>
+        </p:txBody>
+      </p:sp>
+    </p:spTree>
+    <p:extLst>
+      <p:ext uri="{BB962C8B-B14F-4D97-AF65-F5344CB8AC3E}">
+        <p14:creationId xmlns:p14="http://schemas.microsoft.com/office/powerpoint/2010/main" val="528099141"/>
+      </p:ext>
+    </p:extLst>
+  </p:cSld>
+  <p:clrMapOvr>
+    <a:masterClrMapping/>
+  </p:clrMapOvr>
+</p:sld>
+</file>
+
+<file path=ppt/slides/slide32.xml><?xml version="1.0" encoding="utf-8"?>
+<p:sld xmlns:a="http://schemas.openxmlformats.org/drawingml/2006/main" xmlns:r="http://schemas.openxmlformats.org/officeDocument/2006/relationships" xmlns:p="http://schemas.openxmlformats.org/presentationml/2006/main">
+  <p:cSld>
+    <p:spTree>
+      <p:nvGrpSpPr>
+        <p:cNvPr id="1" name=""/>
+        <p:cNvGrpSpPr/>
+        <p:nvPr/>
+      </p:nvGrpSpPr>
+      <p:grpSpPr>
+        <a:xfrm>
+          <a:off x="0" y="0"/>
+          <a:ext cx="0" cy="0"/>
+          <a:chOff x="0" y="0"/>
+          <a:chExt cx="0" cy="0"/>
+        </a:xfrm>
+      </p:grpSpPr>
+      <p:sp>
+        <p:nvSpPr>
+          <p:cNvPr id="2" name="Title 1">
+            <a:extLst>
+              <a:ext uri="{FF2B5EF4-FFF2-40B4-BE49-F238E27FC236}">
+                <a16:creationId xmlns:a16="http://schemas.microsoft.com/office/drawing/2014/main" id="{9F93B6FE-84BF-B44C-8B1E-905614F2C5A7}"/>
+              </a:ext>
+            </a:extLst>
+          </p:cNvPr>
+          <p:cNvSpPr>
+            <a:spLocks noGrp="1"/>
+          </p:cNvSpPr>
+          <p:nvPr>
+            <p:ph type="title"/>
+          </p:nvPr>
+        </p:nvSpPr>
+        <p:spPr/>
+        <p:txBody>
+          <a:bodyPr>
+            <a:normAutofit/>
+          </a:bodyPr>
+          <a:lstStyle/>
+          <a:p>
+            <a:r>
               <a:rPr lang="en-GB" dirty="0"/>
               <a:t>Validity</a:t>
             </a:r>
@@ -6632,7 +6708,71 @@
 </p:sld>
 </file>
 
-<file path=ppt/slides/slide32.xml><?xml version="1.0" encoding="utf-8"?>
+<file path=ppt/slides/slide33.xml><?xml version="1.0" encoding="utf-8"?>
+<p:sld xmlns:a="http://schemas.openxmlformats.org/drawingml/2006/main" xmlns:r="http://schemas.openxmlformats.org/officeDocument/2006/relationships" xmlns:p="http://schemas.openxmlformats.org/presentationml/2006/main">
+  <p:cSld>
+    <p:spTree>
+      <p:nvGrpSpPr>
+        <p:cNvPr id="1" name=""/>
+        <p:cNvGrpSpPr/>
+        <p:nvPr/>
+      </p:nvGrpSpPr>
+      <p:grpSpPr>
+        <a:xfrm>
+          <a:off x="0" y="0"/>
+          <a:ext cx="0" cy="0"/>
+          <a:chOff x="0" y="0"/>
+          <a:chExt cx="0" cy="0"/>
+        </a:xfrm>
+      </p:grpSpPr>
+      <p:sp>
+        <p:nvSpPr>
+          <p:cNvPr id="2" name="Titolo 1">
+            <a:extLst>
+              <a:ext uri="{FF2B5EF4-FFF2-40B4-BE49-F238E27FC236}">
+                <a16:creationId xmlns:a16="http://schemas.microsoft.com/office/drawing/2014/main" id="{C89DB702-CE12-4AA2-BBE2-3FE9E01094FA}"/>
+              </a:ext>
+            </a:extLst>
+          </p:cNvPr>
+          <p:cNvSpPr>
+            <a:spLocks noGrp="1"/>
+          </p:cNvSpPr>
+          <p:nvPr>
+            <p:ph type="title"/>
+          </p:nvPr>
+        </p:nvSpPr>
+        <p:spPr>
+          <a:xfrm>
+            <a:off x="838200" y="2766218"/>
+            <a:ext cx="10515600" cy="1325563"/>
+          </a:xfrm>
+        </p:spPr>
+        <p:txBody>
+          <a:bodyPr/>
+          <a:lstStyle/>
+          <a:p>
+            <a:pPr algn="ctr"/>
+            <a:r>
+              <a:rPr lang="it-IT" b="1" dirty="0"/>
+              <a:t>INTERACTION DIAGRAMS</a:t>
+            </a:r>
+          </a:p>
+        </p:txBody>
+      </p:sp>
+    </p:spTree>
+    <p:extLst>
+      <p:ext uri="{BB962C8B-B14F-4D97-AF65-F5344CB8AC3E}">
+        <p14:creationId xmlns:p14="http://schemas.microsoft.com/office/powerpoint/2010/main" val="2582788222"/>
+      </p:ext>
+    </p:extLst>
+  </p:cSld>
+  <p:clrMapOvr>
+    <a:masterClrMapping/>
+  </p:clrMapOvr>
+</p:sld>
+</file>
+
+<file path=ppt/slides/slide34.xml><?xml version="1.0" encoding="utf-8"?>
 <p:sld xmlns:a="http://schemas.openxmlformats.org/drawingml/2006/main" xmlns:r="http://schemas.openxmlformats.org/officeDocument/2006/relationships" xmlns:p="http://schemas.openxmlformats.org/presentationml/2006/main">
   <p:cSld>
     <p:spTree>
@@ -6720,7 +6860,7 @@
 </p:sld>
 </file>
 
-<file path=ppt/slides/slide33.xml><?xml version="1.0" encoding="utf-8"?>
+<file path=ppt/slides/slide35.xml><?xml version="1.0" encoding="utf-8"?>
 <p:sld xmlns:a="http://schemas.openxmlformats.org/drawingml/2006/main" xmlns:r="http://schemas.openxmlformats.org/officeDocument/2006/relationships" xmlns:p="http://schemas.openxmlformats.org/presentationml/2006/main">
   <p:cSld>
     <p:spTree>
@@ -7024,7 +7164,7 @@
 </p:sld>
 </file>
 
-<file path=ppt/slides/slide34.xml><?xml version="1.0" encoding="utf-8"?>
+<file path=ppt/slides/slide36.xml><?xml version="1.0" encoding="utf-8"?>
 <p:sld xmlns:a="http://schemas.openxmlformats.org/drawingml/2006/main" xmlns:r="http://schemas.openxmlformats.org/officeDocument/2006/relationships" xmlns:p="http://schemas.openxmlformats.org/presentationml/2006/main">
   <p:cSld>
     <p:spTree>

--- a/diagrams/TelcoService.pptx
+++ b/diagrams/TelcoService.pptx
@@ -5,45 +5,47 @@
     <p:sldMasterId id="2147483648" r:id="rId1"/>
   </p:sldMasterIdLst>
   <p:handoutMasterIdLst>
-    <p:handoutMasterId r:id="rId38"/>
+    <p:handoutMasterId r:id="rId40"/>
   </p:handoutMasterIdLst>
   <p:sldIdLst>
     <p:sldId id="256" r:id="rId2"/>
-    <p:sldId id="257" r:id="rId3"/>
-    <p:sldId id="258" r:id="rId4"/>
-    <p:sldId id="259" r:id="rId5"/>
-    <p:sldId id="260" r:id="rId6"/>
-    <p:sldId id="263" r:id="rId7"/>
-    <p:sldId id="264" r:id="rId8"/>
-    <p:sldId id="265" r:id="rId9"/>
-    <p:sldId id="266" r:id="rId10"/>
-    <p:sldId id="268" r:id="rId11"/>
-    <p:sldId id="267" r:id="rId12"/>
-    <p:sldId id="261" r:id="rId13"/>
-    <p:sldId id="269" r:id="rId14"/>
-    <p:sldId id="270" r:id="rId15"/>
-    <p:sldId id="271" r:id="rId16"/>
-    <p:sldId id="272" r:id="rId17"/>
-    <p:sldId id="273" r:id="rId18"/>
-    <p:sldId id="274" r:id="rId19"/>
-    <p:sldId id="275" r:id="rId20"/>
-    <p:sldId id="276" r:id="rId21"/>
-    <p:sldId id="277" r:id="rId22"/>
-    <p:sldId id="291" r:id="rId23"/>
-    <p:sldId id="280" r:id="rId24"/>
-    <p:sldId id="281" r:id="rId25"/>
-    <p:sldId id="282" r:id="rId26"/>
-    <p:sldId id="283" r:id="rId27"/>
-    <p:sldId id="284" r:id="rId28"/>
-    <p:sldId id="285" r:id="rId29"/>
-    <p:sldId id="286" r:id="rId30"/>
-    <p:sldId id="287" r:id="rId31"/>
-    <p:sldId id="288" r:id="rId32"/>
-    <p:sldId id="289" r:id="rId33"/>
-    <p:sldId id="292" r:id="rId34"/>
-    <p:sldId id="290" r:id="rId35"/>
-    <p:sldId id="278" r:id="rId36"/>
-    <p:sldId id="279" r:id="rId37"/>
+    <p:sldId id="293" r:id="rId3"/>
+    <p:sldId id="257" r:id="rId4"/>
+    <p:sldId id="258" r:id="rId5"/>
+    <p:sldId id="259" r:id="rId6"/>
+    <p:sldId id="260" r:id="rId7"/>
+    <p:sldId id="294" r:id="rId8"/>
+    <p:sldId id="263" r:id="rId9"/>
+    <p:sldId id="264" r:id="rId10"/>
+    <p:sldId id="265" r:id="rId11"/>
+    <p:sldId id="266" r:id="rId12"/>
+    <p:sldId id="268" r:id="rId13"/>
+    <p:sldId id="267" r:id="rId14"/>
+    <p:sldId id="261" r:id="rId15"/>
+    <p:sldId id="269" r:id="rId16"/>
+    <p:sldId id="270" r:id="rId17"/>
+    <p:sldId id="271" r:id="rId18"/>
+    <p:sldId id="272" r:id="rId19"/>
+    <p:sldId id="273" r:id="rId20"/>
+    <p:sldId id="274" r:id="rId21"/>
+    <p:sldId id="275" r:id="rId22"/>
+    <p:sldId id="276" r:id="rId23"/>
+    <p:sldId id="277" r:id="rId24"/>
+    <p:sldId id="291" r:id="rId25"/>
+    <p:sldId id="280" r:id="rId26"/>
+    <p:sldId id="281" r:id="rId27"/>
+    <p:sldId id="282" r:id="rId28"/>
+    <p:sldId id="283" r:id="rId29"/>
+    <p:sldId id="284" r:id="rId30"/>
+    <p:sldId id="285" r:id="rId31"/>
+    <p:sldId id="286" r:id="rId32"/>
+    <p:sldId id="287" r:id="rId33"/>
+    <p:sldId id="288" r:id="rId34"/>
+    <p:sldId id="289" r:id="rId35"/>
+    <p:sldId id="292" r:id="rId36"/>
+    <p:sldId id="290" r:id="rId37"/>
+    <p:sldId id="278" r:id="rId38"/>
+    <p:sldId id="279" r:id="rId39"/>
   </p:sldIdLst>
   <p:sldSz cx="12192000" cy="6858000"/>
   <p:notesSz cx="6858000" cy="9144000"/>
@@ -247,7 +249,7 @@
           <a:p>
             <a:fld id="{CF52B1CD-19E6-3A43-AEDB-B8A904AF3739}" type="datetimeFigureOut">
               <a:rPr lang="en-IT" smtClean="0"/>
-              <a:t>01/12/2022</a:t>
+              <a:t>01/14/2022</a:t>
             </a:fld>
             <a:endParaRPr lang="en-IT"/>
           </a:p>
@@ -491,7 +493,7 @@
           <a:p>
             <a:fld id="{1B89F024-FC78-A84D-B6A9-F5E82332D115}" type="datetimeFigureOut">
               <a:rPr lang="en-IT" smtClean="0"/>
-              <a:t>01/12/2022</a:t>
+              <a:t>01/14/2022</a:t>
             </a:fld>
             <a:endParaRPr lang="en-IT"/>
           </a:p>
@@ -691,7 +693,7 @@
           <a:p>
             <a:fld id="{1B89F024-FC78-A84D-B6A9-F5E82332D115}" type="datetimeFigureOut">
               <a:rPr lang="en-IT" smtClean="0"/>
-              <a:t>01/12/2022</a:t>
+              <a:t>01/14/2022</a:t>
             </a:fld>
             <a:endParaRPr lang="en-IT"/>
           </a:p>
@@ -901,7 +903,7 @@
           <a:p>
             <a:fld id="{1B89F024-FC78-A84D-B6A9-F5E82332D115}" type="datetimeFigureOut">
               <a:rPr lang="en-IT" smtClean="0"/>
-              <a:t>01/12/2022</a:t>
+              <a:t>01/14/2022</a:t>
             </a:fld>
             <a:endParaRPr lang="en-IT"/>
           </a:p>
@@ -1101,7 +1103,7 @@
           <a:p>
             <a:fld id="{1B89F024-FC78-A84D-B6A9-F5E82332D115}" type="datetimeFigureOut">
               <a:rPr lang="en-IT" smtClean="0"/>
-              <a:t>01/12/2022</a:t>
+              <a:t>01/14/2022</a:t>
             </a:fld>
             <a:endParaRPr lang="en-IT"/>
           </a:p>
@@ -1377,7 +1379,7 @@
           <a:p>
             <a:fld id="{1B89F024-FC78-A84D-B6A9-F5E82332D115}" type="datetimeFigureOut">
               <a:rPr lang="en-IT" smtClean="0"/>
-              <a:t>01/12/2022</a:t>
+              <a:t>01/14/2022</a:t>
             </a:fld>
             <a:endParaRPr lang="en-IT"/>
           </a:p>
@@ -1645,7 +1647,7 @@
           <a:p>
             <a:fld id="{1B89F024-FC78-A84D-B6A9-F5E82332D115}" type="datetimeFigureOut">
               <a:rPr lang="en-IT" smtClean="0"/>
-              <a:t>01/12/2022</a:t>
+              <a:t>01/14/2022</a:t>
             </a:fld>
             <a:endParaRPr lang="en-IT"/>
           </a:p>
@@ -2060,7 +2062,7 @@
           <a:p>
             <a:fld id="{1B89F024-FC78-A84D-B6A9-F5E82332D115}" type="datetimeFigureOut">
               <a:rPr lang="en-IT" smtClean="0"/>
-              <a:t>01/12/2022</a:t>
+              <a:t>01/14/2022</a:t>
             </a:fld>
             <a:endParaRPr lang="en-IT"/>
           </a:p>
@@ -2202,7 +2204,7 @@
           <a:p>
             <a:fld id="{1B89F024-FC78-A84D-B6A9-F5E82332D115}" type="datetimeFigureOut">
               <a:rPr lang="en-IT" smtClean="0"/>
-              <a:t>01/12/2022</a:t>
+              <a:t>01/14/2022</a:t>
             </a:fld>
             <a:endParaRPr lang="en-IT"/>
           </a:p>
@@ -2315,7 +2317,7 @@
           <a:p>
             <a:fld id="{1B89F024-FC78-A84D-B6A9-F5E82332D115}" type="datetimeFigureOut">
               <a:rPr lang="en-IT" smtClean="0"/>
-              <a:t>01/12/2022</a:t>
+              <a:t>01/14/2022</a:t>
             </a:fld>
             <a:endParaRPr lang="en-IT"/>
           </a:p>
@@ -2628,7 +2630,7 @@
           <a:p>
             <a:fld id="{1B89F024-FC78-A84D-B6A9-F5E82332D115}" type="datetimeFigureOut">
               <a:rPr lang="en-IT" smtClean="0"/>
-              <a:t>01/12/2022</a:t>
+              <a:t>01/14/2022</a:t>
             </a:fld>
             <a:endParaRPr lang="en-IT"/>
           </a:p>
@@ -2917,7 +2919,7 @@
           <a:p>
             <a:fld id="{1B89F024-FC78-A84D-B6A9-F5E82332D115}" type="datetimeFigureOut">
               <a:rPr lang="en-IT" smtClean="0"/>
-              <a:t>01/12/2022</a:t>
+              <a:t>01/14/2022</a:t>
             </a:fld>
             <a:endParaRPr lang="en-IT"/>
           </a:p>
@@ -3160,7 +3162,7 @@
           <a:p>
             <a:fld id="{1B89F024-FC78-A84D-B6A9-F5E82332D115}" type="datetimeFigureOut">
               <a:rPr lang="en-IT" smtClean="0"/>
-              <a:t>01/12/2022</a:t>
+              <a:t>01/14/2022</a:t>
             </a:fld>
             <a:endParaRPr lang="en-IT"/>
           </a:p>
@@ -3665,10 +3667,38 @@
       </p:grpSpPr>
       <p:sp>
         <p:nvSpPr>
+          <p:cNvPr id="2" name="Title 1">
+            <a:extLst>
+              <a:ext uri="{FF2B5EF4-FFF2-40B4-BE49-F238E27FC236}">
+                <a16:creationId xmlns:a16="http://schemas.microsoft.com/office/drawing/2014/main" id="{75965224-8E51-3840-A34A-1A628C5532F0}"/>
+              </a:ext>
+            </a:extLst>
+          </p:cNvPr>
+          <p:cNvSpPr>
+            <a:spLocks noGrp="1"/>
+          </p:cNvSpPr>
+          <p:nvPr>
+            <p:ph type="title"/>
+          </p:nvPr>
+        </p:nvSpPr>
+        <p:spPr/>
+        <p:txBody>
+          <a:bodyPr/>
+          <a:lstStyle/>
+          <a:p>
+            <a:r>
+              <a:rPr lang="en-IT" dirty="0"/>
+              <a:t>Alert_Auditing</a:t>
+            </a:r>
+          </a:p>
+        </p:txBody>
+      </p:sp>
+      <p:sp>
+        <p:nvSpPr>
           <p:cNvPr id="3" name="Content Placeholder 2">
             <a:extLst>
               <a:ext uri="{FF2B5EF4-FFF2-40B4-BE49-F238E27FC236}">
-                <a16:creationId xmlns:a16="http://schemas.microsoft.com/office/drawing/2014/main" id="{B0073405-3434-1945-9A35-D9CC4727A765}"/>
+                <a16:creationId xmlns:a16="http://schemas.microsoft.com/office/drawing/2014/main" id="{FD2DD57B-F48F-F349-8C51-791C5F4260D0}"/>
               </a:ext>
             </a:extLst>
           </p:cNvPr>
@@ -3679,737 +3709,205 @@
             <p:ph idx="1"/>
           </p:nvPr>
         </p:nvSpPr>
-        <p:spPr>
-          <a:xfrm>
-            <a:off x="838200" y="204787"/>
-            <a:ext cx="10515600" cy="6448425"/>
-          </a:xfrm>
-        </p:spPr>
+        <p:spPr/>
         <p:txBody>
           <a:bodyPr>
-            <a:normAutofit fontScale="32500" lnSpcReduction="20000"/>
+            <a:normAutofit fontScale="92500"/>
           </a:bodyPr>
           <a:lstStyle/>
           <a:p>
-            <a:pPr marL="0" indent="0">
-              <a:lnSpc>
-                <a:spcPct val="120000"/>
-              </a:lnSpc>
+            <a:r>
+              <a:rPr lang="en-IT" b="1" dirty="0"/>
+              <a:t>Event: </a:t>
+            </a:r>
+            <a:r>
+              <a:rPr lang="en-IT" dirty="0"/>
+              <a:t>Update on Client </a:t>
+            </a:r>
+          </a:p>
+          <a:p>
+            <a:r>
+              <a:rPr lang="en-IT" b="1" dirty="0"/>
+              <a:t>Condition: </a:t>
+            </a:r>
+            <a:r>
+              <a:rPr lang="en-IT" dirty="0"/>
+              <a:t>The number of rejections goes from 2 to 3. </a:t>
+            </a:r>
+            <a:endParaRPr lang="en-IT" b="1" dirty="0"/>
+          </a:p>
+          <a:p>
+            <a:r>
+              <a:rPr lang="en-IT" b="1" dirty="0"/>
+              <a:t>Action: </a:t>
+            </a:r>
+            <a:r>
+              <a:rPr lang="en-IT" dirty="0"/>
+              <a:t>Insert a tuple in the auditing table with the username and the mail of the client, the value of the order and the current date and time. </a:t>
+            </a:r>
+          </a:p>
+          <a:p>
+            <a:r>
+              <a:rPr lang="en-IT" b="1" dirty="0"/>
+              <a:t>Code:</a:t>
+            </a:r>
+            <a:r>
+              <a:rPr lang="en-IT" dirty="0"/>
+              <a:t> </a:t>
+            </a:r>
+          </a:p>
+          <a:p>
+            <a:pPr marL="457200" lvl="1" indent="0">
               <a:buNone/>
             </a:pPr>
             <a:r>
-              <a:rPr lang="en-GB" dirty="0">
+              <a:rPr lang="en-GB" sz="1500" dirty="0">
                 <a:latin typeface="Andale Mono" panose="020B0509000000000004" pitchFamily="49" charset="0"/>
               </a:rPr>
               <a:t>create trigger </a:t>
             </a:r>
             <a:r>
-              <a:rPr lang="en-GB" dirty="0" err="1">
-                <a:latin typeface="Andale Mono" panose="020B0509000000000004" pitchFamily="49" charset="0"/>
-              </a:rPr>
-              <a:t>insolvent_user</a:t>
-            </a:r>
-            <a:br>
-              <a:rPr lang="en-GB" dirty="0">
-                <a:latin typeface="Andale Mono" panose="020B0509000000000004" pitchFamily="49" charset="0"/>
-              </a:rPr>
-            </a:br>
-            <a:r>
-              <a:rPr lang="en-GB" dirty="0">
-                <a:latin typeface="Andale Mono" panose="020B0509000000000004" pitchFamily="49" charset="0"/>
-              </a:rPr>
-              <a:t>after update on </a:t>
-            </a:r>
-            <a:r>
-              <a:rPr lang="en-GB" dirty="0" err="1">
-                <a:latin typeface="Andale Mono" panose="020B0509000000000004" pitchFamily="49" charset="0"/>
-              </a:rPr>
-              <a:t>telcoservice_db.order</a:t>
-            </a:r>
-            <a:br>
-              <a:rPr lang="en-GB" dirty="0">
-                <a:latin typeface="Andale Mono" panose="020B0509000000000004" pitchFamily="49" charset="0"/>
-              </a:rPr>
-            </a:br>
-            <a:r>
-              <a:rPr lang="en-GB" dirty="0">
-                <a:latin typeface="Andale Mono" panose="020B0509000000000004" pitchFamily="49" charset="0"/>
-              </a:rPr>
-              <a:t>for each row</a:t>
-            </a:r>
-            <a:br>
-              <a:rPr lang="en-GB" dirty="0">
-                <a:latin typeface="Andale Mono" panose="020B0509000000000004" pitchFamily="49" charset="0"/>
-              </a:rPr>
-            </a:br>
-            <a:r>
-              <a:rPr lang="en-GB" dirty="0">
-                <a:latin typeface="Andale Mono" panose="020B0509000000000004" pitchFamily="49" charset="0"/>
-              </a:rPr>
-              <a:t>BEGIN</a:t>
-            </a:r>
-            <a:br>
-              <a:rPr lang="en-GB" dirty="0">
-                <a:latin typeface="Andale Mono" panose="020B0509000000000004" pitchFamily="49" charset="0"/>
-              </a:rPr>
-            </a:br>
-            <a:r>
-              <a:rPr lang="en-GB" dirty="0">
-                <a:latin typeface="Andale Mono" panose="020B0509000000000004" pitchFamily="49" charset="0"/>
-              </a:rPr>
-              <a:t>   DECLARE </a:t>
-            </a:r>
-            <a:r>
-              <a:rPr lang="en-GB" dirty="0" err="1">
-                <a:latin typeface="Andale Mono" panose="020B0509000000000004" pitchFamily="49" charset="0"/>
-              </a:rPr>
-              <a:t>insolvent_client</a:t>
-            </a:r>
-            <a:r>
-              <a:rPr lang="en-GB" dirty="0">
-                <a:latin typeface="Andale Mono" panose="020B0509000000000004" pitchFamily="49" charset="0"/>
-              </a:rPr>
-              <a:t> varchar(255) default ( SELECT distinct O.CLIENT</a:t>
-            </a:r>
-            <a:br>
-              <a:rPr lang="en-GB" dirty="0">
-                <a:latin typeface="Andale Mono" panose="020B0509000000000004" pitchFamily="49" charset="0"/>
-              </a:rPr>
-            </a:br>
-            <a:r>
-              <a:rPr lang="en-GB" dirty="0">
-                <a:latin typeface="Andale Mono" panose="020B0509000000000004" pitchFamily="49" charset="0"/>
-              </a:rPr>
-              <a:t>                                       FROM </a:t>
-            </a:r>
-            <a:r>
-              <a:rPr lang="en-GB" dirty="0" err="1">
-                <a:latin typeface="Andale Mono" panose="020B0509000000000004" pitchFamily="49" charset="0"/>
-              </a:rPr>
-              <a:t>telcoservice_db.order</a:t>
-            </a:r>
-            <a:r>
-              <a:rPr lang="en-GB" dirty="0">
-                <a:latin typeface="Andale Mono" panose="020B0509000000000004" pitchFamily="49" charset="0"/>
-              </a:rPr>
-              <a:t> O</a:t>
-            </a:r>
-            <a:br>
-              <a:rPr lang="en-GB" dirty="0">
-                <a:latin typeface="Andale Mono" panose="020B0509000000000004" pitchFamily="49" charset="0"/>
-              </a:rPr>
-            </a:br>
-            <a:r>
-              <a:rPr lang="en-GB" dirty="0">
-                <a:latin typeface="Andale Mono" panose="020B0509000000000004" pitchFamily="49" charset="0"/>
-              </a:rPr>
-              <a:t>                                       WHERE </a:t>
-            </a:r>
-            <a:r>
-              <a:rPr lang="en-GB" dirty="0" err="1">
-                <a:latin typeface="Andale Mono" panose="020B0509000000000004" pitchFamily="49" charset="0"/>
-              </a:rPr>
-              <a:t>O.client</a:t>
-            </a:r>
-            <a:r>
-              <a:rPr lang="en-GB" dirty="0">
-                <a:latin typeface="Andale Mono" panose="020B0509000000000004" pitchFamily="49" charset="0"/>
-              </a:rPr>
-              <a:t> = </a:t>
-            </a:r>
-            <a:r>
-              <a:rPr lang="en-GB" dirty="0" err="1">
-                <a:latin typeface="Andale Mono" panose="020B0509000000000004" pitchFamily="49" charset="0"/>
-              </a:rPr>
-              <a:t>new.client</a:t>
-            </a:r>
-            <a:r>
-              <a:rPr lang="en-GB" dirty="0">
-                <a:latin typeface="Andale Mono" panose="020B0509000000000004" pitchFamily="49" charset="0"/>
-              </a:rPr>
-              <a:t> );</a:t>
-            </a:r>
-            <a:br>
-              <a:rPr lang="en-GB" dirty="0">
-                <a:latin typeface="Andale Mono" panose="020B0509000000000004" pitchFamily="49" charset="0"/>
-              </a:rPr>
-            </a:br>
-            <a:br>
-              <a:rPr lang="en-GB" dirty="0">
-                <a:latin typeface="Andale Mono" panose="020B0509000000000004" pitchFamily="49" charset="0"/>
-              </a:rPr>
-            </a:br>
-            <a:r>
-              <a:rPr lang="en-GB" dirty="0">
-                <a:latin typeface="Andale Mono" panose="020B0509000000000004" pitchFamily="49" charset="0"/>
-              </a:rPr>
-              <a:t>   DECLARE </a:t>
-            </a:r>
-            <a:r>
-              <a:rPr lang="en-GB" dirty="0" err="1">
-                <a:latin typeface="Andale Mono" panose="020B0509000000000004" pitchFamily="49" charset="0"/>
-              </a:rPr>
-              <a:t>new_client_rejections</a:t>
-            </a:r>
-            <a:r>
-              <a:rPr lang="en-GB" dirty="0">
-                <a:latin typeface="Andale Mono" panose="020B0509000000000004" pitchFamily="49" charset="0"/>
-              </a:rPr>
-              <a:t> int;</a:t>
-            </a:r>
-            <a:br>
-              <a:rPr lang="en-GB" dirty="0">
-                <a:latin typeface="Andale Mono" panose="020B0509000000000004" pitchFamily="49" charset="0"/>
-              </a:rPr>
-            </a:br>
-            <a:r>
-              <a:rPr lang="en-GB" dirty="0">
-                <a:latin typeface="Andale Mono" panose="020B0509000000000004" pitchFamily="49" charset="0"/>
-              </a:rPr>
-              <a:t>   DECLARE </a:t>
-            </a:r>
-            <a:r>
-              <a:rPr lang="en-GB" dirty="0" err="1">
-                <a:latin typeface="Andale Mono" panose="020B0509000000000004" pitchFamily="49" charset="0"/>
-              </a:rPr>
-              <a:t>old_client_rejections</a:t>
-            </a:r>
-            <a:r>
-              <a:rPr lang="en-GB" dirty="0">
-                <a:latin typeface="Andale Mono" panose="020B0509000000000004" pitchFamily="49" charset="0"/>
-              </a:rPr>
-              <a:t> int;</a:t>
-            </a:r>
-            <a:br>
-              <a:rPr lang="en-GB" dirty="0">
-                <a:latin typeface="Andale Mono" panose="020B0509000000000004" pitchFamily="49" charset="0"/>
-              </a:rPr>
-            </a:br>
-            <a:br>
-              <a:rPr lang="en-GB" dirty="0">
-                <a:latin typeface="Andale Mono" panose="020B0509000000000004" pitchFamily="49" charset="0"/>
-              </a:rPr>
-            </a:br>
-            <a:r>
-              <a:rPr lang="en-GB" dirty="0">
-                <a:latin typeface="Andale Mono" panose="020B0509000000000004" pitchFamily="49" charset="0"/>
-              </a:rPr>
-              <a:t>   if ( </a:t>
-            </a:r>
-            <a:r>
-              <a:rPr lang="en-GB" dirty="0" err="1">
-                <a:latin typeface="Andale Mono" panose="020B0509000000000004" pitchFamily="49" charset="0"/>
-              </a:rPr>
-              <a:t>old.IS_VALID</a:t>
-            </a:r>
-            <a:r>
-              <a:rPr lang="en-GB" dirty="0">
-                <a:latin typeface="Andale Mono" panose="020B0509000000000004" pitchFamily="49" charset="0"/>
-              </a:rPr>
-              <a:t> = 'DEFAULT' and </a:t>
-            </a:r>
-            <a:r>
-              <a:rPr lang="en-GB" dirty="0" err="1">
-                <a:latin typeface="Andale Mono" panose="020B0509000000000004" pitchFamily="49" charset="0"/>
-              </a:rPr>
-              <a:t>new.IS_VALID</a:t>
-            </a:r>
-            <a:r>
-              <a:rPr lang="en-GB" dirty="0">
-                <a:latin typeface="Andale Mono" panose="020B0509000000000004" pitchFamily="49" charset="0"/>
-              </a:rPr>
-              <a:t> = 'REJECTED' ) then</a:t>
-            </a:r>
-            <a:br>
-              <a:rPr lang="en-GB" dirty="0">
-                <a:latin typeface="Andale Mono" panose="020B0509000000000004" pitchFamily="49" charset="0"/>
-              </a:rPr>
-            </a:br>
-            <a:r>
-              <a:rPr lang="en-GB" dirty="0">
-                <a:latin typeface="Andale Mono" panose="020B0509000000000004" pitchFamily="49" charset="0"/>
-              </a:rPr>
-              <a:t>        -- If the first payment is rejected</a:t>
-            </a:r>
-            <a:br>
-              <a:rPr lang="en-GB" dirty="0">
-                <a:latin typeface="Andale Mono" panose="020B0509000000000004" pitchFamily="49" charset="0"/>
-              </a:rPr>
-            </a:br>
-            <a:r>
-              <a:rPr lang="en-GB" dirty="0">
-                <a:latin typeface="Andale Mono" panose="020B0509000000000004" pitchFamily="49" charset="0"/>
-              </a:rPr>
-              <a:t>      update </a:t>
-            </a:r>
-            <a:r>
-              <a:rPr lang="en-GB" dirty="0" err="1">
-                <a:latin typeface="Andale Mono" panose="020B0509000000000004" pitchFamily="49" charset="0"/>
-              </a:rPr>
-              <a:t>telcoservice_db.client</a:t>
-            </a:r>
-            <a:br>
-              <a:rPr lang="en-GB" dirty="0">
-                <a:latin typeface="Andale Mono" panose="020B0509000000000004" pitchFamily="49" charset="0"/>
-              </a:rPr>
-            </a:br>
-            <a:r>
-              <a:rPr lang="en-GB" dirty="0">
-                <a:latin typeface="Andale Mono" panose="020B0509000000000004" pitchFamily="49" charset="0"/>
-              </a:rPr>
-              <a:t>         set insolvent = 'insolvent'</a:t>
-            </a:r>
-            <a:br>
-              <a:rPr lang="en-GB" dirty="0">
-                <a:latin typeface="Andale Mono" panose="020B0509000000000004" pitchFamily="49" charset="0"/>
-              </a:rPr>
-            </a:br>
-            <a:r>
-              <a:rPr lang="en-GB" dirty="0">
-                <a:latin typeface="Andale Mono" panose="020B0509000000000004" pitchFamily="49" charset="0"/>
-              </a:rPr>
-              <a:t>            where </a:t>
-            </a:r>
-            <a:r>
-              <a:rPr lang="en-GB" dirty="0" err="1">
-                <a:latin typeface="Andale Mono" panose="020B0509000000000004" pitchFamily="49" charset="0"/>
-              </a:rPr>
-              <a:t>strcmp</a:t>
-            </a:r>
-            <a:r>
-              <a:rPr lang="en-GB" dirty="0">
-                <a:latin typeface="Andale Mono" panose="020B0509000000000004" pitchFamily="49" charset="0"/>
-              </a:rPr>
-              <a:t> (username, </a:t>
-            </a:r>
-            <a:r>
-              <a:rPr lang="en-GB" dirty="0" err="1">
-                <a:latin typeface="Andale Mono" panose="020B0509000000000004" pitchFamily="49" charset="0"/>
-              </a:rPr>
-              <a:t>insolvent_client</a:t>
-            </a:r>
-            <a:r>
-              <a:rPr lang="en-GB" dirty="0">
-                <a:latin typeface="Andale Mono" panose="020B0509000000000004" pitchFamily="49" charset="0"/>
-              </a:rPr>
-              <a:t>) = 0;</a:t>
-            </a:r>
-            <a:br>
-              <a:rPr lang="en-GB" dirty="0">
-                <a:latin typeface="Andale Mono" panose="020B0509000000000004" pitchFamily="49" charset="0"/>
-              </a:rPr>
-            </a:br>
-            <a:br>
-              <a:rPr lang="en-GB" dirty="0">
-                <a:latin typeface="Andale Mono" panose="020B0509000000000004" pitchFamily="49" charset="0"/>
-              </a:rPr>
-            </a:br>
-            <a:r>
-              <a:rPr lang="en-GB" dirty="0">
-                <a:latin typeface="Andale Mono" panose="020B0509000000000004" pitchFamily="49" charset="0"/>
-              </a:rPr>
-              <a:t>   elseif ( </a:t>
-            </a:r>
-            <a:r>
-              <a:rPr lang="en-GB" dirty="0" err="1">
-                <a:latin typeface="Andale Mono" panose="020B0509000000000004" pitchFamily="49" charset="0"/>
-              </a:rPr>
-              <a:t>old.IS_VALID</a:t>
-            </a:r>
-            <a:r>
-              <a:rPr lang="en-GB" dirty="0">
-                <a:latin typeface="Andale Mono" panose="020B0509000000000004" pitchFamily="49" charset="0"/>
-              </a:rPr>
-              <a:t> = 'REJECTED' and </a:t>
-            </a:r>
-            <a:r>
-              <a:rPr lang="en-GB" dirty="0" err="1">
-                <a:latin typeface="Andale Mono" panose="020B0509000000000004" pitchFamily="49" charset="0"/>
-              </a:rPr>
-              <a:t>new.IS_VALID</a:t>
-            </a:r>
-            <a:r>
-              <a:rPr lang="en-GB" dirty="0">
-                <a:latin typeface="Andale Mono" panose="020B0509000000000004" pitchFamily="49" charset="0"/>
-              </a:rPr>
-              <a:t> = 'ACCEPTED' ) then</a:t>
-            </a:r>
-            <a:br>
-              <a:rPr lang="en-GB" dirty="0">
-                <a:latin typeface="Andale Mono" panose="020B0509000000000004" pitchFamily="49" charset="0"/>
-              </a:rPr>
-            </a:br>
-            <a:r>
-              <a:rPr lang="en-GB" dirty="0">
-                <a:latin typeface="Andale Mono" panose="020B0509000000000004" pitchFamily="49" charset="0"/>
-              </a:rPr>
-              <a:t>       -- When the order is finally </a:t>
-            </a:r>
-            <a:r>
-              <a:rPr lang="en-GB" dirty="0" err="1">
-                <a:latin typeface="Andale Mono" panose="020B0509000000000004" pitchFamily="49" charset="0"/>
-              </a:rPr>
-              <a:t>payed</a:t>
-            </a:r>
-            <a:br>
-              <a:rPr lang="en-GB" dirty="0">
-                <a:latin typeface="Andale Mono" panose="020B0509000000000004" pitchFamily="49" charset="0"/>
-              </a:rPr>
-            </a:br>
-            <a:r>
-              <a:rPr lang="en-GB" dirty="0">
-                <a:latin typeface="Andale Mono" panose="020B0509000000000004" pitchFamily="49" charset="0"/>
-              </a:rPr>
-              <a:t>       SET </a:t>
-            </a:r>
-            <a:r>
-              <a:rPr lang="en-GB" dirty="0" err="1">
-                <a:latin typeface="Andale Mono" panose="020B0509000000000004" pitchFamily="49" charset="0"/>
-              </a:rPr>
-              <a:t>old_client_rejections</a:t>
-            </a:r>
-            <a:r>
-              <a:rPr lang="en-GB" dirty="0">
-                <a:latin typeface="Andale Mono" panose="020B0509000000000004" pitchFamily="49" charset="0"/>
-              </a:rPr>
-              <a:t> = (</a:t>
-            </a:r>
-            <a:br>
-              <a:rPr lang="en-GB" dirty="0">
-                <a:latin typeface="Andale Mono" panose="020B0509000000000004" pitchFamily="49" charset="0"/>
-              </a:rPr>
-            </a:br>
-            <a:r>
-              <a:rPr lang="en-GB" dirty="0">
-                <a:latin typeface="Andale Mono" panose="020B0509000000000004" pitchFamily="49" charset="0"/>
-              </a:rPr>
-              <a:t>            SELECT C.NUMBER_REJECTIONS</a:t>
-            </a:r>
-            <a:br>
-              <a:rPr lang="en-GB" dirty="0">
-                <a:latin typeface="Andale Mono" panose="020B0509000000000004" pitchFamily="49" charset="0"/>
-              </a:rPr>
-            </a:br>
-            <a:r>
-              <a:rPr lang="en-GB" dirty="0">
-                <a:latin typeface="Andale Mono" panose="020B0509000000000004" pitchFamily="49" charset="0"/>
-              </a:rPr>
-              <a:t>            FROM client C</a:t>
-            </a:r>
-            <a:br>
-              <a:rPr lang="en-GB" dirty="0">
-                <a:latin typeface="Andale Mono" panose="020B0509000000000004" pitchFamily="49" charset="0"/>
-              </a:rPr>
-            </a:br>
-            <a:r>
-              <a:rPr lang="en-GB" dirty="0">
-                <a:latin typeface="Andale Mono" panose="020B0509000000000004" pitchFamily="49" charset="0"/>
-              </a:rPr>
-              <a:t>            WHERE NEW.CLIENT = C.USERNAME</a:t>
-            </a:r>
-            <a:br>
-              <a:rPr lang="en-GB" dirty="0">
-                <a:latin typeface="Andale Mono" panose="020B0509000000000004" pitchFamily="49" charset="0"/>
-              </a:rPr>
-            </a:br>
-            <a:r>
-              <a:rPr lang="en-GB" dirty="0">
-                <a:latin typeface="Andale Mono" panose="020B0509000000000004" pitchFamily="49" charset="0"/>
-              </a:rPr>
-              <a:t>        );</a:t>
-            </a:r>
-            <a:br>
-              <a:rPr lang="en-GB" dirty="0">
-                <a:latin typeface="Andale Mono" panose="020B0509000000000004" pitchFamily="49" charset="0"/>
-              </a:rPr>
-            </a:br>
-            <a:br>
-              <a:rPr lang="en-GB" dirty="0">
-                <a:latin typeface="Andale Mono" panose="020B0509000000000004" pitchFamily="49" charset="0"/>
-              </a:rPr>
-            </a:br>
-            <a:r>
-              <a:rPr lang="en-GB" dirty="0">
-                <a:latin typeface="Andale Mono" panose="020B0509000000000004" pitchFamily="49" charset="0"/>
-              </a:rPr>
-              <a:t>       SET </a:t>
-            </a:r>
-            <a:r>
-              <a:rPr lang="en-GB" dirty="0" err="1">
-                <a:latin typeface="Andale Mono" panose="020B0509000000000004" pitchFamily="49" charset="0"/>
-              </a:rPr>
-              <a:t>new_client_rejections</a:t>
-            </a:r>
-            <a:r>
-              <a:rPr lang="en-GB" dirty="0">
-                <a:latin typeface="Andale Mono" panose="020B0509000000000004" pitchFamily="49" charset="0"/>
-              </a:rPr>
-              <a:t> = (</a:t>
-            </a:r>
-            <a:br>
-              <a:rPr lang="en-GB" dirty="0">
-                <a:latin typeface="Andale Mono" panose="020B0509000000000004" pitchFamily="49" charset="0"/>
-              </a:rPr>
-            </a:br>
-            <a:r>
-              <a:rPr lang="en-GB" dirty="0">
-                <a:latin typeface="Andale Mono" panose="020B0509000000000004" pitchFamily="49" charset="0"/>
-              </a:rPr>
-              <a:t>            SELECT C.NUMBER_REJECTIONS - O.NUMBER_REJECTIONS</a:t>
-            </a:r>
-            <a:br>
-              <a:rPr lang="en-GB" dirty="0">
-                <a:latin typeface="Andale Mono" panose="020B0509000000000004" pitchFamily="49" charset="0"/>
-              </a:rPr>
-            </a:br>
-            <a:r>
-              <a:rPr lang="en-GB" dirty="0">
-                <a:latin typeface="Andale Mono" panose="020B0509000000000004" pitchFamily="49" charset="0"/>
-              </a:rPr>
-              <a:t>            FROM </a:t>
-            </a:r>
-            <a:r>
-              <a:rPr lang="en-GB" dirty="0" err="1">
-                <a:latin typeface="Andale Mono" panose="020B0509000000000004" pitchFamily="49" charset="0"/>
-              </a:rPr>
-              <a:t>telcoservice_db.order</a:t>
-            </a:r>
-            <a:r>
-              <a:rPr lang="en-GB" dirty="0">
-                <a:latin typeface="Andale Mono" panose="020B0509000000000004" pitchFamily="49" charset="0"/>
-              </a:rPr>
-              <a:t> O, client C</a:t>
-            </a:r>
-            <a:br>
-              <a:rPr lang="en-GB" dirty="0">
-                <a:latin typeface="Andale Mono" panose="020B0509000000000004" pitchFamily="49" charset="0"/>
-              </a:rPr>
-            </a:br>
-            <a:r>
-              <a:rPr lang="en-GB" dirty="0">
-                <a:latin typeface="Andale Mono" panose="020B0509000000000004" pitchFamily="49" charset="0"/>
-              </a:rPr>
-              <a:t>            WHERE </a:t>
-            </a:r>
-            <a:r>
-              <a:rPr lang="en-GB" dirty="0" err="1">
-                <a:latin typeface="Andale Mono" panose="020B0509000000000004" pitchFamily="49" charset="0"/>
-              </a:rPr>
-              <a:t>O.id</a:t>
-            </a:r>
-            <a:r>
-              <a:rPr lang="en-GB" dirty="0">
-                <a:latin typeface="Andale Mono" panose="020B0509000000000004" pitchFamily="49" charset="0"/>
-              </a:rPr>
-              <a:t> = </a:t>
-            </a:r>
-            <a:r>
-              <a:rPr lang="en-GB" dirty="0" err="1">
-                <a:latin typeface="Andale Mono" panose="020B0509000000000004" pitchFamily="49" charset="0"/>
-              </a:rPr>
-              <a:t>new.id</a:t>
-            </a:r>
-            <a:r>
-              <a:rPr lang="en-GB" dirty="0">
-                <a:latin typeface="Andale Mono" panose="020B0509000000000004" pitchFamily="49" charset="0"/>
-              </a:rPr>
-              <a:t> AND NEW.CLIENT = C.USERNAME</a:t>
-            </a:r>
-            <a:br>
-              <a:rPr lang="en-GB" dirty="0">
-                <a:latin typeface="Andale Mono" panose="020B0509000000000004" pitchFamily="49" charset="0"/>
-              </a:rPr>
-            </a:br>
-            <a:r>
-              <a:rPr lang="en-GB" dirty="0">
-                <a:latin typeface="Andale Mono" panose="020B0509000000000004" pitchFamily="49" charset="0"/>
-              </a:rPr>
-              <a:t>       );</a:t>
-            </a:r>
-            <a:br>
-              <a:rPr lang="en-GB" dirty="0">
-                <a:latin typeface="Andale Mono" panose="020B0509000000000004" pitchFamily="49" charset="0"/>
-              </a:rPr>
-            </a:br>
-            <a:br>
-              <a:rPr lang="en-GB" dirty="0">
-                <a:latin typeface="Andale Mono" panose="020B0509000000000004" pitchFamily="49" charset="0"/>
-              </a:rPr>
-            </a:br>
-            <a:r>
-              <a:rPr lang="en-GB" dirty="0">
-                <a:latin typeface="Andale Mono" panose="020B0509000000000004" pitchFamily="49" charset="0"/>
-              </a:rPr>
-              <a:t>      update </a:t>
-            </a:r>
-            <a:r>
-              <a:rPr lang="en-GB" dirty="0" err="1">
-                <a:latin typeface="Andale Mono" panose="020B0509000000000004" pitchFamily="49" charset="0"/>
-              </a:rPr>
-              <a:t>telcoservice_db.client</a:t>
-            </a:r>
-            <a:r>
-              <a:rPr lang="en-GB" dirty="0">
-                <a:latin typeface="Andale Mono" panose="020B0509000000000004" pitchFamily="49" charset="0"/>
-              </a:rPr>
-              <a:t> C</a:t>
-            </a:r>
-            <a:br>
-              <a:rPr lang="en-GB" dirty="0">
-                <a:latin typeface="Andale Mono" panose="020B0509000000000004" pitchFamily="49" charset="0"/>
-              </a:rPr>
-            </a:br>
-            <a:r>
-              <a:rPr lang="en-GB" dirty="0">
-                <a:latin typeface="Andale Mono" panose="020B0509000000000004" pitchFamily="49" charset="0"/>
-              </a:rPr>
-              <a:t>         set C.NUMBER_REJECTIONS = </a:t>
-            </a:r>
-            <a:r>
-              <a:rPr lang="en-GB" dirty="0" err="1">
-                <a:latin typeface="Andale Mono" panose="020B0509000000000004" pitchFamily="49" charset="0"/>
-              </a:rPr>
-              <a:t>new_client_rejections</a:t>
-            </a:r>
-            <a:br>
-              <a:rPr lang="en-GB" dirty="0">
-                <a:latin typeface="Andale Mono" panose="020B0509000000000004" pitchFamily="49" charset="0"/>
-              </a:rPr>
-            </a:br>
-            <a:r>
-              <a:rPr lang="en-GB" dirty="0">
-                <a:latin typeface="Andale Mono" panose="020B0509000000000004" pitchFamily="49" charset="0"/>
-              </a:rPr>
-              <a:t>          where NEW.CLIENT = C.USERNAME;</a:t>
-            </a:r>
-            <a:br>
-              <a:rPr lang="en-GB" dirty="0">
-                <a:latin typeface="Andale Mono" panose="020B0509000000000004" pitchFamily="49" charset="0"/>
-              </a:rPr>
-            </a:br>
-            <a:br>
-              <a:rPr lang="en-GB" dirty="0">
-                <a:latin typeface="Andale Mono" panose="020B0509000000000004" pitchFamily="49" charset="0"/>
-              </a:rPr>
-            </a:br>
-            <a:r>
-              <a:rPr lang="en-GB" dirty="0">
-                <a:latin typeface="Andale Mono" panose="020B0509000000000004" pitchFamily="49" charset="0"/>
-              </a:rPr>
-              <a:t>       if ( </a:t>
-            </a:r>
-            <a:r>
-              <a:rPr lang="en-GB" dirty="0" err="1">
-                <a:latin typeface="Andale Mono" panose="020B0509000000000004" pitchFamily="49" charset="0"/>
-              </a:rPr>
-              <a:t>old_client_rejections</a:t>
-            </a:r>
-            <a:r>
-              <a:rPr lang="en-GB" dirty="0">
-                <a:latin typeface="Andale Mono" panose="020B0509000000000004" pitchFamily="49" charset="0"/>
-              </a:rPr>
-              <a:t> &gt; 0 and </a:t>
-            </a:r>
-            <a:r>
-              <a:rPr lang="en-GB" dirty="0" err="1">
-                <a:latin typeface="Andale Mono" panose="020B0509000000000004" pitchFamily="49" charset="0"/>
-              </a:rPr>
-              <a:t>new_client_rejections</a:t>
-            </a:r>
-            <a:r>
-              <a:rPr lang="en-GB" dirty="0">
-                <a:latin typeface="Andale Mono" panose="020B0509000000000004" pitchFamily="49" charset="0"/>
-              </a:rPr>
-              <a:t> = 0 ) then</a:t>
-            </a:r>
-            <a:br>
-              <a:rPr lang="en-GB" dirty="0">
-                <a:latin typeface="Andale Mono" panose="020B0509000000000004" pitchFamily="49" charset="0"/>
-              </a:rPr>
-            </a:br>
-            <a:r>
-              <a:rPr lang="en-GB" dirty="0">
-                <a:latin typeface="Andale Mono" panose="020B0509000000000004" pitchFamily="49" charset="0"/>
-              </a:rPr>
-              <a:t>            update </a:t>
-            </a:r>
-            <a:r>
-              <a:rPr lang="en-GB" dirty="0" err="1">
-                <a:latin typeface="Andale Mono" panose="020B0509000000000004" pitchFamily="49" charset="0"/>
-              </a:rPr>
-              <a:t>telcoservice_db.client</a:t>
-            </a:r>
-            <a:r>
-              <a:rPr lang="en-GB" dirty="0">
-                <a:latin typeface="Andale Mono" panose="020B0509000000000004" pitchFamily="49" charset="0"/>
-              </a:rPr>
-              <a:t> C</a:t>
-            </a:r>
-            <a:br>
-              <a:rPr lang="en-GB" dirty="0">
-                <a:latin typeface="Andale Mono" panose="020B0509000000000004" pitchFamily="49" charset="0"/>
-              </a:rPr>
-            </a:br>
-            <a:r>
-              <a:rPr lang="en-GB" dirty="0">
-                <a:latin typeface="Andale Mono" panose="020B0509000000000004" pitchFamily="49" charset="0"/>
-              </a:rPr>
-              <a:t>            set C.INSOLVENT = 'SOLVENT'</a:t>
-            </a:r>
-            <a:br>
-              <a:rPr lang="en-GB" dirty="0">
-                <a:latin typeface="Andale Mono" panose="020B0509000000000004" pitchFamily="49" charset="0"/>
-              </a:rPr>
-            </a:br>
-            <a:r>
-              <a:rPr lang="en-GB" dirty="0">
-                <a:latin typeface="Andale Mono" panose="020B0509000000000004" pitchFamily="49" charset="0"/>
-              </a:rPr>
-              <a:t>            where NEW.CLIENT = C.USERNAME AND C.INSOLVENT = 'INSOLVENT';</a:t>
-            </a:r>
-            <a:br>
-              <a:rPr lang="en-GB" dirty="0">
-                <a:latin typeface="Andale Mono" panose="020B0509000000000004" pitchFamily="49" charset="0"/>
-              </a:rPr>
-            </a:br>
-            <a:r>
-              <a:rPr lang="en-GB" dirty="0">
-                <a:latin typeface="Andale Mono" panose="020B0509000000000004" pitchFamily="49" charset="0"/>
-              </a:rPr>
-              <a:t>        end if;</a:t>
-            </a:r>
-            <a:br>
-              <a:rPr lang="en-GB" dirty="0">
-                <a:latin typeface="Andale Mono" panose="020B0509000000000004" pitchFamily="49" charset="0"/>
-              </a:rPr>
-            </a:br>
-            <a:r>
-              <a:rPr lang="en-GB" dirty="0">
-                <a:latin typeface="Andale Mono" panose="020B0509000000000004" pitchFamily="49" charset="0"/>
-              </a:rPr>
-              <a:t>   end if;</a:t>
-            </a:r>
-            <a:br>
-              <a:rPr lang="en-GB" dirty="0">
-                <a:latin typeface="Andale Mono" panose="020B0509000000000004" pitchFamily="49" charset="0"/>
-              </a:rPr>
-            </a:br>
-            <a:r>
-              <a:rPr lang="en-GB" dirty="0">
-                <a:latin typeface="Andale Mono" panose="020B0509000000000004" pitchFamily="49" charset="0"/>
-              </a:rPr>
-              <a:t>END;</a:t>
-            </a:r>
-            <a:endParaRPr lang="en-IT" dirty="0">
+              <a:rPr lang="en-GB" sz="1500" dirty="0" err="1">
+                <a:latin typeface="Andale Mono" panose="020B0509000000000004" pitchFamily="49" charset="0"/>
+              </a:rPr>
+              <a:t>alert_auditing</a:t>
+            </a:r>
+            <a:endParaRPr lang="en-GB" sz="1500" dirty="0">
               <a:latin typeface="Andale Mono" panose="020B0509000000000004" pitchFamily="49" charset="0"/>
             </a:endParaRPr>
+          </a:p>
+          <a:p>
+            <a:pPr marL="457200" lvl="1" indent="0">
+              <a:buNone/>
+            </a:pPr>
+            <a:r>
+              <a:rPr lang="en-GB" sz="1500" dirty="0">
+                <a:latin typeface="Andale Mono" panose="020B0509000000000004" pitchFamily="49" charset="0"/>
+              </a:rPr>
+              <a:t>after update on </a:t>
+            </a:r>
+            <a:r>
+              <a:rPr lang="en-GB" sz="1500" dirty="0" err="1">
+                <a:latin typeface="Andale Mono" panose="020B0509000000000004" pitchFamily="49" charset="0"/>
+              </a:rPr>
+              <a:t>telcoservice_db.client</a:t>
+            </a:r>
+            <a:endParaRPr lang="en-GB" sz="1500" dirty="0">
+              <a:latin typeface="Andale Mono" panose="020B0509000000000004" pitchFamily="49" charset="0"/>
+            </a:endParaRPr>
+          </a:p>
+          <a:p>
+            <a:pPr marL="457200" lvl="1" indent="0">
+              <a:buNone/>
+            </a:pPr>
+            <a:r>
+              <a:rPr lang="en-GB" sz="1500" dirty="0">
+                <a:latin typeface="Andale Mono" panose="020B0509000000000004" pitchFamily="49" charset="0"/>
+              </a:rPr>
+              <a:t>for each row</a:t>
+            </a:r>
+          </a:p>
+          <a:p>
+            <a:pPr marL="457200" lvl="1" indent="0">
+              <a:buNone/>
+            </a:pPr>
+            <a:r>
+              <a:rPr lang="en-GB" sz="1500" dirty="0">
+                <a:latin typeface="Andale Mono" panose="020B0509000000000004" pitchFamily="49" charset="0"/>
+              </a:rPr>
+              <a:t>BEGIN </a:t>
+            </a:r>
+          </a:p>
+          <a:p>
+            <a:pPr marL="457200" lvl="1" indent="0">
+              <a:buNone/>
+            </a:pPr>
+            <a:r>
+              <a:rPr lang="en-GB" sz="1500" dirty="0">
+                <a:latin typeface="Andale Mono" panose="020B0509000000000004" pitchFamily="49" charset="0"/>
+              </a:rPr>
+              <a:t>	declare </a:t>
+            </a:r>
+            <a:r>
+              <a:rPr lang="en-GB" sz="1500" dirty="0" err="1">
+                <a:latin typeface="Andale Mono" panose="020B0509000000000004" pitchFamily="49" charset="0"/>
+              </a:rPr>
+              <a:t>last_rejection_value</a:t>
+            </a:r>
+            <a:r>
+              <a:rPr lang="en-GB" sz="1500" dirty="0">
+                <a:latin typeface="Andale Mono" panose="020B0509000000000004" pitchFamily="49" charset="0"/>
+              </a:rPr>
+              <a:t> DECIMAL(6, 2);  </a:t>
+            </a:r>
+          </a:p>
+          <a:p>
+            <a:pPr marL="457200" lvl="1" indent="0">
+              <a:buNone/>
+            </a:pPr>
+            <a:r>
+              <a:rPr lang="en-GB" sz="1500" dirty="0">
+                <a:latin typeface="Andale Mono" panose="020B0509000000000004" pitchFamily="49" charset="0"/>
+              </a:rPr>
+              <a:t>	IF ( </a:t>
+            </a:r>
+            <a:r>
+              <a:rPr lang="en-GB" sz="1500" dirty="0" err="1">
+                <a:latin typeface="Andale Mono" panose="020B0509000000000004" pitchFamily="49" charset="0"/>
+              </a:rPr>
+              <a:t>old.number_rejections</a:t>
+            </a:r>
+            <a:r>
+              <a:rPr lang="en-GB" sz="1500" dirty="0">
+                <a:latin typeface="Andale Mono" panose="020B0509000000000004" pitchFamily="49" charset="0"/>
+              </a:rPr>
+              <a:t> = 2 AND </a:t>
+            </a:r>
+            <a:r>
+              <a:rPr lang="en-GB" sz="1500" dirty="0" err="1">
+                <a:latin typeface="Andale Mono" panose="020B0509000000000004" pitchFamily="49" charset="0"/>
+              </a:rPr>
+              <a:t>new.number_rejections</a:t>
+            </a:r>
+            <a:r>
+              <a:rPr lang="en-GB" sz="1500" dirty="0">
+                <a:latin typeface="Andale Mono" panose="020B0509000000000004" pitchFamily="49" charset="0"/>
+              </a:rPr>
+              <a:t> = 3 ) THEN</a:t>
+            </a:r>
+          </a:p>
+          <a:p>
+            <a:pPr marL="457200" lvl="1" indent="0">
+              <a:buNone/>
+            </a:pPr>
+            <a:r>
+              <a:rPr lang="en-GB" sz="1500" dirty="0">
+                <a:latin typeface="Andale Mono" panose="020B0509000000000004" pitchFamily="49" charset="0"/>
+              </a:rPr>
+              <a:t>	END IF; </a:t>
+            </a:r>
+          </a:p>
+          <a:p>
+            <a:pPr marL="457200" lvl="1" indent="0">
+              <a:buNone/>
+            </a:pPr>
+            <a:r>
+              <a:rPr lang="en-GB" sz="1500" dirty="0">
+                <a:latin typeface="Andale Mono" panose="020B0509000000000004" pitchFamily="49" charset="0"/>
+              </a:rPr>
+              <a:t>END;  </a:t>
+            </a:r>
+            <a:endParaRPr lang="en-IT" dirty="0"/>
+          </a:p>
+          <a:p>
+            <a:endParaRPr lang="en-IT" dirty="0"/>
           </a:p>
         </p:txBody>
       </p:sp>
     </p:spTree>
     <p:extLst>
       <p:ext uri="{BB962C8B-B14F-4D97-AF65-F5344CB8AC3E}">
-        <p14:creationId xmlns:p14="http://schemas.microsoft.com/office/powerpoint/2010/main" val="3009371357"/>
+        <p14:creationId xmlns:p14="http://schemas.microsoft.com/office/powerpoint/2010/main" val="650809274"/>
       </p:ext>
     </p:extLst>
   </p:cSld>
@@ -4441,7 +3939,7 @@
           <p:cNvPr id="2" name="Title 1">
             <a:extLst>
               <a:ext uri="{FF2B5EF4-FFF2-40B4-BE49-F238E27FC236}">
-                <a16:creationId xmlns:a16="http://schemas.microsoft.com/office/drawing/2014/main" id="{AA17CC0F-EBC7-4149-9FBF-AECBB0887BBD}"/>
+                <a16:creationId xmlns:a16="http://schemas.microsoft.com/office/drawing/2014/main" id="{B911054E-2738-774F-9462-FA40FA4B25FE}"/>
               </a:ext>
             </a:extLst>
           </p:cNvPr>
@@ -4459,7 +3957,7 @@
           <a:p>
             <a:r>
               <a:rPr lang="en-IT" dirty="0"/>
-              <a:t>Solvent_User</a:t>
+              <a:t>Insolvent_User</a:t>
             </a:r>
           </a:p>
         </p:txBody>
@@ -4469,7 +3967,7 @@
           <p:cNvPr id="3" name="Content Placeholder 2">
             <a:extLst>
               <a:ext uri="{FF2B5EF4-FFF2-40B4-BE49-F238E27FC236}">
-                <a16:creationId xmlns:a16="http://schemas.microsoft.com/office/drawing/2014/main" id="{A7998C91-FB19-984C-B866-044FEBD1D861}"/>
+                <a16:creationId xmlns:a16="http://schemas.microsoft.com/office/drawing/2014/main" id="{93383466-79D8-E241-ACC6-A66BD538C215}"/>
               </a:ext>
             </a:extLst>
           </p:cNvPr>
@@ -4482,9 +3980,7 @@
         </p:nvSpPr>
         <p:spPr/>
         <p:txBody>
-          <a:bodyPr>
-            <a:normAutofit fontScale="92500" lnSpcReduction="20000"/>
-          </a:bodyPr>
+          <a:bodyPr/>
           <a:lstStyle/>
           <a:p>
             <a:r>
@@ -4492,9 +3988,14 @@
               <a:t>Event: </a:t>
             </a:r>
             <a:r>
-              <a:rPr lang="en-IT" dirty="0"/>
-              <a:t>Update on Client</a:t>
-            </a:r>
+              <a:rPr lang="en-GB" dirty="0"/>
+              <a:t>Update on </a:t>
+            </a:r>
+            <a:r>
+              <a:rPr lang="it-IT" dirty="0"/>
+              <a:t>Order</a:t>
+            </a:r>
+            <a:endParaRPr lang="en-IT" dirty="0"/>
           </a:p>
           <a:p>
             <a:r>
@@ -4503,7 +4004,7 @@
             </a:r>
             <a:r>
               <a:rPr lang="en-IT" dirty="0"/>
-              <a:t>The client becomes solvent (”INSOLVENT” -&gt; “SOLVENT”)</a:t>
+              <a:t>The validity field (is_valid) changes</a:t>
             </a:r>
             <a:endParaRPr lang="en-IT" b="1" dirty="0"/>
           </a:p>
@@ -4514,7 +4015,17 @@
             </a:r>
             <a:r>
               <a:rPr lang="en-IT" dirty="0"/>
-              <a:t>Set all entries in the auditing table with the username of the solvent client as inactive (is_active = false)</a:t>
+              <a:t>If the validity goes from “DEFAULT” to rejected then the client is marked as “INSOLVENT”</a:t>
+            </a:r>
+          </a:p>
+          <a:p>
+            <a:r>
+              <a:rPr lang="en-IT" b="1" dirty="0"/>
+              <a:t>Action:</a:t>
+            </a:r>
+            <a:r>
+              <a:rPr lang="en-IT" dirty="0"/>
+              <a:t> If the validity goes from “REJECTED” to “ACCEPTED”, then the number of rejections of the client is reduced by the number of rejections of the order (client.number_rejections=4, order.number_rejections=2, then client.number_rejections=2)</a:t>
             </a:r>
           </a:p>
           <a:p>
@@ -4524,197 +4035,21 @@
             </a:r>
             <a:r>
               <a:rPr lang="en-IT" dirty="0"/>
-              <a:t> </a:t>
-            </a:r>
-          </a:p>
-          <a:p>
-            <a:pPr marL="457200" lvl="1" indent="0">
+              <a:t> (on next slide)</a:t>
+            </a:r>
+          </a:p>
+          <a:p>
+            <a:pPr marL="0" indent="0">
               <a:buNone/>
             </a:pPr>
-            <a:r>
-              <a:rPr lang="en-GB" sz="1500" dirty="0">
-                <a:latin typeface="Andale Mono" panose="020B0509000000000004" pitchFamily="49" charset="0"/>
-              </a:rPr>
-              <a:t>create trigger </a:t>
-            </a:r>
-            <a:r>
-              <a:rPr lang="en-GB" sz="1500" dirty="0" err="1">
-                <a:latin typeface="Andale Mono" panose="020B0509000000000004" pitchFamily="49" charset="0"/>
-              </a:rPr>
-              <a:t>solvent_user</a:t>
-            </a:r>
-            <a:endParaRPr lang="en-GB" sz="1500" dirty="0">
-              <a:latin typeface="Andale Mono" panose="020B0509000000000004" pitchFamily="49" charset="0"/>
-            </a:endParaRPr>
-          </a:p>
-          <a:p>
-            <a:pPr marL="457200" lvl="1" indent="0">
-              <a:buNone/>
-            </a:pPr>
-            <a:r>
-              <a:rPr lang="en-GB" sz="1500" dirty="0">
-                <a:latin typeface="Andale Mono" panose="020B0509000000000004" pitchFamily="49" charset="0"/>
-              </a:rPr>
-              <a:t>after update on </a:t>
-            </a:r>
-            <a:r>
-              <a:rPr lang="en-GB" sz="1500" dirty="0" err="1">
-                <a:latin typeface="Andale Mono" panose="020B0509000000000004" pitchFamily="49" charset="0"/>
-              </a:rPr>
-              <a:t>telcoservice_db.client</a:t>
-            </a:r>
-            <a:endParaRPr lang="en-GB" sz="1500" dirty="0">
-              <a:latin typeface="Andale Mono" panose="020B0509000000000004" pitchFamily="49" charset="0"/>
-            </a:endParaRPr>
-          </a:p>
-          <a:p>
-            <a:pPr marL="457200" lvl="1" indent="0">
-              <a:buNone/>
-            </a:pPr>
-            <a:r>
-              <a:rPr lang="en-GB" sz="1500" dirty="0">
-                <a:latin typeface="Andale Mono" panose="020B0509000000000004" pitchFamily="49" charset="0"/>
-              </a:rPr>
-              <a:t>for each row</a:t>
-            </a:r>
-          </a:p>
-          <a:p>
-            <a:pPr marL="457200" lvl="1" indent="0">
-              <a:buNone/>
-            </a:pPr>
-            <a:r>
-              <a:rPr lang="en-GB" sz="1500" dirty="0">
-                <a:latin typeface="Andale Mono" panose="020B0509000000000004" pitchFamily="49" charset="0"/>
-              </a:rPr>
-              <a:t>BEGIN </a:t>
-            </a:r>
-          </a:p>
-          <a:p>
-            <a:pPr marL="457200" lvl="1" indent="0">
-              <a:buNone/>
-            </a:pPr>
-            <a:r>
-              <a:rPr lang="en-GB" sz="1500" dirty="0">
-                <a:latin typeface="Andale Mono" panose="020B0509000000000004" pitchFamily="49" charset="0"/>
-              </a:rPr>
-              <a:t>	IF ( </a:t>
-            </a:r>
-            <a:r>
-              <a:rPr lang="en-GB" sz="1500" dirty="0" err="1">
-                <a:latin typeface="Andale Mono" panose="020B0509000000000004" pitchFamily="49" charset="0"/>
-              </a:rPr>
-              <a:t>old.INSOLVENT</a:t>
-            </a:r>
-            <a:r>
-              <a:rPr lang="en-GB" sz="1500" dirty="0">
-                <a:latin typeface="Andale Mono" panose="020B0509000000000004" pitchFamily="49" charset="0"/>
-              </a:rPr>
-              <a:t> = ‘INSOLVENT’ AND </a:t>
-            </a:r>
-            <a:r>
-              <a:rPr lang="en-GB" sz="1500" dirty="0" err="1">
-                <a:latin typeface="Andale Mono" panose="020B0509000000000004" pitchFamily="49" charset="0"/>
-              </a:rPr>
-              <a:t>new.INSOLVENT</a:t>
-            </a:r>
-            <a:r>
-              <a:rPr lang="en-GB" sz="1500" dirty="0">
-                <a:latin typeface="Andale Mono" panose="020B0509000000000004" pitchFamily="49" charset="0"/>
-              </a:rPr>
-              <a:t> = ‘SOLVENT’ ) THEN</a:t>
-            </a:r>
-          </a:p>
-          <a:p>
-            <a:pPr marL="457200" lvl="1" indent="0">
-              <a:buNone/>
-            </a:pPr>
-            <a:r>
-              <a:rPr lang="en-GB" sz="1500" dirty="0">
-                <a:latin typeface="Andale Mono" panose="020B0509000000000004" pitchFamily="49" charset="0"/>
-              </a:rPr>
-              <a:t>		UPDATE </a:t>
-            </a:r>
-            <a:r>
-              <a:rPr lang="en-GB" sz="1500" dirty="0" err="1">
-                <a:latin typeface="Andale Mono" panose="020B0509000000000004" pitchFamily="49" charset="0"/>
-              </a:rPr>
-              <a:t>telcoservice_db.auditing</a:t>
-            </a:r>
-            <a:endParaRPr lang="en-GB" sz="1500" dirty="0">
-              <a:latin typeface="Andale Mono" panose="020B0509000000000004" pitchFamily="49" charset="0"/>
-            </a:endParaRPr>
-          </a:p>
-          <a:p>
-            <a:pPr marL="457200" lvl="1" indent="0">
-              <a:buNone/>
-            </a:pPr>
-            <a:r>
-              <a:rPr lang="en-GB" sz="1500" dirty="0">
-                <a:latin typeface="Andale Mono" panose="020B0509000000000004" pitchFamily="49" charset="0"/>
-              </a:rPr>
-              <a:t>			SET IS_ACTIVE = 0</a:t>
-            </a:r>
-          </a:p>
-          <a:p>
-            <a:pPr marL="457200" lvl="1" indent="0">
-              <a:buNone/>
-            </a:pPr>
-            <a:r>
-              <a:rPr lang="en-GB" sz="1500" dirty="0">
-                <a:latin typeface="Andale Mono" panose="020B0509000000000004" pitchFamily="49" charset="0"/>
-              </a:rPr>
-              <a:t>			WHERE </a:t>
-            </a:r>
-            <a:r>
-              <a:rPr lang="en-GB" sz="1500" dirty="0" err="1">
-                <a:latin typeface="Andale Mono" panose="020B0509000000000004" pitchFamily="49" charset="0"/>
-              </a:rPr>
-              <a:t>auditing.USERNAME</a:t>
-            </a:r>
-            <a:r>
-              <a:rPr lang="en-GB" sz="1500" dirty="0">
-                <a:latin typeface="Andale Mono" panose="020B0509000000000004" pitchFamily="49" charset="0"/>
-              </a:rPr>
-              <a:t> = </a:t>
-            </a:r>
-            <a:r>
-              <a:rPr lang="en-GB" sz="1500" dirty="0" err="1">
-                <a:latin typeface="Andale Mono" panose="020B0509000000000004" pitchFamily="49" charset="0"/>
-              </a:rPr>
-              <a:t>new.USERNAME</a:t>
-            </a:r>
-            <a:endParaRPr lang="en-GB" sz="1500" dirty="0">
-              <a:latin typeface="Andale Mono" panose="020B0509000000000004" pitchFamily="49" charset="0"/>
-            </a:endParaRPr>
-          </a:p>
-          <a:p>
-            <a:pPr marL="457200" lvl="1" indent="0">
-              <a:buNone/>
-            </a:pPr>
-            <a:r>
-              <a:rPr lang="en-GB" sz="1500" dirty="0">
-                <a:latin typeface="Andale Mono" panose="020B0509000000000004" pitchFamily="49" charset="0"/>
-              </a:rPr>
-              <a:t>	END IF; </a:t>
-            </a:r>
-          </a:p>
-          <a:p>
-            <a:pPr marL="457200" lvl="1" indent="0">
-              <a:buNone/>
-            </a:pPr>
-            <a:r>
-              <a:rPr lang="en-GB" sz="1500" dirty="0">
-                <a:latin typeface="Andale Mono" panose="020B0509000000000004" pitchFamily="49" charset="0"/>
-              </a:rPr>
-              <a:t>END;  </a:t>
-            </a:r>
+            <a:endParaRPr lang="en-IT" dirty="0"/>
           </a:p>
         </p:txBody>
       </p:sp>
     </p:spTree>
     <p:extLst>
       <p:ext uri="{BB962C8B-B14F-4D97-AF65-F5344CB8AC3E}">
-        <p14:creationId xmlns:p14="http://schemas.microsoft.com/office/powerpoint/2010/main" val="1234812703"/>
+        <p14:creationId xmlns:p14="http://schemas.microsoft.com/office/powerpoint/2010/main" val="1885216724"/>
       </p:ext>
     </p:extLst>
   </p:cSld>
@@ -4743,44 +4078,751 @@
       </p:grpSpPr>
       <p:sp>
         <p:nvSpPr>
-          <p:cNvPr id="2" name="Title 1">
-            <a:extLst>
-              <a:ext uri="{FF2B5EF4-FFF2-40B4-BE49-F238E27FC236}">
-                <a16:creationId xmlns:a16="http://schemas.microsoft.com/office/drawing/2014/main" id="{7C1C7D7D-94DC-1049-831B-FDF41451C5E8}"/>
-              </a:ext>
-            </a:extLst>
-          </p:cNvPr>
-          <p:cNvSpPr>
-            <a:spLocks noGrp="1"/>
-          </p:cNvSpPr>
-          <p:nvPr>
-            <p:ph type="title"/>
+          <p:cNvPr id="3" name="Content Placeholder 2">
+            <a:extLst>
+              <a:ext uri="{FF2B5EF4-FFF2-40B4-BE49-F238E27FC236}">
+                <a16:creationId xmlns:a16="http://schemas.microsoft.com/office/drawing/2014/main" id="{B0073405-3434-1945-9A35-D9CC4727A765}"/>
+              </a:ext>
+            </a:extLst>
+          </p:cNvPr>
+          <p:cNvSpPr>
+            <a:spLocks noGrp="1"/>
+          </p:cNvSpPr>
+          <p:nvPr>
+            <p:ph idx="1"/>
           </p:nvPr>
         </p:nvSpPr>
         <p:spPr>
           <a:xfrm>
-            <a:off x="838200" y="325437"/>
-            <a:ext cx="10515600" cy="6207125"/>
+            <a:off x="838200" y="204787"/>
+            <a:ext cx="10515600" cy="6448425"/>
           </a:xfrm>
         </p:spPr>
         <p:txBody>
           <a:bodyPr>
-            <a:normAutofit/>
+            <a:normAutofit fontScale="32500" lnSpcReduction="20000"/>
           </a:bodyPr>
           <a:lstStyle/>
           <a:p>
-            <a:pPr algn="ctr"/>
-            <a:r>
-              <a:rPr lang="en-IT" sz="6000" b="1" dirty="0"/>
-              <a:t>ORM Design</a:t>
-            </a:r>
+            <a:pPr marL="0" indent="0">
+              <a:lnSpc>
+                <a:spcPct val="120000"/>
+              </a:lnSpc>
+              <a:buNone/>
+            </a:pPr>
+            <a:r>
+              <a:rPr lang="en-GB" dirty="0">
+                <a:latin typeface="Andale Mono" panose="020B0509000000000004" pitchFamily="49" charset="0"/>
+              </a:rPr>
+              <a:t>create trigger </a:t>
+            </a:r>
+            <a:r>
+              <a:rPr lang="en-GB" dirty="0" err="1">
+                <a:latin typeface="Andale Mono" panose="020B0509000000000004" pitchFamily="49" charset="0"/>
+              </a:rPr>
+              <a:t>insolvent_user</a:t>
+            </a:r>
+            <a:br>
+              <a:rPr lang="en-GB" dirty="0">
+                <a:latin typeface="Andale Mono" panose="020B0509000000000004" pitchFamily="49" charset="0"/>
+              </a:rPr>
+            </a:br>
+            <a:r>
+              <a:rPr lang="en-GB" dirty="0">
+                <a:latin typeface="Andale Mono" panose="020B0509000000000004" pitchFamily="49" charset="0"/>
+              </a:rPr>
+              <a:t>after update on </a:t>
+            </a:r>
+            <a:r>
+              <a:rPr lang="en-GB" dirty="0" err="1">
+                <a:latin typeface="Andale Mono" panose="020B0509000000000004" pitchFamily="49" charset="0"/>
+              </a:rPr>
+              <a:t>telcoservice_db.order</a:t>
+            </a:r>
+            <a:br>
+              <a:rPr lang="en-GB" dirty="0">
+                <a:latin typeface="Andale Mono" panose="020B0509000000000004" pitchFamily="49" charset="0"/>
+              </a:rPr>
+            </a:br>
+            <a:r>
+              <a:rPr lang="en-GB" dirty="0">
+                <a:latin typeface="Andale Mono" panose="020B0509000000000004" pitchFamily="49" charset="0"/>
+              </a:rPr>
+              <a:t>for each row</a:t>
+            </a:r>
+            <a:br>
+              <a:rPr lang="en-GB" dirty="0">
+                <a:latin typeface="Andale Mono" panose="020B0509000000000004" pitchFamily="49" charset="0"/>
+              </a:rPr>
+            </a:br>
+            <a:r>
+              <a:rPr lang="en-GB" dirty="0">
+                <a:latin typeface="Andale Mono" panose="020B0509000000000004" pitchFamily="49" charset="0"/>
+              </a:rPr>
+              <a:t>BEGIN</a:t>
+            </a:r>
+            <a:br>
+              <a:rPr lang="en-GB" dirty="0">
+                <a:latin typeface="Andale Mono" panose="020B0509000000000004" pitchFamily="49" charset="0"/>
+              </a:rPr>
+            </a:br>
+            <a:r>
+              <a:rPr lang="en-GB" dirty="0">
+                <a:latin typeface="Andale Mono" panose="020B0509000000000004" pitchFamily="49" charset="0"/>
+              </a:rPr>
+              <a:t>   DECLARE </a:t>
+            </a:r>
+            <a:r>
+              <a:rPr lang="en-GB" dirty="0" err="1">
+                <a:latin typeface="Andale Mono" panose="020B0509000000000004" pitchFamily="49" charset="0"/>
+              </a:rPr>
+              <a:t>insolvent_client</a:t>
+            </a:r>
+            <a:r>
+              <a:rPr lang="en-GB" dirty="0">
+                <a:latin typeface="Andale Mono" panose="020B0509000000000004" pitchFamily="49" charset="0"/>
+              </a:rPr>
+              <a:t> varchar(255) default ( SELECT distinct O.CLIENT</a:t>
+            </a:r>
+            <a:br>
+              <a:rPr lang="en-GB" dirty="0">
+                <a:latin typeface="Andale Mono" panose="020B0509000000000004" pitchFamily="49" charset="0"/>
+              </a:rPr>
+            </a:br>
+            <a:r>
+              <a:rPr lang="en-GB" dirty="0">
+                <a:latin typeface="Andale Mono" panose="020B0509000000000004" pitchFamily="49" charset="0"/>
+              </a:rPr>
+              <a:t>                                       FROM </a:t>
+            </a:r>
+            <a:r>
+              <a:rPr lang="en-GB" dirty="0" err="1">
+                <a:latin typeface="Andale Mono" panose="020B0509000000000004" pitchFamily="49" charset="0"/>
+              </a:rPr>
+              <a:t>telcoservice_db.order</a:t>
+            </a:r>
+            <a:r>
+              <a:rPr lang="en-GB" dirty="0">
+                <a:latin typeface="Andale Mono" panose="020B0509000000000004" pitchFamily="49" charset="0"/>
+              </a:rPr>
+              <a:t> O</a:t>
+            </a:r>
+            <a:br>
+              <a:rPr lang="en-GB" dirty="0">
+                <a:latin typeface="Andale Mono" panose="020B0509000000000004" pitchFamily="49" charset="0"/>
+              </a:rPr>
+            </a:br>
+            <a:r>
+              <a:rPr lang="en-GB" dirty="0">
+                <a:latin typeface="Andale Mono" panose="020B0509000000000004" pitchFamily="49" charset="0"/>
+              </a:rPr>
+              <a:t>                                       WHERE </a:t>
+            </a:r>
+            <a:r>
+              <a:rPr lang="en-GB" dirty="0" err="1">
+                <a:latin typeface="Andale Mono" panose="020B0509000000000004" pitchFamily="49" charset="0"/>
+              </a:rPr>
+              <a:t>O.client</a:t>
+            </a:r>
+            <a:r>
+              <a:rPr lang="en-GB" dirty="0">
+                <a:latin typeface="Andale Mono" panose="020B0509000000000004" pitchFamily="49" charset="0"/>
+              </a:rPr>
+              <a:t> = </a:t>
+            </a:r>
+            <a:r>
+              <a:rPr lang="en-GB" dirty="0" err="1">
+                <a:latin typeface="Andale Mono" panose="020B0509000000000004" pitchFamily="49" charset="0"/>
+              </a:rPr>
+              <a:t>new.client</a:t>
+            </a:r>
+            <a:r>
+              <a:rPr lang="en-GB" dirty="0">
+                <a:latin typeface="Andale Mono" panose="020B0509000000000004" pitchFamily="49" charset="0"/>
+              </a:rPr>
+              <a:t> );</a:t>
+            </a:r>
+            <a:br>
+              <a:rPr lang="en-GB" dirty="0">
+                <a:latin typeface="Andale Mono" panose="020B0509000000000004" pitchFamily="49" charset="0"/>
+              </a:rPr>
+            </a:br>
+            <a:br>
+              <a:rPr lang="en-GB" dirty="0">
+                <a:latin typeface="Andale Mono" panose="020B0509000000000004" pitchFamily="49" charset="0"/>
+              </a:rPr>
+            </a:br>
+            <a:r>
+              <a:rPr lang="en-GB" dirty="0">
+                <a:latin typeface="Andale Mono" panose="020B0509000000000004" pitchFamily="49" charset="0"/>
+              </a:rPr>
+              <a:t>   DECLARE </a:t>
+            </a:r>
+            <a:r>
+              <a:rPr lang="en-GB" dirty="0" err="1">
+                <a:latin typeface="Andale Mono" panose="020B0509000000000004" pitchFamily="49" charset="0"/>
+              </a:rPr>
+              <a:t>new_client_rejections</a:t>
+            </a:r>
+            <a:r>
+              <a:rPr lang="en-GB" dirty="0">
+                <a:latin typeface="Andale Mono" panose="020B0509000000000004" pitchFamily="49" charset="0"/>
+              </a:rPr>
+              <a:t> int;</a:t>
+            </a:r>
+            <a:br>
+              <a:rPr lang="en-GB" dirty="0">
+                <a:latin typeface="Andale Mono" panose="020B0509000000000004" pitchFamily="49" charset="0"/>
+              </a:rPr>
+            </a:br>
+            <a:r>
+              <a:rPr lang="en-GB" dirty="0">
+                <a:latin typeface="Andale Mono" panose="020B0509000000000004" pitchFamily="49" charset="0"/>
+              </a:rPr>
+              <a:t>   DECLARE </a:t>
+            </a:r>
+            <a:r>
+              <a:rPr lang="en-GB" dirty="0" err="1">
+                <a:latin typeface="Andale Mono" panose="020B0509000000000004" pitchFamily="49" charset="0"/>
+              </a:rPr>
+              <a:t>old_client_rejections</a:t>
+            </a:r>
+            <a:r>
+              <a:rPr lang="en-GB" dirty="0">
+                <a:latin typeface="Andale Mono" panose="020B0509000000000004" pitchFamily="49" charset="0"/>
+              </a:rPr>
+              <a:t> int;</a:t>
+            </a:r>
+            <a:br>
+              <a:rPr lang="en-GB" dirty="0">
+                <a:latin typeface="Andale Mono" panose="020B0509000000000004" pitchFamily="49" charset="0"/>
+              </a:rPr>
+            </a:br>
+            <a:br>
+              <a:rPr lang="en-GB" dirty="0">
+                <a:latin typeface="Andale Mono" panose="020B0509000000000004" pitchFamily="49" charset="0"/>
+              </a:rPr>
+            </a:br>
+            <a:r>
+              <a:rPr lang="en-GB" dirty="0">
+                <a:latin typeface="Andale Mono" panose="020B0509000000000004" pitchFamily="49" charset="0"/>
+              </a:rPr>
+              <a:t>   if ( </a:t>
+            </a:r>
+            <a:r>
+              <a:rPr lang="en-GB" dirty="0" err="1">
+                <a:latin typeface="Andale Mono" panose="020B0509000000000004" pitchFamily="49" charset="0"/>
+              </a:rPr>
+              <a:t>old.IS_VALID</a:t>
+            </a:r>
+            <a:r>
+              <a:rPr lang="en-GB" dirty="0">
+                <a:latin typeface="Andale Mono" panose="020B0509000000000004" pitchFamily="49" charset="0"/>
+              </a:rPr>
+              <a:t> = 'DEFAULT' and </a:t>
+            </a:r>
+            <a:r>
+              <a:rPr lang="en-GB" dirty="0" err="1">
+                <a:latin typeface="Andale Mono" panose="020B0509000000000004" pitchFamily="49" charset="0"/>
+              </a:rPr>
+              <a:t>new.IS_VALID</a:t>
+            </a:r>
+            <a:r>
+              <a:rPr lang="en-GB" dirty="0">
+                <a:latin typeface="Andale Mono" panose="020B0509000000000004" pitchFamily="49" charset="0"/>
+              </a:rPr>
+              <a:t> = 'REJECTED' ) then</a:t>
+            </a:r>
+            <a:br>
+              <a:rPr lang="en-GB" dirty="0">
+                <a:latin typeface="Andale Mono" panose="020B0509000000000004" pitchFamily="49" charset="0"/>
+              </a:rPr>
+            </a:br>
+            <a:r>
+              <a:rPr lang="en-GB" dirty="0">
+                <a:latin typeface="Andale Mono" panose="020B0509000000000004" pitchFamily="49" charset="0"/>
+              </a:rPr>
+              <a:t>        -- If the first payment is rejected</a:t>
+            </a:r>
+            <a:br>
+              <a:rPr lang="en-GB" dirty="0">
+                <a:latin typeface="Andale Mono" panose="020B0509000000000004" pitchFamily="49" charset="0"/>
+              </a:rPr>
+            </a:br>
+            <a:r>
+              <a:rPr lang="en-GB" dirty="0">
+                <a:latin typeface="Andale Mono" panose="020B0509000000000004" pitchFamily="49" charset="0"/>
+              </a:rPr>
+              <a:t>      update </a:t>
+            </a:r>
+            <a:r>
+              <a:rPr lang="en-GB" dirty="0" err="1">
+                <a:latin typeface="Andale Mono" panose="020B0509000000000004" pitchFamily="49" charset="0"/>
+              </a:rPr>
+              <a:t>telcoservice_db.client</a:t>
+            </a:r>
+            <a:br>
+              <a:rPr lang="en-GB" dirty="0">
+                <a:latin typeface="Andale Mono" panose="020B0509000000000004" pitchFamily="49" charset="0"/>
+              </a:rPr>
+            </a:br>
+            <a:r>
+              <a:rPr lang="en-GB" dirty="0">
+                <a:latin typeface="Andale Mono" panose="020B0509000000000004" pitchFamily="49" charset="0"/>
+              </a:rPr>
+              <a:t>         set insolvent = 'insolvent'</a:t>
+            </a:r>
+            <a:br>
+              <a:rPr lang="en-GB" dirty="0">
+                <a:latin typeface="Andale Mono" panose="020B0509000000000004" pitchFamily="49" charset="0"/>
+              </a:rPr>
+            </a:br>
+            <a:r>
+              <a:rPr lang="en-GB" dirty="0">
+                <a:latin typeface="Andale Mono" panose="020B0509000000000004" pitchFamily="49" charset="0"/>
+              </a:rPr>
+              <a:t>            where </a:t>
+            </a:r>
+            <a:r>
+              <a:rPr lang="en-GB" dirty="0" err="1">
+                <a:latin typeface="Andale Mono" panose="020B0509000000000004" pitchFamily="49" charset="0"/>
+              </a:rPr>
+              <a:t>strcmp</a:t>
+            </a:r>
+            <a:r>
+              <a:rPr lang="en-GB" dirty="0">
+                <a:latin typeface="Andale Mono" panose="020B0509000000000004" pitchFamily="49" charset="0"/>
+              </a:rPr>
+              <a:t> (username, </a:t>
+            </a:r>
+            <a:r>
+              <a:rPr lang="en-GB" dirty="0" err="1">
+                <a:latin typeface="Andale Mono" panose="020B0509000000000004" pitchFamily="49" charset="0"/>
+              </a:rPr>
+              <a:t>insolvent_client</a:t>
+            </a:r>
+            <a:r>
+              <a:rPr lang="en-GB" dirty="0">
+                <a:latin typeface="Andale Mono" panose="020B0509000000000004" pitchFamily="49" charset="0"/>
+              </a:rPr>
+              <a:t>) = 0;</a:t>
+            </a:r>
+            <a:br>
+              <a:rPr lang="en-GB" dirty="0">
+                <a:latin typeface="Andale Mono" panose="020B0509000000000004" pitchFamily="49" charset="0"/>
+              </a:rPr>
+            </a:br>
+            <a:br>
+              <a:rPr lang="en-GB" dirty="0">
+                <a:latin typeface="Andale Mono" panose="020B0509000000000004" pitchFamily="49" charset="0"/>
+              </a:rPr>
+            </a:br>
+            <a:r>
+              <a:rPr lang="en-GB" dirty="0">
+                <a:latin typeface="Andale Mono" panose="020B0509000000000004" pitchFamily="49" charset="0"/>
+              </a:rPr>
+              <a:t>   elseif ( </a:t>
+            </a:r>
+            <a:r>
+              <a:rPr lang="en-GB" dirty="0" err="1">
+                <a:latin typeface="Andale Mono" panose="020B0509000000000004" pitchFamily="49" charset="0"/>
+              </a:rPr>
+              <a:t>old.IS_VALID</a:t>
+            </a:r>
+            <a:r>
+              <a:rPr lang="en-GB" dirty="0">
+                <a:latin typeface="Andale Mono" panose="020B0509000000000004" pitchFamily="49" charset="0"/>
+              </a:rPr>
+              <a:t> = 'REJECTED' and </a:t>
+            </a:r>
+            <a:r>
+              <a:rPr lang="en-GB" dirty="0" err="1">
+                <a:latin typeface="Andale Mono" panose="020B0509000000000004" pitchFamily="49" charset="0"/>
+              </a:rPr>
+              <a:t>new.IS_VALID</a:t>
+            </a:r>
+            <a:r>
+              <a:rPr lang="en-GB" dirty="0">
+                <a:latin typeface="Andale Mono" panose="020B0509000000000004" pitchFamily="49" charset="0"/>
+              </a:rPr>
+              <a:t> = 'ACCEPTED' ) then</a:t>
+            </a:r>
+            <a:br>
+              <a:rPr lang="en-GB" dirty="0">
+                <a:latin typeface="Andale Mono" panose="020B0509000000000004" pitchFamily="49" charset="0"/>
+              </a:rPr>
+            </a:br>
+            <a:r>
+              <a:rPr lang="en-GB" dirty="0">
+                <a:latin typeface="Andale Mono" panose="020B0509000000000004" pitchFamily="49" charset="0"/>
+              </a:rPr>
+              <a:t>       -- When the order is finally </a:t>
+            </a:r>
+            <a:r>
+              <a:rPr lang="en-GB" dirty="0" err="1">
+                <a:latin typeface="Andale Mono" panose="020B0509000000000004" pitchFamily="49" charset="0"/>
+              </a:rPr>
+              <a:t>payed</a:t>
+            </a:r>
+            <a:br>
+              <a:rPr lang="en-GB" dirty="0">
+                <a:latin typeface="Andale Mono" panose="020B0509000000000004" pitchFamily="49" charset="0"/>
+              </a:rPr>
+            </a:br>
+            <a:r>
+              <a:rPr lang="en-GB" dirty="0">
+                <a:latin typeface="Andale Mono" panose="020B0509000000000004" pitchFamily="49" charset="0"/>
+              </a:rPr>
+              <a:t>       SET </a:t>
+            </a:r>
+            <a:r>
+              <a:rPr lang="en-GB" dirty="0" err="1">
+                <a:latin typeface="Andale Mono" panose="020B0509000000000004" pitchFamily="49" charset="0"/>
+              </a:rPr>
+              <a:t>old_client_rejections</a:t>
+            </a:r>
+            <a:r>
+              <a:rPr lang="en-GB" dirty="0">
+                <a:latin typeface="Andale Mono" panose="020B0509000000000004" pitchFamily="49" charset="0"/>
+              </a:rPr>
+              <a:t> = (</a:t>
+            </a:r>
+            <a:br>
+              <a:rPr lang="en-GB" dirty="0">
+                <a:latin typeface="Andale Mono" panose="020B0509000000000004" pitchFamily="49" charset="0"/>
+              </a:rPr>
+            </a:br>
+            <a:r>
+              <a:rPr lang="en-GB" dirty="0">
+                <a:latin typeface="Andale Mono" panose="020B0509000000000004" pitchFamily="49" charset="0"/>
+              </a:rPr>
+              <a:t>            SELECT C.NUMBER_REJECTIONS</a:t>
+            </a:r>
+            <a:br>
+              <a:rPr lang="en-GB" dirty="0">
+                <a:latin typeface="Andale Mono" panose="020B0509000000000004" pitchFamily="49" charset="0"/>
+              </a:rPr>
+            </a:br>
+            <a:r>
+              <a:rPr lang="en-GB" dirty="0">
+                <a:latin typeface="Andale Mono" panose="020B0509000000000004" pitchFamily="49" charset="0"/>
+              </a:rPr>
+              <a:t>            FROM client C</a:t>
+            </a:r>
+            <a:br>
+              <a:rPr lang="en-GB" dirty="0">
+                <a:latin typeface="Andale Mono" panose="020B0509000000000004" pitchFamily="49" charset="0"/>
+              </a:rPr>
+            </a:br>
+            <a:r>
+              <a:rPr lang="en-GB" dirty="0">
+                <a:latin typeface="Andale Mono" panose="020B0509000000000004" pitchFamily="49" charset="0"/>
+              </a:rPr>
+              <a:t>            WHERE NEW.CLIENT = C.USERNAME</a:t>
+            </a:r>
+            <a:br>
+              <a:rPr lang="en-GB" dirty="0">
+                <a:latin typeface="Andale Mono" panose="020B0509000000000004" pitchFamily="49" charset="0"/>
+              </a:rPr>
+            </a:br>
+            <a:r>
+              <a:rPr lang="en-GB" dirty="0">
+                <a:latin typeface="Andale Mono" panose="020B0509000000000004" pitchFamily="49" charset="0"/>
+              </a:rPr>
+              <a:t>        );</a:t>
+            </a:r>
+            <a:br>
+              <a:rPr lang="en-GB" dirty="0">
+                <a:latin typeface="Andale Mono" panose="020B0509000000000004" pitchFamily="49" charset="0"/>
+              </a:rPr>
+            </a:br>
+            <a:br>
+              <a:rPr lang="en-GB" dirty="0">
+                <a:latin typeface="Andale Mono" panose="020B0509000000000004" pitchFamily="49" charset="0"/>
+              </a:rPr>
+            </a:br>
+            <a:r>
+              <a:rPr lang="en-GB" dirty="0">
+                <a:latin typeface="Andale Mono" panose="020B0509000000000004" pitchFamily="49" charset="0"/>
+              </a:rPr>
+              <a:t>       SET </a:t>
+            </a:r>
+            <a:r>
+              <a:rPr lang="en-GB" dirty="0" err="1">
+                <a:latin typeface="Andale Mono" panose="020B0509000000000004" pitchFamily="49" charset="0"/>
+              </a:rPr>
+              <a:t>new_client_rejections</a:t>
+            </a:r>
+            <a:r>
+              <a:rPr lang="en-GB" dirty="0">
+                <a:latin typeface="Andale Mono" panose="020B0509000000000004" pitchFamily="49" charset="0"/>
+              </a:rPr>
+              <a:t> = (</a:t>
+            </a:r>
+            <a:br>
+              <a:rPr lang="en-GB" dirty="0">
+                <a:latin typeface="Andale Mono" panose="020B0509000000000004" pitchFamily="49" charset="0"/>
+              </a:rPr>
+            </a:br>
+            <a:r>
+              <a:rPr lang="en-GB" dirty="0">
+                <a:latin typeface="Andale Mono" panose="020B0509000000000004" pitchFamily="49" charset="0"/>
+              </a:rPr>
+              <a:t>            SELECT C.NUMBER_REJECTIONS - O.NUMBER_REJECTIONS</a:t>
+            </a:r>
+            <a:br>
+              <a:rPr lang="en-GB" dirty="0">
+                <a:latin typeface="Andale Mono" panose="020B0509000000000004" pitchFamily="49" charset="0"/>
+              </a:rPr>
+            </a:br>
+            <a:r>
+              <a:rPr lang="en-GB" dirty="0">
+                <a:latin typeface="Andale Mono" panose="020B0509000000000004" pitchFamily="49" charset="0"/>
+              </a:rPr>
+              <a:t>            FROM </a:t>
+            </a:r>
+            <a:r>
+              <a:rPr lang="en-GB" dirty="0" err="1">
+                <a:latin typeface="Andale Mono" panose="020B0509000000000004" pitchFamily="49" charset="0"/>
+              </a:rPr>
+              <a:t>telcoservice_db.order</a:t>
+            </a:r>
+            <a:r>
+              <a:rPr lang="en-GB" dirty="0">
+                <a:latin typeface="Andale Mono" panose="020B0509000000000004" pitchFamily="49" charset="0"/>
+              </a:rPr>
+              <a:t> O, client C</a:t>
+            </a:r>
+            <a:br>
+              <a:rPr lang="en-GB" dirty="0">
+                <a:latin typeface="Andale Mono" panose="020B0509000000000004" pitchFamily="49" charset="0"/>
+              </a:rPr>
+            </a:br>
+            <a:r>
+              <a:rPr lang="en-GB" dirty="0">
+                <a:latin typeface="Andale Mono" panose="020B0509000000000004" pitchFamily="49" charset="0"/>
+              </a:rPr>
+              <a:t>            WHERE </a:t>
+            </a:r>
+            <a:r>
+              <a:rPr lang="en-GB" dirty="0" err="1">
+                <a:latin typeface="Andale Mono" panose="020B0509000000000004" pitchFamily="49" charset="0"/>
+              </a:rPr>
+              <a:t>O.id</a:t>
+            </a:r>
+            <a:r>
+              <a:rPr lang="en-GB" dirty="0">
+                <a:latin typeface="Andale Mono" panose="020B0509000000000004" pitchFamily="49" charset="0"/>
+              </a:rPr>
+              <a:t> = </a:t>
+            </a:r>
+            <a:r>
+              <a:rPr lang="en-GB" dirty="0" err="1">
+                <a:latin typeface="Andale Mono" panose="020B0509000000000004" pitchFamily="49" charset="0"/>
+              </a:rPr>
+              <a:t>new.id</a:t>
+            </a:r>
+            <a:r>
+              <a:rPr lang="en-GB" dirty="0">
+                <a:latin typeface="Andale Mono" panose="020B0509000000000004" pitchFamily="49" charset="0"/>
+              </a:rPr>
+              <a:t> AND NEW.CLIENT = C.USERNAME</a:t>
+            </a:r>
+            <a:br>
+              <a:rPr lang="en-GB" dirty="0">
+                <a:latin typeface="Andale Mono" panose="020B0509000000000004" pitchFamily="49" charset="0"/>
+              </a:rPr>
+            </a:br>
+            <a:r>
+              <a:rPr lang="en-GB" dirty="0">
+                <a:latin typeface="Andale Mono" panose="020B0509000000000004" pitchFamily="49" charset="0"/>
+              </a:rPr>
+              <a:t>       );</a:t>
+            </a:r>
+            <a:br>
+              <a:rPr lang="en-GB" dirty="0">
+                <a:latin typeface="Andale Mono" panose="020B0509000000000004" pitchFamily="49" charset="0"/>
+              </a:rPr>
+            </a:br>
+            <a:br>
+              <a:rPr lang="en-GB" dirty="0">
+                <a:latin typeface="Andale Mono" panose="020B0509000000000004" pitchFamily="49" charset="0"/>
+              </a:rPr>
+            </a:br>
+            <a:r>
+              <a:rPr lang="en-GB" dirty="0">
+                <a:latin typeface="Andale Mono" panose="020B0509000000000004" pitchFamily="49" charset="0"/>
+              </a:rPr>
+              <a:t>      update </a:t>
+            </a:r>
+            <a:r>
+              <a:rPr lang="en-GB" dirty="0" err="1">
+                <a:latin typeface="Andale Mono" panose="020B0509000000000004" pitchFamily="49" charset="0"/>
+              </a:rPr>
+              <a:t>telcoservice_db.client</a:t>
+            </a:r>
+            <a:r>
+              <a:rPr lang="en-GB" dirty="0">
+                <a:latin typeface="Andale Mono" panose="020B0509000000000004" pitchFamily="49" charset="0"/>
+              </a:rPr>
+              <a:t> C</a:t>
+            </a:r>
+            <a:br>
+              <a:rPr lang="en-GB" dirty="0">
+                <a:latin typeface="Andale Mono" panose="020B0509000000000004" pitchFamily="49" charset="0"/>
+              </a:rPr>
+            </a:br>
+            <a:r>
+              <a:rPr lang="en-GB" dirty="0">
+                <a:latin typeface="Andale Mono" panose="020B0509000000000004" pitchFamily="49" charset="0"/>
+              </a:rPr>
+              <a:t>         set C.NUMBER_REJECTIONS = </a:t>
+            </a:r>
+            <a:r>
+              <a:rPr lang="en-GB" dirty="0" err="1">
+                <a:latin typeface="Andale Mono" panose="020B0509000000000004" pitchFamily="49" charset="0"/>
+              </a:rPr>
+              <a:t>new_client_rejections</a:t>
+            </a:r>
+            <a:br>
+              <a:rPr lang="en-GB" dirty="0">
+                <a:latin typeface="Andale Mono" panose="020B0509000000000004" pitchFamily="49" charset="0"/>
+              </a:rPr>
+            </a:br>
+            <a:r>
+              <a:rPr lang="en-GB" dirty="0">
+                <a:latin typeface="Andale Mono" panose="020B0509000000000004" pitchFamily="49" charset="0"/>
+              </a:rPr>
+              <a:t>          where NEW.CLIENT = C.USERNAME;</a:t>
+            </a:r>
+            <a:br>
+              <a:rPr lang="en-GB" dirty="0">
+                <a:latin typeface="Andale Mono" panose="020B0509000000000004" pitchFamily="49" charset="0"/>
+              </a:rPr>
+            </a:br>
+            <a:br>
+              <a:rPr lang="en-GB" dirty="0">
+                <a:latin typeface="Andale Mono" panose="020B0509000000000004" pitchFamily="49" charset="0"/>
+              </a:rPr>
+            </a:br>
+            <a:r>
+              <a:rPr lang="en-GB" dirty="0">
+                <a:latin typeface="Andale Mono" panose="020B0509000000000004" pitchFamily="49" charset="0"/>
+              </a:rPr>
+              <a:t>       if ( </a:t>
+            </a:r>
+            <a:r>
+              <a:rPr lang="en-GB" dirty="0" err="1">
+                <a:latin typeface="Andale Mono" panose="020B0509000000000004" pitchFamily="49" charset="0"/>
+              </a:rPr>
+              <a:t>old_client_rejections</a:t>
+            </a:r>
+            <a:r>
+              <a:rPr lang="en-GB" dirty="0">
+                <a:latin typeface="Andale Mono" panose="020B0509000000000004" pitchFamily="49" charset="0"/>
+              </a:rPr>
+              <a:t> &gt; 0 and </a:t>
+            </a:r>
+            <a:r>
+              <a:rPr lang="en-GB" dirty="0" err="1">
+                <a:latin typeface="Andale Mono" panose="020B0509000000000004" pitchFamily="49" charset="0"/>
+              </a:rPr>
+              <a:t>new_client_rejections</a:t>
+            </a:r>
+            <a:r>
+              <a:rPr lang="en-GB" dirty="0">
+                <a:latin typeface="Andale Mono" panose="020B0509000000000004" pitchFamily="49" charset="0"/>
+              </a:rPr>
+              <a:t> = 0 ) then</a:t>
+            </a:r>
+            <a:br>
+              <a:rPr lang="en-GB" dirty="0">
+                <a:latin typeface="Andale Mono" panose="020B0509000000000004" pitchFamily="49" charset="0"/>
+              </a:rPr>
+            </a:br>
+            <a:r>
+              <a:rPr lang="en-GB" dirty="0">
+                <a:latin typeface="Andale Mono" panose="020B0509000000000004" pitchFamily="49" charset="0"/>
+              </a:rPr>
+              <a:t>            update </a:t>
+            </a:r>
+            <a:r>
+              <a:rPr lang="en-GB" dirty="0" err="1">
+                <a:latin typeface="Andale Mono" panose="020B0509000000000004" pitchFamily="49" charset="0"/>
+              </a:rPr>
+              <a:t>telcoservice_db.client</a:t>
+            </a:r>
+            <a:r>
+              <a:rPr lang="en-GB" dirty="0">
+                <a:latin typeface="Andale Mono" panose="020B0509000000000004" pitchFamily="49" charset="0"/>
+              </a:rPr>
+              <a:t> C</a:t>
+            </a:r>
+            <a:br>
+              <a:rPr lang="en-GB" dirty="0">
+                <a:latin typeface="Andale Mono" panose="020B0509000000000004" pitchFamily="49" charset="0"/>
+              </a:rPr>
+            </a:br>
+            <a:r>
+              <a:rPr lang="en-GB" dirty="0">
+                <a:latin typeface="Andale Mono" panose="020B0509000000000004" pitchFamily="49" charset="0"/>
+              </a:rPr>
+              <a:t>            set C.INSOLVENT = 'SOLVENT'</a:t>
+            </a:r>
+            <a:br>
+              <a:rPr lang="en-GB" dirty="0">
+                <a:latin typeface="Andale Mono" panose="020B0509000000000004" pitchFamily="49" charset="0"/>
+              </a:rPr>
+            </a:br>
+            <a:r>
+              <a:rPr lang="en-GB" dirty="0">
+                <a:latin typeface="Andale Mono" panose="020B0509000000000004" pitchFamily="49" charset="0"/>
+              </a:rPr>
+              <a:t>            where NEW.CLIENT = C.USERNAME AND C.INSOLVENT = 'INSOLVENT';</a:t>
+            </a:r>
+            <a:br>
+              <a:rPr lang="en-GB" dirty="0">
+                <a:latin typeface="Andale Mono" panose="020B0509000000000004" pitchFamily="49" charset="0"/>
+              </a:rPr>
+            </a:br>
+            <a:r>
+              <a:rPr lang="en-GB" dirty="0">
+                <a:latin typeface="Andale Mono" panose="020B0509000000000004" pitchFamily="49" charset="0"/>
+              </a:rPr>
+              <a:t>        end if;</a:t>
+            </a:r>
+            <a:br>
+              <a:rPr lang="en-GB" dirty="0">
+                <a:latin typeface="Andale Mono" panose="020B0509000000000004" pitchFamily="49" charset="0"/>
+              </a:rPr>
+            </a:br>
+            <a:r>
+              <a:rPr lang="en-GB" dirty="0">
+                <a:latin typeface="Andale Mono" panose="020B0509000000000004" pitchFamily="49" charset="0"/>
+              </a:rPr>
+              <a:t>   end if;</a:t>
+            </a:r>
+            <a:br>
+              <a:rPr lang="en-GB" dirty="0">
+                <a:latin typeface="Andale Mono" panose="020B0509000000000004" pitchFamily="49" charset="0"/>
+              </a:rPr>
+            </a:br>
+            <a:r>
+              <a:rPr lang="en-GB" dirty="0">
+                <a:latin typeface="Andale Mono" panose="020B0509000000000004" pitchFamily="49" charset="0"/>
+              </a:rPr>
+              <a:t>END;</a:t>
+            </a:r>
+            <a:endParaRPr lang="en-IT" dirty="0">
+              <a:latin typeface="Andale Mono" panose="020B0509000000000004" pitchFamily="49" charset="0"/>
+            </a:endParaRPr>
           </a:p>
         </p:txBody>
       </p:sp>
     </p:spTree>
     <p:extLst>
       <p:ext uri="{BB962C8B-B14F-4D97-AF65-F5344CB8AC3E}">
-        <p14:creationId xmlns:p14="http://schemas.microsoft.com/office/powerpoint/2010/main" val="1259545662"/>
+        <p14:creationId xmlns:p14="http://schemas.microsoft.com/office/powerpoint/2010/main" val="3009371357"/>
       </p:ext>
     </p:extLst>
   </p:cSld>
@@ -4812,7 +4854,7 @@
           <p:cNvPr id="2" name="Title 1">
             <a:extLst>
               <a:ext uri="{FF2B5EF4-FFF2-40B4-BE49-F238E27FC236}">
-                <a16:creationId xmlns:a16="http://schemas.microsoft.com/office/drawing/2014/main" id="{6DD9A9FD-1376-6E44-AE34-6A0672C0F2CB}"/>
+                <a16:creationId xmlns:a16="http://schemas.microsoft.com/office/drawing/2014/main" id="{AA17CC0F-EBC7-4149-9FBF-AECBB0887BBD}"/>
               </a:ext>
             </a:extLst>
           </p:cNvPr>
@@ -4830,7 +4872,7 @@
           <a:p>
             <a:r>
               <a:rPr lang="en-IT" dirty="0"/>
-              <a:t>Order - Client</a:t>
+              <a:t>Solvent_User</a:t>
             </a:r>
           </a:p>
         </p:txBody>
@@ -4840,7 +4882,7 @@
           <p:cNvPr id="3" name="Content Placeholder 2">
             <a:extLst>
               <a:ext uri="{FF2B5EF4-FFF2-40B4-BE49-F238E27FC236}">
-                <a16:creationId xmlns:a16="http://schemas.microsoft.com/office/drawing/2014/main" id="{E74129A1-A377-FD47-9B90-CF9D2B98D0DF}"/>
+                <a16:creationId xmlns:a16="http://schemas.microsoft.com/office/drawing/2014/main" id="{A7998C91-FB19-984C-B866-044FEBD1D861}"/>
               </a:ext>
             </a:extLst>
           </p:cNvPr>
@@ -4853,26 +4895,231 @@
         </p:nvSpPr>
         <p:spPr/>
         <p:txBody>
-          <a:bodyPr/>
-          <a:lstStyle/>
-          <a:p>
+          <a:bodyPr>
+            <a:normAutofit fontScale="92500" lnSpcReduction="20000"/>
+          </a:bodyPr>
+          <a:lstStyle/>
+          <a:p>
+            <a:r>
+              <a:rPr lang="en-IT" b="1" dirty="0"/>
+              <a:t>Event: </a:t>
+            </a:r>
             <a:r>
               <a:rPr lang="en-IT" dirty="0"/>
-              <a:t>Order -&gt; Client (OWNER): An order is done by a client. </a:t>
-            </a:r>
-          </a:p>
-          <a:p>
+              <a:t>Update on Client</a:t>
+            </a:r>
+          </a:p>
+          <a:p>
+            <a:r>
+              <a:rPr lang="en-IT" b="1" dirty="0"/>
+              <a:t>Condition: </a:t>
+            </a:r>
             <a:r>
               <a:rPr lang="en-IT" dirty="0"/>
-              <a:t>Client -&gt; Order: added for consistency and be</a:t>
-            </a:r>
-            <a:r>
-              <a:rPr lang="en-GB" dirty="0"/>
-              <a:t>ca</a:t>
+              <a:t>The client becomes solvent (”INSOLVENT” -&gt; “SOLVENT”)</a:t>
+            </a:r>
+            <a:endParaRPr lang="en-IT" b="1" dirty="0"/>
+          </a:p>
+          <a:p>
+            <a:r>
+              <a:rPr lang="en-IT" b="1" dirty="0"/>
+              <a:t>Action: </a:t>
             </a:r>
             <a:r>
               <a:rPr lang="en-IT" dirty="0"/>
-              <a:t>use it’s useful to know, given a client a list of all its orders. Lazy because when we get a client we might not want to know its orders and it might have many, thus it might be costly to retreive them. </a:t>
+              <a:t>Set all entries in the auditing table with the username of the solvent client as inactive (is_active = false)</a:t>
+            </a:r>
+          </a:p>
+          <a:p>
+            <a:r>
+              <a:rPr lang="en-IT" b="1" dirty="0"/>
+              <a:t>Code:</a:t>
+            </a:r>
+            <a:r>
+              <a:rPr lang="en-IT" dirty="0"/>
+              <a:t> </a:t>
+            </a:r>
+          </a:p>
+          <a:p>
+            <a:pPr marL="457200" lvl="1" indent="0">
+              <a:buNone/>
+            </a:pPr>
+            <a:r>
+              <a:rPr lang="en-GB" sz="1500" dirty="0">
+                <a:latin typeface="Andale Mono" panose="020B0509000000000004" pitchFamily="49" charset="0"/>
+              </a:rPr>
+              <a:t>create trigger </a:t>
+            </a:r>
+            <a:r>
+              <a:rPr lang="en-GB" sz="1500" dirty="0" err="1">
+                <a:latin typeface="Andale Mono" panose="020B0509000000000004" pitchFamily="49" charset="0"/>
+              </a:rPr>
+              <a:t>solvent_user</a:t>
+            </a:r>
+            <a:endParaRPr lang="en-GB" sz="1500" dirty="0">
+              <a:latin typeface="Andale Mono" panose="020B0509000000000004" pitchFamily="49" charset="0"/>
+            </a:endParaRPr>
+          </a:p>
+          <a:p>
+            <a:pPr marL="457200" lvl="1" indent="0">
+              <a:buNone/>
+            </a:pPr>
+            <a:r>
+              <a:rPr lang="en-GB" sz="1500" dirty="0">
+                <a:latin typeface="Andale Mono" panose="020B0509000000000004" pitchFamily="49" charset="0"/>
+              </a:rPr>
+              <a:t>after update on </a:t>
+            </a:r>
+            <a:r>
+              <a:rPr lang="en-GB" sz="1500" dirty="0" err="1">
+                <a:latin typeface="Andale Mono" panose="020B0509000000000004" pitchFamily="49" charset="0"/>
+              </a:rPr>
+              <a:t>telcoservice_db.client</a:t>
+            </a:r>
+            <a:endParaRPr lang="en-GB" sz="1500" dirty="0">
+              <a:latin typeface="Andale Mono" panose="020B0509000000000004" pitchFamily="49" charset="0"/>
+            </a:endParaRPr>
+          </a:p>
+          <a:p>
+            <a:pPr marL="457200" lvl="1" indent="0">
+              <a:buNone/>
+            </a:pPr>
+            <a:r>
+              <a:rPr lang="en-GB" sz="1500" dirty="0">
+                <a:latin typeface="Andale Mono" panose="020B0509000000000004" pitchFamily="49" charset="0"/>
+              </a:rPr>
+              <a:t>for each row</a:t>
+            </a:r>
+          </a:p>
+          <a:p>
+            <a:pPr marL="457200" lvl="1" indent="0">
+              <a:buNone/>
+            </a:pPr>
+            <a:r>
+              <a:rPr lang="en-GB" sz="1500" dirty="0">
+                <a:latin typeface="Andale Mono" panose="020B0509000000000004" pitchFamily="49" charset="0"/>
+              </a:rPr>
+              <a:t>BEGIN </a:t>
+            </a:r>
+          </a:p>
+          <a:p>
+            <a:pPr marL="457200" lvl="1" indent="0">
+              <a:buNone/>
+            </a:pPr>
+            <a:r>
+              <a:rPr lang="en-GB" sz="1500" dirty="0">
+                <a:latin typeface="Andale Mono" panose="020B0509000000000004" pitchFamily="49" charset="0"/>
+              </a:rPr>
+              <a:t>	IF ( </a:t>
+            </a:r>
+            <a:r>
+              <a:rPr lang="en-GB" sz="1500" dirty="0" err="1">
+                <a:latin typeface="Andale Mono" panose="020B0509000000000004" pitchFamily="49" charset="0"/>
+              </a:rPr>
+              <a:t>old.INSOLVENT</a:t>
+            </a:r>
+            <a:r>
+              <a:rPr lang="en-GB" sz="1500" dirty="0">
+                <a:latin typeface="Andale Mono" panose="020B0509000000000004" pitchFamily="49" charset="0"/>
+              </a:rPr>
+              <a:t> = ‘INSOLVENT’ AND </a:t>
+            </a:r>
+            <a:r>
+              <a:rPr lang="en-GB" sz="1500" dirty="0" err="1">
+                <a:latin typeface="Andale Mono" panose="020B0509000000000004" pitchFamily="49" charset="0"/>
+              </a:rPr>
+              <a:t>new.INSOLVENT</a:t>
+            </a:r>
+            <a:r>
+              <a:rPr lang="en-GB" sz="1500" dirty="0">
+                <a:latin typeface="Andale Mono" panose="020B0509000000000004" pitchFamily="49" charset="0"/>
+              </a:rPr>
+              <a:t> = ‘SOLVENT’ ) THEN</a:t>
+            </a:r>
+          </a:p>
+          <a:p>
+            <a:pPr marL="457200" lvl="1" indent="0">
+              <a:buNone/>
+            </a:pPr>
+            <a:r>
+              <a:rPr lang="en-GB" sz="1500" dirty="0">
+                <a:latin typeface="Andale Mono" panose="020B0509000000000004" pitchFamily="49" charset="0"/>
+              </a:rPr>
+              <a:t>		UPDATE </a:t>
+            </a:r>
+            <a:r>
+              <a:rPr lang="en-GB" sz="1500" dirty="0" err="1">
+                <a:latin typeface="Andale Mono" panose="020B0509000000000004" pitchFamily="49" charset="0"/>
+              </a:rPr>
+              <a:t>telcoservice_db.auditing</a:t>
+            </a:r>
+            <a:endParaRPr lang="en-GB" sz="1500" dirty="0">
+              <a:latin typeface="Andale Mono" panose="020B0509000000000004" pitchFamily="49" charset="0"/>
+            </a:endParaRPr>
+          </a:p>
+          <a:p>
+            <a:pPr marL="457200" lvl="1" indent="0">
+              <a:buNone/>
+            </a:pPr>
+            <a:r>
+              <a:rPr lang="en-GB" sz="1500" dirty="0">
+                <a:latin typeface="Andale Mono" panose="020B0509000000000004" pitchFamily="49" charset="0"/>
+              </a:rPr>
+              <a:t>			SET IS_ACTIVE = 0</a:t>
+            </a:r>
+          </a:p>
+          <a:p>
+            <a:pPr marL="457200" lvl="1" indent="0">
+              <a:buNone/>
+            </a:pPr>
+            <a:r>
+              <a:rPr lang="en-GB" sz="1500" dirty="0">
+                <a:latin typeface="Andale Mono" panose="020B0509000000000004" pitchFamily="49" charset="0"/>
+              </a:rPr>
+              <a:t>			WHERE </a:t>
+            </a:r>
+            <a:r>
+              <a:rPr lang="en-GB" sz="1500" dirty="0" err="1">
+                <a:latin typeface="Andale Mono" panose="020B0509000000000004" pitchFamily="49" charset="0"/>
+              </a:rPr>
+              <a:t>auditing.USERNAME</a:t>
+            </a:r>
+            <a:r>
+              <a:rPr lang="en-GB" sz="1500" dirty="0">
+                <a:latin typeface="Andale Mono" panose="020B0509000000000004" pitchFamily="49" charset="0"/>
+              </a:rPr>
+              <a:t> = </a:t>
+            </a:r>
+            <a:r>
+              <a:rPr lang="en-GB" sz="1500" dirty="0" err="1">
+                <a:latin typeface="Andale Mono" panose="020B0509000000000004" pitchFamily="49" charset="0"/>
+              </a:rPr>
+              <a:t>new.USERNAME</a:t>
+            </a:r>
+            <a:endParaRPr lang="en-GB" sz="1500" dirty="0">
+              <a:latin typeface="Andale Mono" panose="020B0509000000000004" pitchFamily="49" charset="0"/>
+            </a:endParaRPr>
+          </a:p>
+          <a:p>
+            <a:pPr marL="457200" lvl="1" indent="0">
+              <a:buNone/>
+            </a:pPr>
+            <a:r>
+              <a:rPr lang="en-GB" sz="1500" dirty="0">
+                <a:latin typeface="Andale Mono" panose="020B0509000000000004" pitchFamily="49" charset="0"/>
+              </a:rPr>
+              <a:t>	END IF; </a:t>
+            </a:r>
+          </a:p>
+          <a:p>
+            <a:pPr marL="457200" lvl="1" indent="0">
+              <a:buNone/>
+            </a:pPr>
+            <a:r>
+              <a:rPr lang="en-GB" sz="1500" dirty="0">
+                <a:latin typeface="Andale Mono" panose="020B0509000000000004" pitchFamily="49" charset="0"/>
+              </a:rPr>
+              <a:t>END;  </a:t>
             </a:r>
           </a:p>
         </p:txBody>
@@ -4880,7 +5127,7 @@
     </p:spTree>
     <p:extLst>
       <p:ext uri="{BB962C8B-B14F-4D97-AF65-F5344CB8AC3E}">
-        <p14:creationId xmlns:p14="http://schemas.microsoft.com/office/powerpoint/2010/main" val="983037716"/>
+        <p14:creationId xmlns:p14="http://schemas.microsoft.com/office/powerpoint/2010/main" val="1234812703"/>
       </p:ext>
     </p:extLst>
   </p:cSld>
@@ -4912,7 +5159,7 @@
           <p:cNvPr id="2" name="Title 1">
             <a:extLst>
               <a:ext uri="{FF2B5EF4-FFF2-40B4-BE49-F238E27FC236}">
-                <a16:creationId xmlns:a16="http://schemas.microsoft.com/office/drawing/2014/main" id="{E8EA6C1B-2033-3440-A7AD-9F7F613EF90E}"/>
+                <a16:creationId xmlns:a16="http://schemas.microsoft.com/office/drawing/2014/main" id="{7C1C7D7D-94DC-1049-831B-FDF41451C5E8}"/>
               </a:ext>
             </a:extLst>
           </p:cNvPr>
@@ -4923,48 +5170,22 @@
             <p:ph type="title"/>
           </p:nvPr>
         </p:nvSpPr>
-        <p:spPr/>
-        <p:txBody>
-          <a:bodyPr/>
-          <a:lstStyle/>
-          <a:p>
-            <a:r>
-              <a:rPr lang="en-IT" dirty="0"/>
-              <a:t>OptionalProduct - Order</a:t>
-            </a:r>
-          </a:p>
-        </p:txBody>
-      </p:sp>
-      <p:sp>
-        <p:nvSpPr>
-          <p:cNvPr id="3" name="Content Placeholder 2">
-            <a:extLst>
-              <a:ext uri="{FF2B5EF4-FFF2-40B4-BE49-F238E27FC236}">
-                <a16:creationId xmlns:a16="http://schemas.microsoft.com/office/drawing/2014/main" id="{1FC5F4A5-3DAD-314E-A7FD-FFFB92D61810}"/>
-              </a:ext>
-            </a:extLst>
-          </p:cNvPr>
-          <p:cNvSpPr>
-            <a:spLocks noGrp="1"/>
-          </p:cNvSpPr>
-          <p:nvPr>
-            <p:ph idx="1"/>
-          </p:nvPr>
-        </p:nvSpPr>
-        <p:spPr/>
-        <p:txBody>
-          <a:bodyPr/>
-          <a:lstStyle/>
-          <a:p>
-            <a:r>
-              <a:rPr lang="en-IT" dirty="0"/>
-              <a:t>OptionalProduct -&gt; Order</a:t>
-            </a:r>
-          </a:p>
-          <a:p>
-            <a:r>
-              <a:rPr lang="en-IT" dirty="0"/>
-              <a:t>Order -&gt; OptionalProduct</a:t>
+        <p:spPr>
+          <a:xfrm>
+            <a:off x="838200" y="325437"/>
+            <a:ext cx="10515600" cy="6207125"/>
+          </a:xfrm>
+        </p:spPr>
+        <p:txBody>
+          <a:bodyPr>
+            <a:normAutofit/>
+          </a:bodyPr>
+          <a:lstStyle/>
+          <a:p>
+            <a:pPr algn="ctr"/>
+            <a:r>
+              <a:rPr lang="en-IT" sz="6000" b="1" dirty="0"/>
+              <a:t>ORM Design</a:t>
             </a:r>
           </a:p>
         </p:txBody>
@@ -4972,7 +5193,7 @@
     </p:spTree>
     <p:extLst>
       <p:ext uri="{BB962C8B-B14F-4D97-AF65-F5344CB8AC3E}">
-        <p14:creationId xmlns:p14="http://schemas.microsoft.com/office/powerpoint/2010/main" val="1891197590"/>
+        <p14:creationId xmlns:p14="http://schemas.microsoft.com/office/powerpoint/2010/main" val="1259545662"/>
       </p:ext>
     </p:extLst>
   </p:cSld>
@@ -5004,7 +5225,7 @@
           <p:cNvPr id="2" name="Title 1">
             <a:extLst>
               <a:ext uri="{FF2B5EF4-FFF2-40B4-BE49-F238E27FC236}">
-                <a16:creationId xmlns:a16="http://schemas.microsoft.com/office/drawing/2014/main" id="{8A486CCA-BA48-1A49-9604-F0ADFE9FBA0E}"/>
+                <a16:creationId xmlns:a16="http://schemas.microsoft.com/office/drawing/2014/main" id="{6DD9A9FD-1376-6E44-AE34-6A0672C0F2CB}"/>
               </a:ext>
             </a:extLst>
           </p:cNvPr>
@@ -5022,7 +5243,7 @@
           <a:p>
             <a:r>
               <a:rPr lang="en-IT" dirty="0"/>
-              <a:t>ServicePackage - OptionalProduct</a:t>
+              <a:t>Order - Client</a:t>
             </a:r>
           </a:p>
         </p:txBody>
@@ -5032,7 +5253,7 @@
           <p:cNvPr id="3" name="Content Placeholder 2">
             <a:extLst>
               <a:ext uri="{FF2B5EF4-FFF2-40B4-BE49-F238E27FC236}">
-                <a16:creationId xmlns:a16="http://schemas.microsoft.com/office/drawing/2014/main" id="{025EB2D4-CDAD-3E45-AE80-942658447831}"/>
+                <a16:creationId xmlns:a16="http://schemas.microsoft.com/office/drawing/2014/main" id="{E74129A1-A377-FD47-9B90-CF9D2B98D0DF}"/>
               </a:ext>
             </a:extLst>
           </p:cNvPr>
@@ -5050,13 +5271,21 @@
           <a:p>
             <a:r>
               <a:rPr lang="en-IT" dirty="0"/>
-              <a:t>ServicePackage -&gt; Order</a:t>
+              <a:t>Order -&gt; Client (OWNER): An order is done by a client. </a:t>
             </a:r>
           </a:p>
           <a:p>
             <a:r>
               <a:rPr lang="en-IT" dirty="0"/>
-              <a:t>Order -&gt; ServicePackage</a:t>
+              <a:t>Client -&gt; Order: added for consistency and be</a:t>
+            </a:r>
+            <a:r>
+              <a:rPr lang="en-GB" dirty="0"/>
+              <a:t>ca</a:t>
+            </a:r>
+            <a:r>
+              <a:rPr lang="en-IT" dirty="0"/>
+              <a:t>use it’s useful to know, given a client a list of all its orders. Lazy because when we get a client we might not want to know its orders and it might have many, thus it might be costly to retreive them. </a:t>
             </a:r>
           </a:p>
         </p:txBody>
@@ -5064,7 +5293,7 @@
     </p:spTree>
     <p:extLst>
       <p:ext uri="{BB962C8B-B14F-4D97-AF65-F5344CB8AC3E}">
-        <p14:creationId xmlns:p14="http://schemas.microsoft.com/office/powerpoint/2010/main" val="2309313822"/>
+        <p14:creationId xmlns:p14="http://schemas.microsoft.com/office/powerpoint/2010/main" val="983037716"/>
       </p:ext>
     </p:extLst>
   </p:cSld>
@@ -5096,7 +5325,7 @@
           <p:cNvPr id="2" name="Title 1">
             <a:extLst>
               <a:ext uri="{FF2B5EF4-FFF2-40B4-BE49-F238E27FC236}">
-                <a16:creationId xmlns:a16="http://schemas.microsoft.com/office/drawing/2014/main" id="{CA8D16D4-4BF6-4B4A-BD7D-AE32A9A9492D}"/>
+                <a16:creationId xmlns:a16="http://schemas.microsoft.com/office/drawing/2014/main" id="{E8EA6C1B-2033-3440-A7AD-9F7F613EF90E}"/>
               </a:ext>
             </a:extLst>
           </p:cNvPr>
@@ -5114,7 +5343,7 @@
           <a:p>
             <a:r>
               <a:rPr lang="en-IT" dirty="0"/>
-              <a:t>OptionalProduct - Client</a:t>
+              <a:t>OptionalProduct - Order</a:t>
             </a:r>
           </a:p>
         </p:txBody>
@@ -5124,7 +5353,7 @@
           <p:cNvPr id="3" name="Content Placeholder 2">
             <a:extLst>
               <a:ext uri="{FF2B5EF4-FFF2-40B4-BE49-F238E27FC236}">
-                <a16:creationId xmlns:a16="http://schemas.microsoft.com/office/drawing/2014/main" id="{3EC868C7-B622-4A4D-814C-76100D5ABB4E}"/>
+                <a16:creationId xmlns:a16="http://schemas.microsoft.com/office/drawing/2014/main" id="{1FC5F4A5-3DAD-314E-A7FD-FFFB92D61810}"/>
               </a:ext>
             </a:extLst>
           </p:cNvPr>
@@ -5142,13 +5371,13 @@
           <a:p>
             <a:r>
               <a:rPr lang="en-IT" dirty="0"/>
-              <a:t>OptionalProduct -&gt; Client</a:t>
+              <a:t>OptionalProduct -&gt; Order</a:t>
             </a:r>
           </a:p>
           <a:p>
             <a:r>
               <a:rPr lang="en-IT" dirty="0"/>
-              <a:t>Client -&gt; OptionalProduct</a:t>
+              <a:t>Order -&gt; OptionalProduct</a:t>
             </a:r>
           </a:p>
         </p:txBody>
@@ -5156,7 +5385,7 @@
     </p:spTree>
     <p:extLst>
       <p:ext uri="{BB962C8B-B14F-4D97-AF65-F5344CB8AC3E}">
-        <p14:creationId xmlns:p14="http://schemas.microsoft.com/office/powerpoint/2010/main" val="1793892370"/>
+        <p14:creationId xmlns:p14="http://schemas.microsoft.com/office/powerpoint/2010/main" val="1891197590"/>
       </p:ext>
     </p:extLst>
   </p:cSld>
@@ -5188,7 +5417,7 @@
           <p:cNvPr id="2" name="Title 1">
             <a:extLst>
               <a:ext uri="{FF2B5EF4-FFF2-40B4-BE49-F238E27FC236}">
-                <a16:creationId xmlns:a16="http://schemas.microsoft.com/office/drawing/2014/main" id="{269FC633-C084-9346-B82D-697BEB3C2936}"/>
+                <a16:creationId xmlns:a16="http://schemas.microsoft.com/office/drawing/2014/main" id="{8A486CCA-BA48-1A49-9604-F0ADFE9FBA0E}"/>
               </a:ext>
             </a:extLst>
           </p:cNvPr>
@@ -5206,7 +5435,7 @@
           <a:p>
             <a:r>
               <a:rPr lang="en-IT" dirty="0"/>
-              <a:t>Order - Validity</a:t>
+              <a:t>ServicePackage - OptionalProduct</a:t>
             </a:r>
           </a:p>
         </p:txBody>
@@ -5216,7 +5445,7 @@
           <p:cNvPr id="3" name="Content Placeholder 2">
             <a:extLst>
               <a:ext uri="{FF2B5EF4-FFF2-40B4-BE49-F238E27FC236}">
-                <a16:creationId xmlns:a16="http://schemas.microsoft.com/office/drawing/2014/main" id="{E05FACB3-CA58-2F49-B976-781100255EB2}"/>
+                <a16:creationId xmlns:a16="http://schemas.microsoft.com/office/drawing/2014/main" id="{025EB2D4-CDAD-3E45-AE80-942658447831}"/>
               </a:ext>
             </a:extLst>
           </p:cNvPr>
@@ -5234,13 +5463,13 @@
           <a:p>
             <a:r>
               <a:rPr lang="en-IT" dirty="0"/>
-              <a:t>Order -&gt; Validity</a:t>
+              <a:t>ServicePackage -&gt; Order</a:t>
             </a:r>
           </a:p>
           <a:p>
             <a:r>
               <a:rPr lang="en-IT" dirty="0"/>
-              <a:t>Validity -&gt; Order</a:t>
+              <a:t>Order -&gt; ServicePackage</a:t>
             </a:r>
           </a:p>
         </p:txBody>
@@ -5248,7 +5477,7 @@
     </p:spTree>
     <p:extLst>
       <p:ext uri="{BB962C8B-B14F-4D97-AF65-F5344CB8AC3E}">
-        <p14:creationId xmlns:p14="http://schemas.microsoft.com/office/powerpoint/2010/main" val="4268472157"/>
+        <p14:creationId xmlns:p14="http://schemas.microsoft.com/office/powerpoint/2010/main" val="2309313822"/>
       </p:ext>
     </p:extLst>
   </p:cSld>
@@ -5280,7 +5509,7 @@
           <p:cNvPr id="2" name="Title 1">
             <a:extLst>
               <a:ext uri="{FF2B5EF4-FFF2-40B4-BE49-F238E27FC236}">
-                <a16:creationId xmlns:a16="http://schemas.microsoft.com/office/drawing/2014/main" id="{F8637F8F-CB96-704E-BB0C-B895C41CBE4A}"/>
+                <a16:creationId xmlns:a16="http://schemas.microsoft.com/office/drawing/2014/main" id="{CA8D16D4-4BF6-4B4A-BD7D-AE32A9A9492D}"/>
               </a:ext>
             </a:extLst>
           </p:cNvPr>
@@ -5298,7 +5527,7 @@
           <a:p>
             <a:r>
               <a:rPr lang="en-IT" dirty="0"/>
-              <a:t>Order - ServicePackage</a:t>
+              <a:t>OptionalProduct - Client</a:t>
             </a:r>
           </a:p>
         </p:txBody>
@@ -5308,7 +5537,7 @@
           <p:cNvPr id="3" name="Content Placeholder 2">
             <a:extLst>
               <a:ext uri="{FF2B5EF4-FFF2-40B4-BE49-F238E27FC236}">
-                <a16:creationId xmlns:a16="http://schemas.microsoft.com/office/drawing/2014/main" id="{1B3F6338-97A1-6443-9314-ED56F2B3098E}"/>
+                <a16:creationId xmlns:a16="http://schemas.microsoft.com/office/drawing/2014/main" id="{3EC868C7-B622-4A4D-814C-76100D5ABB4E}"/>
               </a:ext>
             </a:extLst>
           </p:cNvPr>
@@ -5326,13 +5555,13 @@
           <a:p>
             <a:r>
               <a:rPr lang="en-IT" dirty="0"/>
-              <a:t>Order -&gt; ServicePacakge</a:t>
+              <a:t>OptionalProduct -&gt; Client</a:t>
             </a:r>
           </a:p>
           <a:p>
             <a:r>
               <a:rPr lang="en-IT" dirty="0"/>
-              <a:t>ServicePackage -&gt; Order</a:t>
+              <a:t>Client -&gt; OptionalProduct</a:t>
             </a:r>
           </a:p>
         </p:txBody>
@@ -5340,7 +5569,7 @@
     </p:spTree>
     <p:extLst>
       <p:ext uri="{BB962C8B-B14F-4D97-AF65-F5344CB8AC3E}">
-        <p14:creationId xmlns:p14="http://schemas.microsoft.com/office/powerpoint/2010/main" val="2306227790"/>
+        <p14:creationId xmlns:p14="http://schemas.microsoft.com/office/powerpoint/2010/main" val="1793892370"/>
       </p:ext>
     </p:extLst>
   </p:cSld>
@@ -5372,6 +5601,255 @@
           <p:cNvPr id="2" name="Title 1">
             <a:extLst>
               <a:ext uri="{FF2B5EF4-FFF2-40B4-BE49-F238E27FC236}">
+                <a16:creationId xmlns:a16="http://schemas.microsoft.com/office/drawing/2014/main" id="{269FC633-C084-9346-B82D-697BEB3C2936}"/>
+              </a:ext>
+            </a:extLst>
+          </p:cNvPr>
+          <p:cNvSpPr>
+            <a:spLocks noGrp="1"/>
+          </p:cNvSpPr>
+          <p:nvPr>
+            <p:ph type="title"/>
+          </p:nvPr>
+        </p:nvSpPr>
+        <p:spPr/>
+        <p:txBody>
+          <a:bodyPr/>
+          <a:lstStyle/>
+          <a:p>
+            <a:r>
+              <a:rPr lang="en-IT" dirty="0"/>
+              <a:t>Order - Validity</a:t>
+            </a:r>
+          </a:p>
+        </p:txBody>
+      </p:sp>
+      <p:sp>
+        <p:nvSpPr>
+          <p:cNvPr id="3" name="Content Placeholder 2">
+            <a:extLst>
+              <a:ext uri="{FF2B5EF4-FFF2-40B4-BE49-F238E27FC236}">
+                <a16:creationId xmlns:a16="http://schemas.microsoft.com/office/drawing/2014/main" id="{E05FACB3-CA58-2F49-B976-781100255EB2}"/>
+              </a:ext>
+            </a:extLst>
+          </p:cNvPr>
+          <p:cNvSpPr>
+            <a:spLocks noGrp="1"/>
+          </p:cNvSpPr>
+          <p:nvPr>
+            <p:ph idx="1"/>
+          </p:nvPr>
+        </p:nvSpPr>
+        <p:spPr/>
+        <p:txBody>
+          <a:bodyPr/>
+          <a:lstStyle/>
+          <a:p>
+            <a:r>
+              <a:rPr lang="en-IT" dirty="0"/>
+              <a:t>Order -&gt; Validity</a:t>
+            </a:r>
+          </a:p>
+          <a:p>
+            <a:r>
+              <a:rPr lang="en-IT" dirty="0"/>
+              <a:t>Validity -&gt; Order</a:t>
+            </a:r>
+          </a:p>
+        </p:txBody>
+      </p:sp>
+    </p:spTree>
+    <p:extLst>
+      <p:ext uri="{BB962C8B-B14F-4D97-AF65-F5344CB8AC3E}">
+        <p14:creationId xmlns:p14="http://schemas.microsoft.com/office/powerpoint/2010/main" val="4268472157"/>
+      </p:ext>
+    </p:extLst>
+  </p:cSld>
+  <p:clrMapOvr>
+    <a:masterClrMapping/>
+  </p:clrMapOvr>
+</p:sld>
+</file>
+
+<file path=ppt/slides/slide2.xml><?xml version="1.0" encoding="utf-8"?>
+<p:sld xmlns:a="http://schemas.openxmlformats.org/drawingml/2006/main" xmlns:r="http://schemas.openxmlformats.org/officeDocument/2006/relationships" xmlns:p="http://schemas.openxmlformats.org/presentationml/2006/main">
+  <p:cSld>
+    <p:spTree>
+      <p:nvGrpSpPr>
+        <p:cNvPr id="1" name=""/>
+        <p:cNvGrpSpPr/>
+        <p:nvPr/>
+      </p:nvGrpSpPr>
+      <p:grpSpPr>
+        <a:xfrm>
+          <a:off x="0" y="0"/>
+          <a:ext cx="0" cy="0"/>
+          <a:chOff x="0" y="0"/>
+          <a:chExt cx="0" cy="0"/>
+        </a:xfrm>
+      </p:grpSpPr>
+      <p:sp>
+        <p:nvSpPr>
+          <p:cNvPr id="2" name="Titolo 1">
+            <a:extLst>
+              <a:ext uri="{FF2B5EF4-FFF2-40B4-BE49-F238E27FC236}">
+                <a16:creationId xmlns:a16="http://schemas.microsoft.com/office/drawing/2014/main" id="{7EDC3AA5-5E7A-4DEB-998B-CF0B4CC4DF11}"/>
+              </a:ext>
+            </a:extLst>
+          </p:cNvPr>
+          <p:cNvSpPr>
+            <a:spLocks noGrp="1"/>
+          </p:cNvSpPr>
+          <p:nvPr>
+            <p:ph type="title"/>
+          </p:nvPr>
+        </p:nvSpPr>
+        <p:spPr>
+          <a:xfrm>
+            <a:off x="838200" y="2766218"/>
+            <a:ext cx="10515600" cy="1325563"/>
+          </a:xfrm>
+        </p:spPr>
+        <p:txBody>
+          <a:bodyPr/>
+          <a:lstStyle/>
+          <a:p>
+            <a:pPr algn="ctr"/>
+            <a:r>
+              <a:rPr lang="it-IT" sz="4400" b="1" dirty="0"/>
+              <a:t>ER AND LOGICAL SCHEMA</a:t>
+            </a:r>
+            <a:endParaRPr lang="it-IT" dirty="0"/>
+          </a:p>
+        </p:txBody>
+      </p:sp>
+    </p:spTree>
+    <p:extLst>
+      <p:ext uri="{BB962C8B-B14F-4D97-AF65-F5344CB8AC3E}">
+        <p14:creationId xmlns:p14="http://schemas.microsoft.com/office/powerpoint/2010/main" val="1638902797"/>
+      </p:ext>
+    </p:extLst>
+  </p:cSld>
+  <p:clrMapOvr>
+    <a:masterClrMapping/>
+  </p:clrMapOvr>
+</p:sld>
+</file>
+
+<file path=ppt/slides/slide20.xml><?xml version="1.0" encoding="utf-8"?>
+<p:sld xmlns:a="http://schemas.openxmlformats.org/drawingml/2006/main" xmlns:r="http://schemas.openxmlformats.org/officeDocument/2006/relationships" xmlns:p="http://schemas.openxmlformats.org/presentationml/2006/main">
+  <p:cSld>
+    <p:spTree>
+      <p:nvGrpSpPr>
+        <p:cNvPr id="1" name=""/>
+        <p:cNvGrpSpPr/>
+        <p:nvPr/>
+      </p:nvGrpSpPr>
+      <p:grpSpPr>
+        <a:xfrm>
+          <a:off x="0" y="0"/>
+          <a:ext cx="0" cy="0"/>
+          <a:chOff x="0" y="0"/>
+          <a:chExt cx="0" cy="0"/>
+        </a:xfrm>
+      </p:grpSpPr>
+      <p:sp>
+        <p:nvSpPr>
+          <p:cNvPr id="2" name="Title 1">
+            <a:extLst>
+              <a:ext uri="{FF2B5EF4-FFF2-40B4-BE49-F238E27FC236}">
+                <a16:creationId xmlns:a16="http://schemas.microsoft.com/office/drawing/2014/main" id="{F8637F8F-CB96-704E-BB0C-B895C41CBE4A}"/>
+              </a:ext>
+            </a:extLst>
+          </p:cNvPr>
+          <p:cNvSpPr>
+            <a:spLocks noGrp="1"/>
+          </p:cNvSpPr>
+          <p:nvPr>
+            <p:ph type="title"/>
+          </p:nvPr>
+        </p:nvSpPr>
+        <p:spPr/>
+        <p:txBody>
+          <a:bodyPr/>
+          <a:lstStyle/>
+          <a:p>
+            <a:r>
+              <a:rPr lang="en-IT" dirty="0"/>
+              <a:t>Order - ServicePackage</a:t>
+            </a:r>
+          </a:p>
+        </p:txBody>
+      </p:sp>
+      <p:sp>
+        <p:nvSpPr>
+          <p:cNvPr id="3" name="Content Placeholder 2">
+            <a:extLst>
+              <a:ext uri="{FF2B5EF4-FFF2-40B4-BE49-F238E27FC236}">
+                <a16:creationId xmlns:a16="http://schemas.microsoft.com/office/drawing/2014/main" id="{1B3F6338-97A1-6443-9314-ED56F2B3098E}"/>
+              </a:ext>
+            </a:extLst>
+          </p:cNvPr>
+          <p:cNvSpPr>
+            <a:spLocks noGrp="1"/>
+          </p:cNvSpPr>
+          <p:nvPr>
+            <p:ph idx="1"/>
+          </p:nvPr>
+        </p:nvSpPr>
+        <p:spPr/>
+        <p:txBody>
+          <a:bodyPr/>
+          <a:lstStyle/>
+          <a:p>
+            <a:r>
+              <a:rPr lang="en-IT" dirty="0"/>
+              <a:t>Order -&gt; ServicePacakge</a:t>
+            </a:r>
+          </a:p>
+          <a:p>
+            <a:r>
+              <a:rPr lang="en-IT" dirty="0"/>
+              <a:t>ServicePackage -&gt; Order</a:t>
+            </a:r>
+          </a:p>
+        </p:txBody>
+      </p:sp>
+    </p:spTree>
+    <p:extLst>
+      <p:ext uri="{BB962C8B-B14F-4D97-AF65-F5344CB8AC3E}">
+        <p14:creationId xmlns:p14="http://schemas.microsoft.com/office/powerpoint/2010/main" val="2306227790"/>
+      </p:ext>
+    </p:extLst>
+  </p:cSld>
+  <p:clrMapOvr>
+    <a:masterClrMapping/>
+  </p:clrMapOvr>
+</p:sld>
+</file>
+
+<file path=ppt/slides/slide21.xml><?xml version="1.0" encoding="utf-8"?>
+<p:sld xmlns:a="http://schemas.openxmlformats.org/drawingml/2006/main" xmlns:r="http://schemas.openxmlformats.org/officeDocument/2006/relationships" xmlns:p="http://schemas.openxmlformats.org/presentationml/2006/main">
+  <p:cSld>
+    <p:spTree>
+      <p:nvGrpSpPr>
+        <p:cNvPr id="1" name=""/>
+        <p:cNvGrpSpPr/>
+        <p:nvPr/>
+      </p:nvGrpSpPr>
+      <p:grpSpPr>
+        <a:xfrm>
+          <a:off x="0" y="0"/>
+          <a:ext cx="0" cy="0"/>
+          <a:chOff x="0" y="0"/>
+          <a:chExt cx="0" cy="0"/>
+        </a:xfrm>
+      </p:grpSpPr>
+      <p:sp>
+        <p:nvSpPr>
+          <p:cNvPr id="2" name="Title 1">
+            <a:extLst>
+              <a:ext uri="{FF2B5EF4-FFF2-40B4-BE49-F238E27FC236}">
                 <a16:creationId xmlns:a16="http://schemas.microsoft.com/office/drawing/2014/main" id="{1949D58C-EAE2-F34A-9441-A0FC73C39F27}"/>
               </a:ext>
             </a:extLst>
@@ -5442,7 +5920,687 @@
 </p:sld>
 </file>
 
-<file path=ppt/slides/slide2.xml><?xml version="1.0" encoding="utf-8"?>
+<file path=ppt/slides/slide22.xml><?xml version="1.0" encoding="utf-8"?>
+<p:sld xmlns:a="http://schemas.openxmlformats.org/drawingml/2006/main" xmlns:r="http://schemas.openxmlformats.org/officeDocument/2006/relationships" xmlns:p="http://schemas.openxmlformats.org/presentationml/2006/main">
+  <p:cSld>
+    <p:spTree>
+      <p:nvGrpSpPr>
+        <p:cNvPr id="1" name=""/>
+        <p:cNvGrpSpPr/>
+        <p:nvPr/>
+      </p:nvGrpSpPr>
+      <p:grpSpPr>
+        <a:xfrm>
+          <a:off x="0" y="0"/>
+          <a:ext cx="0" cy="0"/>
+          <a:chOff x="0" y="0"/>
+          <a:chExt cx="0" cy="0"/>
+        </a:xfrm>
+      </p:grpSpPr>
+      <p:sp>
+        <p:nvSpPr>
+          <p:cNvPr id="2" name="Title 1">
+            <a:extLst>
+              <a:ext uri="{FF2B5EF4-FFF2-40B4-BE49-F238E27FC236}">
+                <a16:creationId xmlns:a16="http://schemas.microsoft.com/office/drawing/2014/main" id="{BD5DD1D7-5FE8-F948-BD09-E0CFB8E8DB7D}"/>
+              </a:ext>
+            </a:extLst>
+          </p:cNvPr>
+          <p:cNvSpPr>
+            <a:spLocks noGrp="1"/>
+          </p:cNvSpPr>
+          <p:nvPr>
+            <p:ph type="title"/>
+          </p:nvPr>
+        </p:nvSpPr>
+        <p:spPr/>
+        <p:txBody>
+          <a:bodyPr/>
+          <a:lstStyle/>
+          <a:p>
+            <a:r>
+              <a:rPr lang="en-IT" dirty="0"/>
+              <a:t>Service - Client</a:t>
+            </a:r>
+          </a:p>
+        </p:txBody>
+      </p:sp>
+      <p:sp>
+        <p:nvSpPr>
+          <p:cNvPr id="3" name="Content Placeholder 2">
+            <a:extLst>
+              <a:ext uri="{FF2B5EF4-FFF2-40B4-BE49-F238E27FC236}">
+                <a16:creationId xmlns:a16="http://schemas.microsoft.com/office/drawing/2014/main" id="{BD260F34-E220-994D-8449-5A8F41468551}"/>
+              </a:ext>
+            </a:extLst>
+          </p:cNvPr>
+          <p:cNvSpPr>
+            <a:spLocks noGrp="1"/>
+          </p:cNvSpPr>
+          <p:nvPr>
+            <p:ph idx="1"/>
+          </p:nvPr>
+        </p:nvSpPr>
+        <p:spPr/>
+        <p:txBody>
+          <a:bodyPr/>
+          <a:lstStyle/>
+          <a:p>
+            <a:r>
+              <a:rPr lang="en-IT" dirty="0"/>
+              <a:t>Service -&gt; Client</a:t>
+            </a:r>
+          </a:p>
+          <a:p>
+            <a:r>
+              <a:rPr lang="en-IT" dirty="0"/>
+              <a:t>Client -&gt; Service</a:t>
+            </a:r>
+          </a:p>
+        </p:txBody>
+      </p:sp>
+    </p:spTree>
+    <p:extLst>
+      <p:ext uri="{BB962C8B-B14F-4D97-AF65-F5344CB8AC3E}">
+        <p14:creationId xmlns:p14="http://schemas.microsoft.com/office/powerpoint/2010/main" val="1940991740"/>
+      </p:ext>
+    </p:extLst>
+  </p:cSld>
+  <p:clrMapOvr>
+    <a:masterClrMapping/>
+  </p:clrMapOvr>
+</p:sld>
+</file>
+
+<file path=ppt/slides/slide23.xml><?xml version="1.0" encoding="utf-8"?>
+<p:sld xmlns:a="http://schemas.openxmlformats.org/drawingml/2006/main" xmlns:r="http://schemas.openxmlformats.org/officeDocument/2006/relationships" xmlns:p="http://schemas.openxmlformats.org/presentationml/2006/main">
+  <p:cSld>
+    <p:spTree>
+      <p:nvGrpSpPr>
+        <p:cNvPr id="1" name=""/>
+        <p:cNvGrpSpPr/>
+        <p:nvPr/>
+      </p:nvGrpSpPr>
+      <p:grpSpPr>
+        <a:xfrm>
+          <a:off x="0" y="0"/>
+          <a:ext cx="0" cy="0"/>
+          <a:chOff x="0" y="0"/>
+          <a:chExt cx="0" cy="0"/>
+        </a:xfrm>
+      </p:grpSpPr>
+      <p:sp>
+        <p:nvSpPr>
+          <p:cNvPr id="2" name="Title 1">
+            <a:extLst>
+              <a:ext uri="{FF2B5EF4-FFF2-40B4-BE49-F238E27FC236}">
+                <a16:creationId xmlns:a16="http://schemas.microsoft.com/office/drawing/2014/main" id="{E9415C48-E8D3-FD42-922B-B508951BCF18}"/>
+              </a:ext>
+            </a:extLst>
+          </p:cNvPr>
+          <p:cNvSpPr>
+            <a:spLocks noGrp="1"/>
+          </p:cNvSpPr>
+          <p:nvPr>
+            <p:ph type="title"/>
+          </p:nvPr>
+        </p:nvSpPr>
+        <p:spPr/>
+        <p:txBody>
+          <a:bodyPr/>
+          <a:lstStyle/>
+          <a:p>
+            <a:r>
+              <a:rPr lang="en-IT" dirty="0"/>
+              <a:t>Validity - ServicePackage</a:t>
+            </a:r>
+          </a:p>
+        </p:txBody>
+      </p:sp>
+      <p:sp>
+        <p:nvSpPr>
+          <p:cNvPr id="3" name="Content Placeholder 2">
+            <a:extLst>
+              <a:ext uri="{FF2B5EF4-FFF2-40B4-BE49-F238E27FC236}">
+                <a16:creationId xmlns:a16="http://schemas.microsoft.com/office/drawing/2014/main" id="{8CA11B19-D646-BF43-8772-C38F5872E445}"/>
+              </a:ext>
+            </a:extLst>
+          </p:cNvPr>
+          <p:cNvSpPr>
+            <a:spLocks noGrp="1"/>
+          </p:cNvSpPr>
+          <p:nvPr>
+            <p:ph idx="1"/>
+          </p:nvPr>
+        </p:nvSpPr>
+        <p:spPr/>
+        <p:txBody>
+          <a:bodyPr/>
+          <a:lstStyle/>
+          <a:p>
+            <a:r>
+              <a:rPr lang="en-IT" dirty="0"/>
+              <a:t>ServicePackage -&gt; Validity</a:t>
+            </a:r>
+          </a:p>
+          <a:p>
+            <a:r>
+              <a:rPr lang="en-IT" dirty="0"/>
+              <a:t>Validity -&gt; ServicePackage</a:t>
+            </a:r>
+          </a:p>
+        </p:txBody>
+      </p:sp>
+    </p:spTree>
+    <p:extLst>
+      <p:ext uri="{BB962C8B-B14F-4D97-AF65-F5344CB8AC3E}">
+        <p14:creationId xmlns:p14="http://schemas.microsoft.com/office/powerpoint/2010/main" val="2259403744"/>
+      </p:ext>
+    </p:extLst>
+  </p:cSld>
+  <p:clrMapOvr>
+    <a:masterClrMapping/>
+  </p:clrMapOvr>
+</p:sld>
+</file>
+
+<file path=ppt/slides/slide24.xml><?xml version="1.0" encoding="utf-8"?>
+<p:sld xmlns:a="http://schemas.openxmlformats.org/drawingml/2006/main" xmlns:r="http://schemas.openxmlformats.org/officeDocument/2006/relationships" xmlns:p="http://schemas.openxmlformats.org/presentationml/2006/main">
+  <p:cSld>
+    <p:spTree>
+      <p:nvGrpSpPr>
+        <p:cNvPr id="1" name=""/>
+        <p:cNvGrpSpPr/>
+        <p:nvPr/>
+      </p:nvGrpSpPr>
+      <p:grpSpPr>
+        <a:xfrm>
+          <a:off x="0" y="0"/>
+          <a:ext cx="0" cy="0"/>
+          <a:chOff x="0" y="0"/>
+          <a:chExt cx="0" cy="0"/>
+        </a:xfrm>
+      </p:grpSpPr>
+      <p:sp>
+        <p:nvSpPr>
+          <p:cNvPr id="4" name="Titolo 3">
+            <a:extLst>
+              <a:ext uri="{FF2B5EF4-FFF2-40B4-BE49-F238E27FC236}">
+                <a16:creationId xmlns:a16="http://schemas.microsoft.com/office/drawing/2014/main" id="{4C0913AC-67D2-419B-8484-893BD4A9E7A0}"/>
+              </a:ext>
+            </a:extLst>
+          </p:cNvPr>
+          <p:cNvSpPr>
+            <a:spLocks noGrp="1"/>
+          </p:cNvSpPr>
+          <p:nvPr>
+            <p:ph type="title"/>
+          </p:nvPr>
+        </p:nvSpPr>
+        <p:spPr>
+          <a:xfrm>
+            <a:off x="838200" y="2608704"/>
+            <a:ext cx="10515600" cy="1325563"/>
+          </a:xfrm>
+        </p:spPr>
+        <p:txBody>
+          <a:bodyPr>
+            <a:normAutofit/>
+          </a:bodyPr>
+          <a:lstStyle/>
+          <a:p>
+            <a:pPr algn="ctr"/>
+            <a:r>
+              <a:rPr lang="it-IT" sz="6600" b="1" dirty="0"/>
+              <a:t>ENTITIES</a:t>
+            </a:r>
+          </a:p>
+        </p:txBody>
+      </p:sp>
+    </p:spTree>
+    <p:extLst>
+      <p:ext uri="{BB962C8B-B14F-4D97-AF65-F5344CB8AC3E}">
+        <p14:creationId xmlns:p14="http://schemas.microsoft.com/office/powerpoint/2010/main" val="3724630667"/>
+      </p:ext>
+    </p:extLst>
+  </p:cSld>
+  <p:clrMapOvr>
+    <a:masterClrMapping/>
+  </p:clrMapOvr>
+</p:sld>
+</file>
+
+<file path=ppt/slides/slide25.xml><?xml version="1.0" encoding="utf-8"?>
+<p:sld xmlns:a="http://schemas.openxmlformats.org/drawingml/2006/main" xmlns:r="http://schemas.openxmlformats.org/officeDocument/2006/relationships" xmlns:p="http://schemas.openxmlformats.org/presentationml/2006/main">
+  <p:cSld>
+    <p:spTree>
+      <p:nvGrpSpPr>
+        <p:cNvPr id="1" name=""/>
+        <p:cNvGrpSpPr/>
+        <p:nvPr/>
+      </p:nvGrpSpPr>
+      <p:grpSpPr>
+        <a:xfrm>
+          <a:off x="0" y="0"/>
+          <a:ext cx="0" cy="0"/>
+          <a:chOff x="0" y="0"/>
+          <a:chExt cx="0" cy="0"/>
+        </a:xfrm>
+      </p:grpSpPr>
+      <p:sp>
+        <p:nvSpPr>
+          <p:cNvPr id="2" name="Title 1">
+            <a:extLst>
+              <a:ext uri="{FF2B5EF4-FFF2-40B4-BE49-F238E27FC236}">
+                <a16:creationId xmlns:a16="http://schemas.microsoft.com/office/drawing/2014/main" id="{9F93B6FE-84BF-B44C-8B1E-905614F2C5A7}"/>
+              </a:ext>
+            </a:extLst>
+          </p:cNvPr>
+          <p:cNvSpPr>
+            <a:spLocks noGrp="1"/>
+          </p:cNvSpPr>
+          <p:nvPr>
+            <p:ph type="title"/>
+          </p:nvPr>
+        </p:nvSpPr>
+        <p:spPr/>
+        <p:txBody>
+          <a:bodyPr>
+            <a:normAutofit/>
+          </a:bodyPr>
+          <a:lstStyle/>
+          <a:p>
+            <a:r>
+              <a:rPr lang="en-GB" dirty="0" err="1"/>
+              <a:t>MobileInternetService</a:t>
+            </a:r>
+            <a:endParaRPr lang="en-IT" dirty="0"/>
+          </a:p>
+        </p:txBody>
+      </p:sp>
+      <p:sp>
+        <p:nvSpPr>
+          <p:cNvPr id="3" name="Content Placeholder 2">
+            <a:extLst>
+              <a:ext uri="{FF2B5EF4-FFF2-40B4-BE49-F238E27FC236}">
+                <a16:creationId xmlns:a16="http://schemas.microsoft.com/office/drawing/2014/main" id="{EACBD965-6A7F-D64D-B8D1-0D3023B213B4}"/>
+              </a:ext>
+            </a:extLst>
+          </p:cNvPr>
+          <p:cNvSpPr>
+            <a:spLocks noGrp="1"/>
+          </p:cNvSpPr>
+          <p:nvPr>
+            <p:ph idx="1"/>
+          </p:nvPr>
+        </p:nvSpPr>
+        <p:spPr/>
+        <p:txBody>
+          <a:bodyPr/>
+          <a:lstStyle/>
+          <a:p>
+            <a:endParaRPr lang="en-IT"/>
+          </a:p>
+        </p:txBody>
+      </p:sp>
+    </p:spTree>
+    <p:extLst>
+      <p:ext uri="{BB962C8B-B14F-4D97-AF65-F5344CB8AC3E}">
+        <p14:creationId xmlns:p14="http://schemas.microsoft.com/office/powerpoint/2010/main" val="615638387"/>
+      </p:ext>
+    </p:extLst>
+  </p:cSld>
+  <p:clrMapOvr>
+    <a:masterClrMapping/>
+  </p:clrMapOvr>
+</p:sld>
+</file>
+
+<file path=ppt/slides/slide26.xml><?xml version="1.0" encoding="utf-8"?>
+<p:sld xmlns:a="http://schemas.openxmlformats.org/drawingml/2006/main" xmlns:r="http://schemas.openxmlformats.org/officeDocument/2006/relationships" xmlns:p="http://schemas.openxmlformats.org/presentationml/2006/main">
+  <p:cSld>
+    <p:spTree>
+      <p:nvGrpSpPr>
+        <p:cNvPr id="1" name=""/>
+        <p:cNvGrpSpPr/>
+        <p:nvPr/>
+      </p:nvGrpSpPr>
+      <p:grpSpPr>
+        <a:xfrm>
+          <a:off x="0" y="0"/>
+          <a:ext cx="0" cy="0"/>
+          <a:chOff x="0" y="0"/>
+          <a:chExt cx="0" cy="0"/>
+        </a:xfrm>
+      </p:grpSpPr>
+      <p:sp>
+        <p:nvSpPr>
+          <p:cNvPr id="2" name="Title 1">
+            <a:extLst>
+              <a:ext uri="{FF2B5EF4-FFF2-40B4-BE49-F238E27FC236}">
+                <a16:creationId xmlns:a16="http://schemas.microsoft.com/office/drawing/2014/main" id="{9F93B6FE-84BF-B44C-8B1E-905614F2C5A7}"/>
+              </a:ext>
+            </a:extLst>
+          </p:cNvPr>
+          <p:cNvSpPr>
+            <a:spLocks noGrp="1"/>
+          </p:cNvSpPr>
+          <p:nvPr>
+            <p:ph type="title"/>
+          </p:nvPr>
+        </p:nvSpPr>
+        <p:spPr/>
+        <p:txBody>
+          <a:bodyPr>
+            <a:normAutofit/>
+          </a:bodyPr>
+          <a:lstStyle/>
+          <a:p>
+            <a:r>
+              <a:rPr lang="en-GB" dirty="0"/>
+              <a:t>Client</a:t>
+            </a:r>
+            <a:endParaRPr lang="en-IT" dirty="0"/>
+          </a:p>
+        </p:txBody>
+      </p:sp>
+      <p:sp>
+        <p:nvSpPr>
+          <p:cNvPr id="3" name="Content Placeholder 2">
+            <a:extLst>
+              <a:ext uri="{FF2B5EF4-FFF2-40B4-BE49-F238E27FC236}">
+                <a16:creationId xmlns:a16="http://schemas.microsoft.com/office/drawing/2014/main" id="{EACBD965-6A7F-D64D-B8D1-0D3023B213B4}"/>
+              </a:ext>
+            </a:extLst>
+          </p:cNvPr>
+          <p:cNvSpPr>
+            <a:spLocks noGrp="1"/>
+          </p:cNvSpPr>
+          <p:nvPr>
+            <p:ph idx="1"/>
+          </p:nvPr>
+        </p:nvSpPr>
+        <p:spPr/>
+        <p:txBody>
+          <a:bodyPr/>
+          <a:lstStyle/>
+          <a:p>
+            <a:endParaRPr lang="en-IT"/>
+          </a:p>
+        </p:txBody>
+      </p:sp>
+    </p:spTree>
+    <p:extLst>
+      <p:ext uri="{BB962C8B-B14F-4D97-AF65-F5344CB8AC3E}">
+        <p14:creationId xmlns:p14="http://schemas.microsoft.com/office/powerpoint/2010/main" val="3185242001"/>
+      </p:ext>
+    </p:extLst>
+  </p:cSld>
+  <p:clrMapOvr>
+    <a:masterClrMapping/>
+  </p:clrMapOvr>
+</p:sld>
+</file>
+
+<file path=ppt/slides/slide27.xml><?xml version="1.0" encoding="utf-8"?>
+<p:sld xmlns:a="http://schemas.openxmlformats.org/drawingml/2006/main" xmlns:r="http://schemas.openxmlformats.org/officeDocument/2006/relationships" xmlns:p="http://schemas.openxmlformats.org/presentationml/2006/main">
+  <p:cSld>
+    <p:spTree>
+      <p:nvGrpSpPr>
+        <p:cNvPr id="1" name=""/>
+        <p:cNvGrpSpPr/>
+        <p:nvPr/>
+      </p:nvGrpSpPr>
+      <p:grpSpPr>
+        <a:xfrm>
+          <a:off x="0" y="0"/>
+          <a:ext cx="0" cy="0"/>
+          <a:chOff x="0" y="0"/>
+          <a:chExt cx="0" cy="0"/>
+        </a:xfrm>
+      </p:grpSpPr>
+      <p:sp>
+        <p:nvSpPr>
+          <p:cNvPr id="2" name="Title 1">
+            <a:extLst>
+              <a:ext uri="{FF2B5EF4-FFF2-40B4-BE49-F238E27FC236}">
+                <a16:creationId xmlns:a16="http://schemas.microsoft.com/office/drawing/2014/main" id="{9F93B6FE-84BF-B44C-8B1E-905614F2C5A7}"/>
+              </a:ext>
+            </a:extLst>
+          </p:cNvPr>
+          <p:cNvSpPr>
+            <a:spLocks noGrp="1"/>
+          </p:cNvSpPr>
+          <p:nvPr>
+            <p:ph type="title"/>
+          </p:nvPr>
+        </p:nvSpPr>
+        <p:spPr/>
+        <p:txBody>
+          <a:bodyPr>
+            <a:normAutofit/>
+          </a:bodyPr>
+          <a:lstStyle/>
+          <a:p>
+            <a:r>
+              <a:rPr lang="en-GB" dirty="0" err="1"/>
+              <a:t>OptionalProduct</a:t>
+            </a:r>
+            <a:endParaRPr lang="en-IT" dirty="0"/>
+          </a:p>
+        </p:txBody>
+      </p:sp>
+      <p:sp>
+        <p:nvSpPr>
+          <p:cNvPr id="3" name="Content Placeholder 2">
+            <a:extLst>
+              <a:ext uri="{FF2B5EF4-FFF2-40B4-BE49-F238E27FC236}">
+                <a16:creationId xmlns:a16="http://schemas.microsoft.com/office/drawing/2014/main" id="{EACBD965-6A7F-D64D-B8D1-0D3023B213B4}"/>
+              </a:ext>
+            </a:extLst>
+          </p:cNvPr>
+          <p:cNvSpPr>
+            <a:spLocks noGrp="1"/>
+          </p:cNvSpPr>
+          <p:nvPr>
+            <p:ph idx="1"/>
+          </p:nvPr>
+        </p:nvSpPr>
+        <p:spPr/>
+        <p:txBody>
+          <a:bodyPr/>
+          <a:lstStyle/>
+          <a:p>
+            <a:endParaRPr lang="en-IT"/>
+          </a:p>
+        </p:txBody>
+      </p:sp>
+    </p:spTree>
+    <p:extLst>
+      <p:ext uri="{BB962C8B-B14F-4D97-AF65-F5344CB8AC3E}">
+        <p14:creationId xmlns:p14="http://schemas.microsoft.com/office/powerpoint/2010/main" val="2531030918"/>
+      </p:ext>
+    </p:extLst>
+  </p:cSld>
+  <p:clrMapOvr>
+    <a:masterClrMapping/>
+  </p:clrMapOvr>
+</p:sld>
+</file>
+
+<file path=ppt/slides/slide28.xml><?xml version="1.0" encoding="utf-8"?>
+<p:sld xmlns:a="http://schemas.openxmlformats.org/drawingml/2006/main" xmlns:r="http://schemas.openxmlformats.org/officeDocument/2006/relationships" xmlns:p="http://schemas.openxmlformats.org/presentationml/2006/main">
+  <p:cSld>
+    <p:spTree>
+      <p:nvGrpSpPr>
+        <p:cNvPr id="1" name=""/>
+        <p:cNvGrpSpPr/>
+        <p:nvPr/>
+      </p:nvGrpSpPr>
+      <p:grpSpPr>
+        <a:xfrm>
+          <a:off x="0" y="0"/>
+          <a:ext cx="0" cy="0"/>
+          <a:chOff x="0" y="0"/>
+          <a:chExt cx="0" cy="0"/>
+        </a:xfrm>
+      </p:grpSpPr>
+      <p:sp>
+        <p:nvSpPr>
+          <p:cNvPr id="2" name="Title 1">
+            <a:extLst>
+              <a:ext uri="{FF2B5EF4-FFF2-40B4-BE49-F238E27FC236}">
+                <a16:creationId xmlns:a16="http://schemas.microsoft.com/office/drawing/2014/main" id="{9F93B6FE-84BF-B44C-8B1E-905614F2C5A7}"/>
+              </a:ext>
+            </a:extLst>
+          </p:cNvPr>
+          <p:cNvSpPr>
+            <a:spLocks noGrp="1"/>
+          </p:cNvSpPr>
+          <p:nvPr>
+            <p:ph type="title"/>
+          </p:nvPr>
+        </p:nvSpPr>
+        <p:spPr/>
+        <p:txBody>
+          <a:bodyPr>
+            <a:normAutofit/>
+          </a:bodyPr>
+          <a:lstStyle/>
+          <a:p>
+            <a:r>
+              <a:rPr lang="en-GB" dirty="0" err="1"/>
+              <a:t>FixedInternetService</a:t>
+            </a:r>
+            <a:endParaRPr lang="en-IT" dirty="0"/>
+          </a:p>
+        </p:txBody>
+      </p:sp>
+      <p:sp>
+        <p:nvSpPr>
+          <p:cNvPr id="3" name="Content Placeholder 2">
+            <a:extLst>
+              <a:ext uri="{FF2B5EF4-FFF2-40B4-BE49-F238E27FC236}">
+                <a16:creationId xmlns:a16="http://schemas.microsoft.com/office/drawing/2014/main" id="{EACBD965-6A7F-D64D-B8D1-0D3023B213B4}"/>
+              </a:ext>
+            </a:extLst>
+          </p:cNvPr>
+          <p:cNvSpPr>
+            <a:spLocks noGrp="1"/>
+          </p:cNvSpPr>
+          <p:nvPr>
+            <p:ph idx="1"/>
+          </p:nvPr>
+        </p:nvSpPr>
+        <p:spPr/>
+        <p:txBody>
+          <a:bodyPr/>
+          <a:lstStyle/>
+          <a:p>
+            <a:endParaRPr lang="en-IT"/>
+          </a:p>
+        </p:txBody>
+      </p:sp>
+    </p:spTree>
+    <p:extLst>
+      <p:ext uri="{BB962C8B-B14F-4D97-AF65-F5344CB8AC3E}">
+        <p14:creationId xmlns:p14="http://schemas.microsoft.com/office/powerpoint/2010/main" val="4023115116"/>
+      </p:ext>
+    </p:extLst>
+  </p:cSld>
+  <p:clrMapOvr>
+    <a:masterClrMapping/>
+  </p:clrMapOvr>
+</p:sld>
+</file>
+
+<file path=ppt/slides/slide29.xml><?xml version="1.0" encoding="utf-8"?>
+<p:sld xmlns:a="http://schemas.openxmlformats.org/drawingml/2006/main" xmlns:r="http://schemas.openxmlformats.org/officeDocument/2006/relationships" xmlns:p="http://schemas.openxmlformats.org/presentationml/2006/main">
+  <p:cSld>
+    <p:spTree>
+      <p:nvGrpSpPr>
+        <p:cNvPr id="1" name=""/>
+        <p:cNvGrpSpPr/>
+        <p:nvPr/>
+      </p:nvGrpSpPr>
+      <p:grpSpPr>
+        <a:xfrm>
+          <a:off x="0" y="0"/>
+          <a:ext cx="0" cy="0"/>
+          <a:chOff x="0" y="0"/>
+          <a:chExt cx="0" cy="0"/>
+        </a:xfrm>
+      </p:grpSpPr>
+      <p:sp>
+        <p:nvSpPr>
+          <p:cNvPr id="2" name="Title 1">
+            <a:extLst>
+              <a:ext uri="{FF2B5EF4-FFF2-40B4-BE49-F238E27FC236}">
+                <a16:creationId xmlns:a16="http://schemas.microsoft.com/office/drawing/2014/main" id="{9F93B6FE-84BF-B44C-8B1E-905614F2C5A7}"/>
+              </a:ext>
+            </a:extLst>
+          </p:cNvPr>
+          <p:cNvSpPr>
+            <a:spLocks noGrp="1"/>
+          </p:cNvSpPr>
+          <p:nvPr>
+            <p:ph type="title"/>
+          </p:nvPr>
+        </p:nvSpPr>
+        <p:spPr/>
+        <p:txBody>
+          <a:bodyPr>
+            <a:normAutofit/>
+          </a:bodyPr>
+          <a:lstStyle/>
+          <a:p>
+            <a:r>
+              <a:rPr lang="en-GB" dirty="0"/>
+              <a:t>Order</a:t>
+            </a:r>
+            <a:endParaRPr lang="en-IT" dirty="0"/>
+          </a:p>
+        </p:txBody>
+      </p:sp>
+      <p:sp>
+        <p:nvSpPr>
+          <p:cNvPr id="3" name="Content Placeholder 2">
+            <a:extLst>
+              <a:ext uri="{FF2B5EF4-FFF2-40B4-BE49-F238E27FC236}">
+                <a16:creationId xmlns:a16="http://schemas.microsoft.com/office/drawing/2014/main" id="{EACBD965-6A7F-D64D-B8D1-0D3023B213B4}"/>
+              </a:ext>
+            </a:extLst>
+          </p:cNvPr>
+          <p:cNvSpPr>
+            <a:spLocks noGrp="1"/>
+          </p:cNvSpPr>
+          <p:nvPr>
+            <p:ph idx="1"/>
+          </p:nvPr>
+        </p:nvSpPr>
+        <p:spPr/>
+        <p:txBody>
+          <a:bodyPr/>
+          <a:lstStyle/>
+          <a:p>
+            <a:endParaRPr lang="en-IT"/>
+          </a:p>
+        </p:txBody>
+      </p:sp>
+    </p:spTree>
+    <p:extLst>
+      <p:ext uri="{BB962C8B-B14F-4D97-AF65-F5344CB8AC3E}">
+        <p14:creationId xmlns:p14="http://schemas.microsoft.com/office/powerpoint/2010/main" val="1045824776"/>
+      </p:ext>
+    </p:extLst>
+  </p:cSld>
+  <p:clrMapOvr>
+    <a:masterClrMapping/>
+  </p:clrMapOvr>
+</p:sld>
+</file>
+
+<file path=ppt/slides/slide3.xml><?xml version="1.0" encoding="utf-8"?>
 <p:sld xmlns:a="http://schemas.openxmlformats.org/drawingml/2006/main" xmlns:r="http://schemas.openxmlformats.org/officeDocument/2006/relationships" xmlns:p="http://schemas.openxmlformats.org/presentationml/2006/main">
   <p:cSld>
     <p:spTree>
@@ -5535,921 +6693,6 @@
 </p:sld>
 </file>
 
-<file path=ppt/slides/slide20.xml><?xml version="1.0" encoding="utf-8"?>
-<p:sld xmlns:a="http://schemas.openxmlformats.org/drawingml/2006/main" xmlns:r="http://schemas.openxmlformats.org/officeDocument/2006/relationships" xmlns:p="http://schemas.openxmlformats.org/presentationml/2006/main">
-  <p:cSld>
-    <p:spTree>
-      <p:nvGrpSpPr>
-        <p:cNvPr id="1" name=""/>
-        <p:cNvGrpSpPr/>
-        <p:nvPr/>
-      </p:nvGrpSpPr>
-      <p:grpSpPr>
-        <a:xfrm>
-          <a:off x="0" y="0"/>
-          <a:ext cx="0" cy="0"/>
-          <a:chOff x="0" y="0"/>
-          <a:chExt cx="0" cy="0"/>
-        </a:xfrm>
-      </p:grpSpPr>
-      <p:sp>
-        <p:nvSpPr>
-          <p:cNvPr id="2" name="Title 1">
-            <a:extLst>
-              <a:ext uri="{FF2B5EF4-FFF2-40B4-BE49-F238E27FC236}">
-                <a16:creationId xmlns:a16="http://schemas.microsoft.com/office/drawing/2014/main" id="{BD5DD1D7-5FE8-F948-BD09-E0CFB8E8DB7D}"/>
-              </a:ext>
-            </a:extLst>
-          </p:cNvPr>
-          <p:cNvSpPr>
-            <a:spLocks noGrp="1"/>
-          </p:cNvSpPr>
-          <p:nvPr>
-            <p:ph type="title"/>
-          </p:nvPr>
-        </p:nvSpPr>
-        <p:spPr/>
-        <p:txBody>
-          <a:bodyPr/>
-          <a:lstStyle/>
-          <a:p>
-            <a:r>
-              <a:rPr lang="en-IT" dirty="0"/>
-              <a:t>Service - Client</a:t>
-            </a:r>
-          </a:p>
-        </p:txBody>
-      </p:sp>
-      <p:sp>
-        <p:nvSpPr>
-          <p:cNvPr id="3" name="Content Placeholder 2">
-            <a:extLst>
-              <a:ext uri="{FF2B5EF4-FFF2-40B4-BE49-F238E27FC236}">
-                <a16:creationId xmlns:a16="http://schemas.microsoft.com/office/drawing/2014/main" id="{BD260F34-E220-994D-8449-5A8F41468551}"/>
-              </a:ext>
-            </a:extLst>
-          </p:cNvPr>
-          <p:cNvSpPr>
-            <a:spLocks noGrp="1"/>
-          </p:cNvSpPr>
-          <p:nvPr>
-            <p:ph idx="1"/>
-          </p:nvPr>
-        </p:nvSpPr>
-        <p:spPr/>
-        <p:txBody>
-          <a:bodyPr/>
-          <a:lstStyle/>
-          <a:p>
-            <a:r>
-              <a:rPr lang="en-IT" dirty="0"/>
-              <a:t>Service -&gt; Client</a:t>
-            </a:r>
-          </a:p>
-          <a:p>
-            <a:r>
-              <a:rPr lang="en-IT" dirty="0"/>
-              <a:t>Client -&gt; Service</a:t>
-            </a:r>
-          </a:p>
-        </p:txBody>
-      </p:sp>
-    </p:spTree>
-    <p:extLst>
-      <p:ext uri="{BB962C8B-B14F-4D97-AF65-F5344CB8AC3E}">
-        <p14:creationId xmlns:p14="http://schemas.microsoft.com/office/powerpoint/2010/main" val="1940991740"/>
-      </p:ext>
-    </p:extLst>
-  </p:cSld>
-  <p:clrMapOvr>
-    <a:masterClrMapping/>
-  </p:clrMapOvr>
-</p:sld>
-</file>
-
-<file path=ppt/slides/slide21.xml><?xml version="1.0" encoding="utf-8"?>
-<p:sld xmlns:a="http://schemas.openxmlformats.org/drawingml/2006/main" xmlns:r="http://schemas.openxmlformats.org/officeDocument/2006/relationships" xmlns:p="http://schemas.openxmlformats.org/presentationml/2006/main">
-  <p:cSld>
-    <p:spTree>
-      <p:nvGrpSpPr>
-        <p:cNvPr id="1" name=""/>
-        <p:cNvGrpSpPr/>
-        <p:nvPr/>
-      </p:nvGrpSpPr>
-      <p:grpSpPr>
-        <a:xfrm>
-          <a:off x="0" y="0"/>
-          <a:ext cx="0" cy="0"/>
-          <a:chOff x="0" y="0"/>
-          <a:chExt cx="0" cy="0"/>
-        </a:xfrm>
-      </p:grpSpPr>
-      <p:sp>
-        <p:nvSpPr>
-          <p:cNvPr id="2" name="Title 1">
-            <a:extLst>
-              <a:ext uri="{FF2B5EF4-FFF2-40B4-BE49-F238E27FC236}">
-                <a16:creationId xmlns:a16="http://schemas.microsoft.com/office/drawing/2014/main" id="{E9415C48-E8D3-FD42-922B-B508951BCF18}"/>
-              </a:ext>
-            </a:extLst>
-          </p:cNvPr>
-          <p:cNvSpPr>
-            <a:spLocks noGrp="1"/>
-          </p:cNvSpPr>
-          <p:nvPr>
-            <p:ph type="title"/>
-          </p:nvPr>
-        </p:nvSpPr>
-        <p:spPr/>
-        <p:txBody>
-          <a:bodyPr/>
-          <a:lstStyle/>
-          <a:p>
-            <a:r>
-              <a:rPr lang="en-IT" dirty="0"/>
-              <a:t>Validity - ServicePackage</a:t>
-            </a:r>
-          </a:p>
-        </p:txBody>
-      </p:sp>
-      <p:sp>
-        <p:nvSpPr>
-          <p:cNvPr id="3" name="Content Placeholder 2">
-            <a:extLst>
-              <a:ext uri="{FF2B5EF4-FFF2-40B4-BE49-F238E27FC236}">
-                <a16:creationId xmlns:a16="http://schemas.microsoft.com/office/drawing/2014/main" id="{8CA11B19-D646-BF43-8772-C38F5872E445}"/>
-              </a:ext>
-            </a:extLst>
-          </p:cNvPr>
-          <p:cNvSpPr>
-            <a:spLocks noGrp="1"/>
-          </p:cNvSpPr>
-          <p:nvPr>
-            <p:ph idx="1"/>
-          </p:nvPr>
-        </p:nvSpPr>
-        <p:spPr/>
-        <p:txBody>
-          <a:bodyPr/>
-          <a:lstStyle/>
-          <a:p>
-            <a:r>
-              <a:rPr lang="en-IT" dirty="0"/>
-              <a:t>ServicePackage -&gt; Validity</a:t>
-            </a:r>
-          </a:p>
-          <a:p>
-            <a:r>
-              <a:rPr lang="en-IT" dirty="0"/>
-              <a:t>Validity -&gt; ServicePackage</a:t>
-            </a:r>
-          </a:p>
-        </p:txBody>
-      </p:sp>
-    </p:spTree>
-    <p:extLst>
-      <p:ext uri="{BB962C8B-B14F-4D97-AF65-F5344CB8AC3E}">
-        <p14:creationId xmlns:p14="http://schemas.microsoft.com/office/powerpoint/2010/main" val="2259403744"/>
-      </p:ext>
-    </p:extLst>
-  </p:cSld>
-  <p:clrMapOvr>
-    <a:masterClrMapping/>
-  </p:clrMapOvr>
-</p:sld>
-</file>
-
-<file path=ppt/slides/slide22.xml><?xml version="1.0" encoding="utf-8"?>
-<p:sld xmlns:a="http://schemas.openxmlformats.org/drawingml/2006/main" xmlns:r="http://schemas.openxmlformats.org/officeDocument/2006/relationships" xmlns:p="http://schemas.openxmlformats.org/presentationml/2006/main">
-  <p:cSld>
-    <p:spTree>
-      <p:nvGrpSpPr>
-        <p:cNvPr id="1" name=""/>
-        <p:cNvGrpSpPr/>
-        <p:nvPr/>
-      </p:nvGrpSpPr>
-      <p:grpSpPr>
-        <a:xfrm>
-          <a:off x="0" y="0"/>
-          <a:ext cx="0" cy="0"/>
-          <a:chOff x="0" y="0"/>
-          <a:chExt cx="0" cy="0"/>
-        </a:xfrm>
-      </p:grpSpPr>
-      <p:sp>
-        <p:nvSpPr>
-          <p:cNvPr id="4" name="Titolo 3">
-            <a:extLst>
-              <a:ext uri="{FF2B5EF4-FFF2-40B4-BE49-F238E27FC236}">
-                <a16:creationId xmlns:a16="http://schemas.microsoft.com/office/drawing/2014/main" id="{4C0913AC-67D2-419B-8484-893BD4A9E7A0}"/>
-              </a:ext>
-            </a:extLst>
-          </p:cNvPr>
-          <p:cNvSpPr>
-            <a:spLocks noGrp="1"/>
-          </p:cNvSpPr>
-          <p:nvPr>
-            <p:ph type="title"/>
-          </p:nvPr>
-        </p:nvSpPr>
-        <p:spPr>
-          <a:xfrm>
-            <a:off x="838200" y="2608704"/>
-            <a:ext cx="10515600" cy="1325563"/>
-          </a:xfrm>
-        </p:spPr>
-        <p:txBody>
-          <a:bodyPr>
-            <a:normAutofit/>
-          </a:bodyPr>
-          <a:lstStyle/>
-          <a:p>
-            <a:pPr algn="ctr"/>
-            <a:r>
-              <a:rPr lang="it-IT" sz="6600" b="1" dirty="0"/>
-              <a:t>ENTITIES</a:t>
-            </a:r>
-          </a:p>
-        </p:txBody>
-      </p:sp>
-    </p:spTree>
-    <p:extLst>
-      <p:ext uri="{BB962C8B-B14F-4D97-AF65-F5344CB8AC3E}">
-        <p14:creationId xmlns:p14="http://schemas.microsoft.com/office/powerpoint/2010/main" val="3724630667"/>
-      </p:ext>
-    </p:extLst>
-  </p:cSld>
-  <p:clrMapOvr>
-    <a:masterClrMapping/>
-  </p:clrMapOvr>
-</p:sld>
-</file>
-
-<file path=ppt/slides/slide23.xml><?xml version="1.0" encoding="utf-8"?>
-<p:sld xmlns:a="http://schemas.openxmlformats.org/drawingml/2006/main" xmlns:r="http://schemas.openxmlformats.org/officeDocument/2006/relationships" xmlns:p="http://schemas.openxmlformats.org/presentationml/2006/main">
-  <p:cSld>
-    <p:spTree>
-      <p:nvGrpSpPr>
-        <p:cNvPr id="1" name=""/>
-        <p:cNvGrpSpPr/>
-        <p:nvPr/>
-      </p:nvGrpSpPr>
-      <p:grpSpPr>
-        <a:xfrm>
-          <a:off x="0" y="0"/>
-          <a:ext cx="0" cy="0"/>
-          <a:chOff x="0" y="0"/>
-          <a:chExt cx="0" cy="0"/>
-        </a:xfrm>
-      </p:grpSpPr>
-      <p:sp>
-        <p:nvSpPr>
-          <p:cNvPr id="2" name="Title 1">
-            <a:extLst>
-              <a:ext uri="{FF2B5EF4-FFF2-40B4-BE49-F238E27FC236}">
-                <a16:creationId xmlns:a16="http://schemas.microsoft.com/office/drawing/2014/main" id="{9F93B6FE-84BF-B44C-8B1E-905614F2C5A7}"/>
-              </a:ext>
-            </a:extLst>
-          </p:cNvPr>
-          <p:cNvSpPr>
-            <a:spLocks noGrp="1"/>
-          </p:cNvSpPr>
-          <p:nvPr>
-            <p:ph type="title"/>
-          </p:nvPr>
-        </p:nvSpPr>
-        <p:spPr/>
-        <p:txBody>
-          <a:bodyPr>
-            <a:normAutofit/>
-          </a:bodyPr>
-          <a:lstStyle/>
-          <a:p>
-            <a:r>
-              <a:rPr lang="en-GB" dirty="0" err="1"/>
-              <a:t>MobileInternetService</a:t>
-            </a:r>
-            <a:endParaRPr lang="en-IT" dirty="0"/>
-          </a:p>
-        </p:txBody>
-      </p:sp>
-      <p:sp>
-        <p:nvSpPr>
-          <p:cNvPr id="3" name="Content Placeholder 2">
-            <a:extLst>
-              <a:ext uri="{FF2B5EF4-FFF2-40B4-BE49-F238E27FC236}">
-                <a16:creationId xmlns:a16="http://schemas.microsoft.com/office/drawing/2014/main" id="{EACBD965-6A7F-D64D-B8D1-0D3023B213B4}"/>
-              </a:ext>
-            </a:extLst>
-          </p:cNvPr>
-          <p:cNvSpPr>
-            <a:spLocks noGrp="1"/>
-          </p:cNvSpPr>
-          <p:nvPr>
-            <p:ph idx="1"/>
-          </p:nvPr>
-        </p:nvSpPr>
-        <p:spPr/>
-        <p:txBody>
-          <a:bodyPr/>
-          <a:lstStyle/>
-          <a:p>
-            <a:endParaRPr lang="en-IT"/>
-          </a:p>
-        </p:txBody>
-      </p:sp>
-    </p:spTree>
-    <p:extLst>
-      <p:ext uri="{BB962C8B-B14F-4D97-AF65-F5344CB8AC3E}">
-        <p14:creationId xmlns:p14="http://schemas.microsoft.com/office/powerpoint/2010/main" val="615638387"/>
-      </p:ext>
-    </p:extLst>
-  </p:cSld>
-  <p:clrMapOvr>
-    <a:masterClrMapping/>
-  </p:clrMapOvr>
-</p:sld>
-</file>
-
-<file path=ppt/slides/slide24.xml><?xml version="1.0" encoding="utf-8"?>
-<p:sld xmlns:a="http://schemas.openxmlformats.org/drawingml/2006/main" xmlns:r="http://schemas.openxmlformats.org/officeDocument/2006/relationships" xmlns:p="http://schemas.openxmlformats.org/presentationml/2006/main">
-  <p:cSld>
-    <p:spTree>
-      <p:nvGrpSpPr>
-        <p:cNvPr id="1" name=""/>
-        <p:cNvGrpSpPr/>
-        <p:nvPr/>
-      </p:nvGrpSpPr>
-      <p:grpSpPr>
-        <a:xfrm>
-          <a:off x="0" y="0"/>
-          <a:ext cx="0" cy="0"/>
-          <a:chOff x="0" y="0"/>
-          <a:chExt cx="0" cy="0"/>
-        </a:xfrm>
-      </p:grpSpPr>
-      <p:sp>
-        <p:nvSpPr>
-          <p:cNvPr id="2" name="Title 1">
-            <a:extLst>
-              <a:ext uri="{FF2B5EF4-FFF2-40B4-BE49-F238E27FC236}">
-                <a16:creationId xmlns:a16="http://schemas.microsoft.com/office/drawing/2014/main" id="{9F93B6FE-84BF-B44C-8B1E-905614F2C5A7}"/>
-              </a:ext>
-            </a:extLst>
-          </p:cNvPr>
-          <p:cNvSpPr>
-            <a:spLocks noGrp="1"/>
-          </p:cNvSpPr>
-          <p:nvPr>
-            <p:ph type="title"/>
-          </p:nvPr>
-        </p:nvSpPr>
-        <p:spPr/>
-        <p:txBody>
-          <a:bodyPr>
-            <a:normAutofit/>
-          </a:bodyPr>
-          <a:lstStyle/>
-          <a:p>
-            <a:r>
-              <a:rPr lang="en-GB" dirty="0"/>
-              <a:t>Client</a:t>
-            </a:r>
-            <a:endParaRPr lang="en-IT" dirty="0"/>
-          </a:p>
-        </p:txBody>
-      </p:sp>
-      <p:sp>
-        <p:nvSpPr>
-          <p:cNvPr id="3" name="Content Placeholder 2">
-            <a:extLst>
-              <a:ext uri="{FF2B5EF4-FFF2-40B4-BE49-F238E27FC236}">
-                <a16:creationId xmlns:a16="http://schemas.microsoft.com/office/drawing/2014/main" id="{EACBD965-6A7F-D64D-B8D1-0D3023B213B4}"/>
-              </a:ext>
-            </a:extLst>
-          </p:cNvPr>
-          <p:cNvSpPr>
-            <a:spLocks noGrp="1"/>
-          </p:cNvSpPr>
-          <p:nvPr>
-            <p:ph idx="1"/>
-          </p:nvPr>
-        </p:nvSpPr>
-        <p:spPr/>
-        <p:txBody>
-          <a:bodyPr/>
-          <a:lstStyle/>
-          <a:p>
-            <a:endParaRPr lang="en-IT"/>
-          </a:p>
-        </p:txBody>
-      </p:sp>
-    </p:spTree>
-    <p:extLst>
-      <p:ext uri="{BB962C8B-B14F-4D97-AF65-F5344CB8AC3E}">
-        <p14:creationId xmlns:p14="http://schemas.microsoft.com/office/powerpoint/2010/main" val="3185242001"/>
-      </p:ext>
-    </p:extLst>
-  </p:cSld>
-  <p:clrMapOvr>
-    <a:masterClrMapping/>
-  </p:clrMapOvr>
-</p:sld>
-</file>
-
-<file path=ppt/slides/slide25.xml><?xml version="1.0" encoding="utf-8"?>
-<p:sld xmlns:a="http://schemas.openxmlformats.org/drawingml/2006/main" xmlns:r="http://schemas.openxmlformats.org/officeDocument/2006/relationships" xmlns:p="http://schemas.openxmlformats.org/presentationml/2006/main">
-  <p:cSld>
-    <p:spTree>
-      <p:nvGrpSpPr>
-        <p:cNvPr id="1" name=""/>
-        <p:cNvGrpSpPr/>
-        <p:nvPr/>
-      </p:nvGrpSpPr>
-      <p:grpSpPr>
-        <a:xfrm>
-          <a:off x="0" y="0"/>
-          <a:ext cx="0" cy="0"/>
-          <a:chOff x="0" y="0"/>
-          <a:chExt cx="0" cy="0"/>
-        </a:xfrm>
-      </p:grpSpPr>
-      <p:sp>
-        <p:nvSpPr>
-          <p:cNvPr id="2" name="Title 1">
-            <a:extLst>
-              <a:ext uri="{FF2B5EF4-FFF2-40B4-BE49-F238E27FC236}">
-                <a16:creationId xmlns:a16="http://schemas.microsoft.com/office/drawing/2014/main" id="{9F93B6FE-84BF-B44C-8B1E-905614F2C5A7}"/>
-              </a:ext>
-            </a:extLst>
-          </p:cNvPr>
-          <p:cNvSpPr>
-            <a:spLocks noGrp="1"/>
-          </p:cNvSpPr>
-          <p:nvPr>
-            <p:ph type="title"/>
-          </p:nvPr>
-        </p:nvSpPr>
-        <p:spPr/>
-        <p:txBody>
-          <a:bodyPr>
-            <a:normAutofit/>
-          </a:bodyPr>
-          <a:lstStyle/>
-          <a:p>
-            <a:r>
-              <a:rPr lang="en-GB" dirty="0" err="1"/>
-              <a:t>OptionalProduct</a:t>
-            </a:r>
-            <a:endParaRPr lang="en-IT" dirty="0"/>
-          </a:p>
-        </p:txBody>
-      </p:sp>
-      <p:sp>
-        <p:nvSpPr>
-          <p:cNvPr id="3" name="Content Placeholder 2">
-            <a:extLst>
-              <a:ext uri="{FF2B5EF4-FFF2-40B4-BE49-F238E27FC236}">
-                <a16:creationId xmlns:a16="http://schemas.microsoft.com/office/drawing/2014/main" id="{EACBD965-6A7F-D64D-B8D1-0D3023B213B4}"/>
-              </a:ext>
-            </a:extLst>
-          </p:cNvPr>
-          <p:cNvSpPr>
-            <a:spLocks noGrp="1"/>
-          </p:cNvSpPr>
-          <p:nvPr>
-            <p:ph idx="1"/>
-          </p:nvPr>
-        </p:nvSpPr>
-        <p:spPr/>
-        <p:txBody>
-          <a:bodyPr/>
-          <a:lstStyle/>
-          <a:p>
-            <a:endParaRPr lang="en-IT"/>
-          </a:p>
-        </p:txBody>
-      </p:sp>
-    </p:spTree>
-    <p:extLst>
-      <p:ext uri="{BB962C8B-B14F-4D97-AF65-F5344CB8AC3E}">
-        <p14:creationId xmlns:p14="http://schemas.microsoft.com/office/powerpoint/2010/main" val="2531030918"/>
-      </p:ext>
-    </p:extLst>
-  </p:cSld>
-  <p:clrMapOvr>
-    <a:masterClrMapping/>
-  </p:clrMapOvr>
-</p:sld>
-</file>
-
-<file path=ppt/slides/slide26.xml><?xml version="1.0" encoding="utf-8"?>
-<p:sld xmlns:a="http://schemas.openxmlformats.org/drawingml/2006/main" xmlns:r="http://schemas.openxmlformats.org/officeDocument/2006/relationships" xmlns:p="http://schemas.openxmlformats.org/presentationml/2006/main">
-  <p:cSld>
-    <p:spTree>
-      <p:nvGrpSpPr>
-        <p:cNvPr id="1" name=""/>
-        <p:cNvGrpSpPr/>
-        <p:nvPr/>
-      </p:nvGrpSpPr>
-      <p:grpSpPr>
-        <a:xfrm>
-          <a:off x="0" y="0"/>
-          <a:ext cx="0" cy="0"/>
-          <a:chOff x="0" y="0"/>
-          <a:chExt cx="0" cy="0"/>
-        </a:xfrm>
-      </p:grpSpPr>
-      <p:sp>
-        <p:nvSpPr>
-          <p:cNvPr id="2" name="Title 1">
-            <a:extLst>
-              <a:ext uri="{FF2B5EF4-FFF2-40B4-BE49-F238E27FC236}">
-                <a16:creationId xmlns:a16="http://schemas.microsoft.com/office/drawing/2014/main" id="{9F93B6FE-84BF-B44C-8B1E-905614F2C5A7}"/>
-              </a:ext>
-            </a:extLst>
-          </p:cNvPr>
-          <p:cNvSpPr>
-            <a:spLocks noGrp="1"/>
-          </p:cNvSpPr>
-          <p:nvPr>
-            <p:ph type="title"/>
-          </p:nvPr>
-        </p:nvSpPr>
-        <p:spPr/>
-        <p:txBody>
-          <a:bodyPr>
-            <a:normAutofit/>
-          </a:bodyPr>
-          <a:lstStyle/>
-          <a:p>
-            <a:r>
-              <a:rPr lang="en-GB" dirty="0" err="1"/>
-              <a:t>FixedInternetService</a:t>
-            </a:r>
-            <a:endParaRPr lang="en-IT" dirty="0"/>
-          </a:p>
-        </p:txBody>
-      </p:sp>
-      <p:sp>
-        <p:nvSpPr>
-          <p:cNvPr id="3" name="Content Placeholder 2">
-            <a:extLst>
-              <a:ext uri="{FF2B5EF4-FFF2-40B4-BE49-F238E27FC236}">
-                <a16:creationId xmlns:a16="http://schemas.microsoft.com/office/drawing/2014/main" id="{EACBD965-6A7F-D64D-B8D1-0D3023B213B4}"/>
-              </a:ext>
-            </a:extLst>
-          </p:cNvPr>
-          <p:cNvSpPr>
-            <a:spLocks noGrp="1"/>
-          </p:cNvSpPr>
-          <p:nvPr>
-            <p:ph idx="1"/>
-          </p:nvPr>
-        </p:nvSpPr>
-        <p:spPr/>
-        <p:txBody>
-          <a:bodyPr/>
-          <a:lstStyle/>
-          <a:p>
-            <a:endParaRPr lang="en-IT"/>
-          </a:p>
-        </p:txBody>
-      </p:sp>
-    </p:spTree>
-    <p:extLst>
-      <p:ext uri="{BB962C8B-B14F-4D97-AF65-F5344CB8AC3E}">
-        <p14:creationId xmlns:p14="http://schemas.microsoft.com/office/powerpoint/2010/main" val="4023115116"/>
-      </p:ext>
-    </p:extLst>
-  </p:cSld>
-  <p:clrMapOvr>
-    <a:masterClrMapping/>
-  </p:clrMapOvr>
-</p:sld>
-</file>
-
-<file path=ppt/slides/slide27.xml><?xml version="1.0" encoding="utf-8"?>
-<p:sld xmlns:a="http://schemas.openxmlformats.org/drawingml/2006/main" xmlns:r="http://schemas.openxmlformats.org/officeDocument/2006/relationships" xmlns:p="http://schemas.openxmlformats.org/presentationml/2006/main">
-  <p:cSld>
-    <p:spTree>
-      <p:nvGrpSpPr>
-        <p:cNvPr id="1" name=""/>
-        <p:cNvGrpSpPr/>
-        <p:nvPr/>
-      </p:nvGrpSpPr>
-      <p:grpSpPr>
-        <a:xfrm>
-          <a:off x="0" y="0"/>
-          <a:ext cx="0" cy="0"/>
-          <a:chOff x="0" y="0"/>
-          <a:chExt cx="0" cy="0"/>
-        </a:xfrm>
-      </p:grpSpPr>
-      <p:sp>
-        <p:nvSpPr>
-          <p:cNvPr id="2" name="Title 1">
-            <a:extLst>
-              <a:ext uri="{FF2B5EF4-FFF2-40B4-BE49-F238E27FC236}">
-                <a16:creationId xmlns:a16="http://schemas.microsoft.com/office/drawing/2014/main" id="{9F93B6FE-84BF-B44C-8B1E-905614F2C5A7}"/>
-              </a:ext>
-            </a:extLst>
-          </p:cNvPr>
-          <p:cNvSpPr>
-            <a:spLocks noGrp="1"/>
-          </p:cNvSpPr>
-          <p:nvPr>
-            <p:ph type="title"/>
-          </p:nvPr>
-        </p:nvSpPr>
-        <p:spPr/>
-        <p:txBody>
-          <a:bodyPr>
-            <a:normAutofit/>
-          </a:bodyPr>
-          <a:lstStyle/>
-          <a:p>
-            <a:r>
-              <a:rPr lang="en-GB" dirty="0"/>
-              <a:t>Order</a:t>
-            </a:r>
-            <a:endParaRPr lang="en-IT" dirty="0"/>
-          </a:p>
-        </p:txBody>
-      </p:sp>
-      <p:sp>
-        <p:nvSpPr>
-          <p:cNvPr id="3" name="Content Placeholder 2">
-            <a:extLst>
-              <a:ext uri="{FF2B5EF4-FFF2-40B4-BE49-F238E27FC236}">
-                <a16:creationId xmlns:a16="http://schemas.microsoft.com/office/drawing/2014/main" id="{EACBD965-6A7F-D64D-B8D1-0D3023B213B4}"/>
-              </a:ext>
-            </a:extLst>
-          </p:cNvPr>
-          <p:cNvSpPr>
-            <a:spLocks noGrp="1"/>
-          </p:cNvSpPr>
-          <p:nvPr>
-            <p:ph idx="1"/>
-          </p:nvPr>
-        </p:nvSpPr>
-        <p:spPr/>
-        <p:txBody>
-          <a:bodyPr/>
-          <a:lstStyle/>
-          <a:p>
-            <a:endParaRPr lang="en-IT"/>
-          </a:p>
-        </p:txBody>
-      </p:sp>
-    </p:spTree>
-    <p:extLst>
-      <p:ext uri="{BB962C8B-B14F-4D97-AF65-F5344CB8AC3E}">
-        <p14:creationId xmlns:p14="http://schemas.microsoft.com/office/powerpoint/2010/main" val="1045824776"/>
-      </p:ext>
-    </p:extLst>
-  </p:cSld>
-  <p:clrMapOvr>
-    <a:masterClrMapping/>
-  </p:clrMapOvr>
-</p:sld>
-</file>
-
-<file path=ppt/slides/slide28.xml><?xml version="1.0" encoding="utf-8"?>
-<p:sld xmlns:a="http://schemas.openxmlformats.org/drawingml/2006/main" xmlns:r="http://schemas.openxmlformats.org/officeDocument/2006/relationships" xmlns:p="http://schemas.openxmlformats.org/presentationml/2006/main">
-  <p:cSld>
-    <p:spTree>
-      <p:nvGrpSpPr>
-        <p:cNvPr id="1" name=""/>
-        <p:cNvGrpSpPr/>
-        <p:nvPr/>
-      </p:nvGrpSpPr>
-      <p:grpSpPr>
-        <a:xfrm>
-          <a:off x="0" y="0"/>
-          <a:ext cx="0" cy="0"/>
-          <a:chOff x="0" y="0"/>
-          <a:chExt cx="0" cy="0"/>
-        </a:xfrm>
-      </p:grpSpPr>
-      <p:sp>
-        <p:nvSpPr>
-          <p:cNvPr id="2" name="Title 1">
-            <a:extLst>
-              <a:ext uri="{FF2B5EF4-FFF2-40B4-BE49-F238E27FC236}">
-                <a16:creationId xmlns:a16="http://schemas.microsoft.com/office/drawing/2014/main" id="{9F93B6FE-84BF-B44C-8B1E-905614F2C5A7}"/>
-              </a:ext>
-            </a:extLst>
-          </p:cNvPr>
-          <p:cNvSpPr>
-            <a:spLocks noGrp="1"/>
-          </p:cNvSpPr>
-          <p:nvPr>
-            <p:ph type="title"/>
-          </p:nvPr>
-        </p:nvSpPr>
-        <p:spPr/>
-        <p:txBody>
-          <a:bodyPr>
-            <a:normAutofit/>
-          </a:bodyPr>
-          <a:lstStyle/>
-          <a:p>
-            <a:r>
-              <a:rPr lang="en-GB" dirty="0" err="1"/>
-              <a:t>MobilePhoneService</a:t>
-            </a:r>
-            <a:endParaRPr lang="en-IT" dirty="0"/>
-          </a:p>
-        </p:txBody>
-      </p:sp>
-      <p:sp>
-        <p:nvSpPr>
-          <p:cNvPr id="3" name="Content Placeholder 2">
-            <a:extLst>
-              <a:ext uri="{FF2B5EF4-FFF2-40B4-BE49-F238E27FC236}">
-                <a16:creationId xmlns:a16="http://schemas.microsoft.com/office/drawing/2014/main" id="{EACBD965-6A7F-D64D-B8D1-0D3023B213B4}"/>
-              </a:ext>
-            </a:extLst>
-          </p:cNvPr>
-          <p:cNvSpPr>
-            <a:spLocks noGrp="1"/>
-          </p:cNvSpPr>
-          <p:nvPr>
-            <p:ph idx="1"/>
-          </p:nvPr>
-        </p:nvSpPr>
-        <p:spPr/>
-        <p:txBody>
-          <a:bodyPr/>
-          <a:lstStyle/>
-          <a:p>
-            <a:endParaRPr lang="en-IT"/>
-          </a:p>
-        </p:txBody>
-      </p:sp>
-    </p:spTree>
-    <p:extLst>
-      <p:ext uri="{BB962C8B-B14F-4D97-AF65-F5344CB8AC3E}">
-        <p14:creationId xmlns:p14="http://schemas.microsoft.com/office/powerpoint/2010/main" val="1531281992"/>
-      </p:ext>
-    </p:extLst>
-  </p:cSld>
-  <p:clrMapOvr>
-    <a:masterClrMapping/>
-  </p:clrMapOvr>
-</p:sld>
-</file>
-
-<file path=ppt/slides/slide29.xml><?xml version="1.0" encoding="utf-8"?>
-<p:sld xmlns:a="http://schemas.openxmlformats.org/drawingml/2006/main" xmlns:r="http://schemas.openxmlformats.org/officeDocument/2006/relationships" xmlns:p="http://schemas.openxmlformats.org/presentationml/2006/main">
-  <p:cSld>
-    <p:spTree>
-      <p:nvGrpSpPr>
-        <p:cNvPr id="1" name=""/>
-        <p:cNvGrpSpPr/>
-        <p:nvPr/>
-      </p:nvGrpSpPr>
-      <p:grpSpPr>
-        <a:xfrm>
-          <a:off x="0" y="0"/>
-          <a:ext cx="0" cy="0"/>
-          <a:chOff x="0" y="0"/>
-          <a:chExt cx="0" cy="0"/>
-        </a:xfrm>
-      </p:grpSpPr>
-      <p:sp>
-        <p:nvSpPr>
-          <p:cNvPr id="2" name="Title 1">
-            <a:extLst>
-              <a:ext uri="{FF2B5EF4-FFF2-40B4-BE49-F238E27FC236}">
-                <a16:creationId xmlns:a16="http://schemas.microsoft.com/office/drawing/2014/main" id="{9F93B6FE-84BF-B44C-8B1E-905614F2C5A7}"/>
-              </a:ext>
-            </a:extLst>
-          </p:cNvPr>
-          <p:cNvSpPr>
-            <a:spLocks noGrp="1"/>
-          </p:cNvSpPr>
-          <p:nvPr>
-            <p:ph type="title"/>
-          </p:nvPr>
-        </p:nvSpPr>
-        <p:spPr/>
-        <p:txBody>
-          <a:bodyPr>
-            <a:normAutofit/>
-          </a:bodyPr>
-          <a:lstStyle/>
-          <a:p>
-            <a:r>
-              <a:rPr lang="en-GB" dirty="0"/>
-              <a:t>Employee</a:t>
-            </a:r>
-            <a:endParaRPr lang="en-IT" dirty="0"/>
-          </a:p>
-        </p:txBody>
-      </p:sp>
-      <p:sp>
-        <p:nvSpPr>
-          <p:cNvPr id="3" name="Content Placeholder 2">
-            <a:extLst>
-              <a:ext uri="{FF2B5EF4-FFF2-40B4-BE49-F238E27FC236}">
-                <a16:creationId xmlns:a16="http://schemas.microsoft.com/office/drawing/2014/main" id="{EACBD965-6A7F-D64D-B8D1-0D3023B213B4}"/>
-              </a:ext>
-            </a:extLst>
-          </p:cNvPr>
-          <p:cNvSpPr>
-            <a:spLocks noGrp="1"/>
-          </p:cNvSpPr>
-          <p:nvPr>
-            <p:ph idx="1"/>
-          </p:nvPr>
-        </p:nvSpPr>
-        <p:spPr/>
-        <p:txBody>
-          <a:bodyPr/>
-          <a:lstStyle/>
-          <a:p>
-            <a:endParaRPr lang="en-IT" dirty="0"/>
-          </a:p>
-        </p:txBody>
-      </p:sp>
-    </p:spTree>
-    <p:extLst>
-      <p:ext uri="{BB962C8B-B14F-4D97-AF65-F5344CB8AC3E}">
-        <p14:creationId xmlns:p14="http://schemas.microsoft.com/office/powerpoint/2010/main" val="1548068163"/>
-      </p:ext>
-    </p:extLst>
-  </p:cSld>
-  <p:clrMapOvr>
-    <a:masterClrMapping/>
-  </p:clrMapOvr>
-</p:sld>
-</file>
-
-<file path=ppt/slides/slide3.xml><?xml version="1.0" encoding="utf-8"?>
-<p:sld xmlns:a="http://schemas.openxmlformats.org/drawingml/2006/main" xmlns:r="http://schemas.openxmlformats.org/officeDocument/2006/relationships" xmlns:p="http://schemas.openxmlformats.org/presentationml/2006/main">
-  <p:cSld>
-    <p:spTree>
-      <p:nvGrpSpPr>
-        <p:cNvPr id="1" name=""/>
-        <p:cNvGrpSpPr/>
-        <p:nvPr/>
-      </p:nvGrpSpPr>
-      <p:grpSpPr>
-        <a:xfrm>
-          <a:off x="0" y="0"/>
-          <a:ext cx="0" cy="0"/>
-          <a:chOff x="0" y="0"/>
-          <a:chExt cx="0" cy="0"/>
-        </a:xfrm>
-      </p:grpSpPr>
-      <p:sp>
-        <p:nvSpPr>
-          <p:cNvPr id="2" name="Title 1">
-            <a:extLst>
-              <a:ext uri="{FF2B5EF4-FFF2-40B4-BE49-F238E27FC236}">
-                <a16:creationId xmlns:a16="http://schemas.microsoft.com/office/drawing/2014/main" id="{CCF618C2-5C13-A44A-B6C7-4FE083ADBC89}"/>
-              </a:ext>
-            </a:extLst>
-          </p:cNvPr>
-          <p:cNvSpPr>
-            <a:spLocks noGrp="1"/>
-          </p:cNvSpPr>
-          <p:nvPr>
-            <p:ph type="title"/>
-          </p:nvPr>
-        </p:nvSpPr>
-        <p:spPr>
-          <a:xfrm>
-            <a:off x="838200" y="0"/>
-            <a:ext cx="10515600" cy="1325563"/>
-          </a:xfrm>
-        </p:spPr>
-        <p:txBody>
-          <a:bodyPr/>
-          <a:lstStyle/>
-          <a:p>
-            <a:r>
-              <a:rPr lang="en-IT" dirty="0"/>
-              <a:t>Motivation of the ER design</a:t>
-            </a:r>
-          </a:p>
-        </p:txBody>
-      </p:sp>
-    </p:spTree>
-    <p:extLst>
-      <p:ext uri="{BB962C8B-B14F-4D97-AF65-F5344CB8AC3E}">
-        <p14:creationId xmlns:p14="http://schemas.microsoft.com/office/powerpoint/2010/main" val="2881927455"/>
-      </p:ext>
-    </p:extLst>
-  </p:cSld>
-  <p:clrMapOvr>
-    <a:masterClrMapping/>
-  </p:clrMapOvr>
-</p:sld>
-</file>
-
 <file path=ppt/slides/slide30.xml><?xml version="1.0" encoding="utf-8"?>
 <p:sld xmlns:a="http://schemas.openxmlformats.org/drawingml/2006/main" xmlns:r="http://schemas.openxmlformats.org/officeDocument/2006/relationships" xmlns:p="http://schemas.openxmlformats.org/presentationml/2006/main">
   <p:cSld>
@@ -6491,8 +6734,8 @@
           <a:lstStyle/>
           <a:p>
             <a:r>
-              <a:rPr lang="en-GB" dirty="0"/>
-              <a:t>Service</a:t>
+              <a:rPr lang="en-GB" dirty="0" err="1"/>
+              <a:t>MobilePhoneService</a:t>
             </a:r>
             <a:endParaRPr lang="en-IT" dirty="0"/>
           </a:p>
@@ -6526,7 +6769,7 @@
     </p:spTree>
     <p:extLst>
       <p:ext uri="{BB962C8B-B14F-4D97-AF65-F5344CB8AC3E}">
-        <p14:creationId xmlns:p14="http://schemas.microsoft.com/office/powerpoint/2010/main" val="2933478100"/>
+        <p14:creationId xmlns:p14="http://schemas.microsoft.com/office/powerpoint/2010/main" val="1531281992"/>
       </p:ext>
     </p:extLst>
   </p:cSld>
@@ -6577,8 +6820,8 @@
           <a:lstStyle/>
           <a:p>
             <a:r>
-              <a:rPr lang="en-GB" dirty="0" err="1"/>
-              <a:t>ServicePackage</a:t>
+              <a:rPr lang="en-GB" dirty="0"/>
+              <a:t>Employee</a:t>
             </a:r>
             <a:endParaRPr lang="en-IT" dirty="0"/>
           </a:p>
@@ -6612,7 +6855,7 @@
     </p:spTree>
     <p:extLst>
       <p:ext uri="{BB962C8B-B14F-4D97-AF65-F5344CB8AC3E}">
-        <p14:creationId xmlns:p14="http://schemas.microsoft.com/office/powerpoint/2010/main" val="528099141"/>
+        <p14:creationId xmlns:p14="http://schemas.microsoft.com/office/powerpoint/2010/main" val="1548068163"/>
       </p:ext>
     </p:extLst>
   </p:cSld>
@@ -6664,7 +6907,7 @@
           <a:p>
             <a:r>
               <a:rPr lang="en-GB" dirty="0"/>
-              <a:t>Validity</a:t>
+              <a:t>Service</a:t>
             </a:r>
             <a:endParaRPr lang="en-IT" dirty="0"/>
           </a:p>
@@ -6691,14 +6934,14 @@
           <a:bodyPr/>
           <a:lstStyle/>
           <a:p>
-            <a:endParaRPr lang="en-IT" dirty="0"/>
+            <a:endParaRPr lang="en-IT"/>
           </a:p>
         </p:txBody>
       </p:sp>
     </p:spTree>
     <p:extLst>
       <p:ext uri="{BB962C8B-B14F-4D97-AF65-F5344CB8AC3E}">
-        <p14:creationId xmlns:p14="http://schemas.microsoft.com/office/powerpoint/2010/main" val="4024117242"/>
+        <p14:creationId xmlns:p14="http://schemas.microsoft.com/office/powerpoint/2010/main" val="2933478100"/>
       </p:ext>
     </p:extLst>
   </p:cSld>
@@ -6727,6 +6970,178 @@
       </p:grpSpPr>
       <p:sp>
         <p:nvSpPr>
+          <p:cNvPr id="2" name="Title 1">
+            <a:extLst>
+              <a:ext uri="{FF2B5EF4-FFF2-40B4-BE49-F238E27FC236}">
+                <a16:creationId xmlns:a16="http://schemas.microsoft.com/office/drawing/2014/main" id="{9F93B6FE-84BF-B44C-8B1E-905614F2C5A7}"/>
+              </a:ext>
+            </a:extLst>
+          </p:cNvPr>
+          <p:cNvSpPr>
+            <a:spLocks noGrp="1"/>
+          </p:cNvSpPr>
+          <p:nvPr>
+            <p:ph type="title"/>
+          </p:nvPr>
+        </p:nvSpPr>
+        <p:spPr/>
+        <p:txBody>
+          <a:bodyPr>
+            <a:normAutofit/>
+          </a:bodyPr>
+          <a:lstStyle/>
+          <a:p>
+            <a:r>
+              <a:rPr lang="en-GB" dirty="0" err="1"/>
+              <a:t>ServicePackage</a:t>
+            </a:r>
+            <a:endParaRPr lang="en-IT" dirty="0"/>
+          </a:p>
+        </p:txBody>
+      </p:sp>
+      <p:sp>
+        <p:nvSpPr>
+          <p:cNvPr id="3" name="Content Placeholder 2">
+            <a:extLst>
+              <a:ext uri="{FF2B5EF4-FFF2-40B4-BE49-F238E27FC236}">
+                <a16:creationId xmlns:a16="http://schemas.microsoft.com/office/drawing/2014/main" id="{EACBD965-6A7F-D64D-B8D1-0D3023B213B4}"/>
+              </a:ext>
+            </a:extLst>
+          </p:cNvPr>
+          <p:cNvSpPr>
+            <a:spLocks noGrp="1"/>
+          </p:cNvSpPr>
+          <p:nvPr>
+            <p:ph idx="1"/>
+          </p:nvPr>
+        </p:nvSpPr>
+        <p:spPr/>
+        <p:txBody>
+          <a:bodyPr/>
+          <a:lstStyle/>
+          <a:p>
+            <a:endParaRPr lang="en-IT" dirty="0"/>
+          </a:p>
+        </p:txBody>
+      </p:sp>
+    </p:spTree>
+    <p:extLst>
+      <p:ext uri="{BB962C8B-B14F-4D97-AF65-F5344CB8AC3E}">
+        <p14:creationId xmlns:p14="http://schemas.microsoft.com/office/powerpoint/2010/main" val="528099141"/>
+      </p:ext>
+    </p:extLst>
+  </p:cSld>
+  <p:clrMapOvr>
+    <a:masterClrMapping/>
+  </p:clrMapOvr>
+</p:sld>
+</file>
+
+<file path=ppt/slides/slide34.xml><?xml version="1.0" encoding="utf-8"?>
+<p:sld xmlns:a="http://schemas.openxmlformats.org/drawingml/2006/main" xmlns:r="http://schemas.openxmlformats.org/officeDocument/2006/relationships" xmlns:p="http://schemas.openxmlformats.org/presentationml/2006/main">
+  <p:cSld>
+    <p:spTree>
+      <p:nvGrpSpPr>
+        <p:cNvPr id="1" name=""/>
+        <p:cNvGrpSpPr/>
+        <p:nvPr/>
+      </p:nvGrpSpPr>
+      <p:grpSpPr>
+        <a:xfrm>
+          <a:off x="0" y="0"/>
+          <a:ext cx="0" cy="0"/>
+          <a:chOff x="0" y="0"/>
+          <a:chExt cx="0" cy="0"/>
+        </a:xfrm>
+      </p:grpSpPr>
+      <p:sp>
+        <p:nvSpPr>
+          <p:cNvPr id="2" name="Title 1">
+            <a:extLst>
+              <a:ext uri="{FF2B5EF4-FFF2-40B4-BE49-F238E27FC236}">
+                <a16:creationId xmlns:a16="http://schemas.microsoft.com/office/drawing/2014/main" id="{9F93B6FE-84BF-B44C-8B1E-905614F2C5A7}"/>
+              </a:ext>
+            </a:extLst>
+          </p:cNvPr>
+          <p:cNvSpPr>
+            <a:spLocks noGrp="1"/>
+          </p:cNvSpPr>
+          <p:nvPr>
+            <p:ph type="title"/>
+          </p:nvPr>
+        </p:nvSpPr>
+        <p:spPr/>
+        <p:txBody>
+          <a:bodyPr>
+            <a:normAutofit/>
+          </a:bodyPr>
+          <a:lstStyle/>
+          <a:p>
+            <a:r>
+              <a:rPr lang="en-GB" dirty="0"/>
+              <a:t>Validity</a:t>
+            </a:r>
+            <a:endParaRPr lang="en-IT" dirty="0"/>
+          </a:p>
+        </p:txBody>
+      </p:sp>
+      <p:sp>
+        <p:nvSpPr>
+          <p:cNvPr id="3" name="Content Placeholder 2">
+            <a:extLst>
+              <a:ext uri="{FF2B5EF4-FFF2-40B4-BE49-F238E27FC236}">
+                <a16:creationId xmlns:a16="http://schemas.microsoft.com/office/drawing/2014/main" id="{EACBD965-6A7F-D64D-B8D1-0D3023B213B4}"/>
+              </a:ext>
+            </a:extLst>
+          </p:cNvPr>
+          <p:cNvSpPr>
+            <a:spLocks noGrp="1"/>
+          </p:cNvSpPr>
+          <p:nvPr>
+            <p:ph idx="1"/>
+          </p:nvPr>
+        </p:nvSpPr>
+        <p:spPr/>
+        <p:txBody>
+          <a:bodyPr/>
+          <a:lstStyle/>
+          <a:p>
+            <a:endParaRPr lang="en-IT" dirty="0"/>
+          </a:p>
+        </p:txBody>
+      </p:sp>
+    </p:spTree>
+    <p:extLst>
+      <p:ext uri="{BB962C8B-B14F-4D97-AF65-F5344CB8AC3E}">
+        <p14:creationId xmlns:p14="http://schemas.microsoft.com/office/powerpoint/2010/main" val="4024117242"/>
+      </p:ext>
+    </p:extLst>
+  </p:cSld>
+  <p:clrMapOvr>
+    <a:masterClrMapping/>
+  </p:clrMapOvr>
+</p:sld>
+</file>
+
+<file path=ppt/slides/slide35.xml><?xml version="1.0" encoding="utf-8"?>
+<p:sld xmlns:a="http://schemas.openxmlformats.org/drawingml/2006/main" xmlns:r="http://schemas.openxmlformats.org/officeDocument/2006/relationships" xmlns:p="http://schemas.openxmlformats.org/presentationml/2006/main">
+  <p:cSld>
+    <p:spTree>
+      <p:nvGrpSpPr>
+        <p:cNvPr id="1" name=""/>
+        <p:cNvGrpSpPr/>
+        <p:nvPr/>
+      </p:nvGrpSpPr>
+      <p:grpSpPr>
+        <a:xfrm>
+          <a:off x="0" y="0"/>
+          <a:ext cx="0" cy="0"/>
+          <a:chOff x="0" y="0"/>
+          <a:chExt cx="0" cy="0"/>
+        </a:xfrm>
+      </p:grpSpPr>
+      <p:sp>
+        <p:nvSpPr>
           <p:cNvPr id="2" name="Titolo 1">
             <a:extLst>
               <a:ext uri="{FF2B5EF4-FFF2-40B4-BE49-F238E27FC236}">
@@ -6772,7 +7187,7 @@
 </p:sld>
 </file>
 
-<file path=ppt/slides/slide34.xml><?xml version="1.0" encoding="utf-8"?>
+<file path=ppt/slides/slide36.xml><?xml version="1.0" encoding="utf-8"?>
 <p:sld xmlns:a="http://schemas.openxmlformats.org/drawingml/2006/main" xmlns:r="http://schemas.openxmlformats.org/officeDocument/2006/relationships" xmlns:p="http://schemas.openxmlformats.org/presentationml/2006/main">
   <p:cSld>
     <p:spTree>
@@ -6860,7 +7275,7 @@
 </p:sld>
 </file>
 
-<file path=ppt/slides/slide35.xml><?xml version="1.0" encoding="utf-8"?>
+<file path=ppt/slides/slide37.xml><?xml version="1.0" encoding="utf-8"?>
 <p:sld xmlns:a="http://schemas.openxmlformats.org/drawingml/2006/main" xmlns:r="http://schemas.openxmlformats.org/officeDocument/2006/relationships" xmlns:p="http://schemas.openxmlformats.org/presentationml/2006/main">
   <p:cSld>
     <p:spTree>
@@ -7164,7 +7579,7 @@
 </p:sld>
 </file>
 
-<file path=ppt/slides/slide36.xml><?xml version="1.0" encoding="utf-8"?>
+<file path=ppt/slides/slide38.xml><?xml version="1.0" encoding="utf-8"?>
 <p:sld xmlns:a="http://schemas.openxmlformats.org/drawingml/2006/main" xmlns:r="http://schemas.openxmlformats.org/officeDocument/2006/relationships" xmlns:p="http://schemas.openxmlformats.org/presentationml/2006/main">
   <p:cSld>
     <p:spTree>
@@ -7479,6 +7894,69 @@
 </file>
 
 <file path=ppt/slides/slide4.xml><?xml version="1.0" encoding="utf-8"?>
+<p:sld xmlns:a="http://schemas.openxmlformats.org/drawingml/2006/main" xmlns:r="http://schemas.openxmlformats.org/officeDocument/2006/relationships" xmlns:p="http://schemas.openxmlformats.org/presentationml/2006/main">
+  <p:cSld>
+    <p:spTree>
+      <p:nvGrpSpPr>
+        <p:cNvPr id="1" name=""/>
+        <p:cNvGrpSpPr/>
+        <p:nvPr/>
+      </p:nvGrpSpPr>
+      <p:grpSpPr>
+        <a:xfrm>
+          <a:off x="0" y="0"/>
+          <a:ext cx="0" cy="0"/>
+          <a:chOff x="0" y="0"/>
+          <a:chExt cx="0" cy="0"/>
+        </a:xfrm>
+      </p:grpSpPr>
+      <p:sp>
+        <p:nvSpPr>
+          <p:cNvPr id="2" name="Title 1">
+            <a:extLst>
+              <a:ext uri="{FF2B5EF4-FFF2-40B4-BE49-F238E27FC236}">
+                <a16:creationId xmlns:a16="http://schemas.microsoft.com/office/drawing/2014/main" id="{CCF618C2-5C13-A44A-B6C7-4FE083ADBC89}"/>
+              </a:ext>
+            </a:extLst>
+          </p:cNvPr>
+          <p:cNvSpPr>
+            <a:spLocks noGrp="1"/>
+          </p:cNvSpPr>
+          <p:nvPr>
+            <p:ph type="title"/>
+          </p:nvPr>
+        </p:nvSpPr>
+        <p:spPr>
+          <a:xfrm>
+            <a:off x="838200" y="0"/>
+            <a:ext cx="10515600" cy="1325563"/>
+          </a:xfrm>
+        </p:spPr>
+        <p:txBody>
+          <a:bodyPr/>
+          <a:lstStyle/>
+          <a:p>
+            <a:r>
+              <a:rPr lang="en-IT" dirty="0"/>
+              <a:t>Motivation of the ER design</a:t>
+            </a:r>
+          </a:p>
+        </p:txBody>
+      </p:sp>
+    </p:spTree>
+    <p:extLst>
+      <p:ext uri="{BB962C8B-B14F-4D97-AF65-F5344CB8AC3E}">
+        <p14:creationId xmlns:p14="http://schemas.microsoft.com/office/powerpoint/2010/main" val="2881927455"/>
+      </p:ext>
+    </p:extLst>
+  </p:cSld>
+  <p:clrMapOvr>
+    <a:masterClrMapping/>
+  </p:clrMapOvr>
+</p:sld>
+</file>
+
+<file path=ppt/slides/slide5.xml><?xml version="1.0" encoding="utf-8"?>
 <p:sld xmlns:a="http://schemas.openxmlformats.org/drawingml/2006/main" xmlns:r="http://schemas.openxmlformats.org/officeDocument/2006/relationships" xmlns:p="http://schemas.openxmlformats.org/presentationml/2006/main">
   <p:cSld>
     <p:spTree>
@@ -7566,7 +8044,7 @@
 </p:sld>
 </file>
 
-<file path=ppt/slides/slide5.xml><?xml version="1.0" encoding="utf-8"?>
+<file path=ppt/slides/slide6.xml><?xml version="1.0" encoding="utf-8"?>
 <p:sld xmlns:a="http://schemas.openxmlformats.org/drawingml/2006/main" xmlns:r="http://schemas.openxmlformats.org/officeDocument/2006/relationships" xmlns:p="http://schemas.openxmlformats.org/presentationml/2006/main">
   <p:cSld>
     <p:spTree>
@@ -7624,7 +8102,72 @@
 </p:sld>
 </file>
 
-<file path=ppt/slides/slide6.xml><?xml version="1.0" encoding="utf-8"?>
+<file path=ppt/slides/slide7.xml><?xml version="1.0" encoding="utf-8"?>
+<p:sld xmlns:a="http://schemas.openxmlformats.org/drawingml/2006/main" xmlns:r="http://schemas.openxmlformats.org/officeDocument/2006/relationships" xmlns:p="http://schemas.openxmlformats.org/presentationml/2006/main">
+  <p:cSld>
+    <p:spTree>
+      <p:nvGrpSpPr>
+        <p:cNvPr id="1" name=""/>
+        <p:cNvGrpSpPr/>
+        <p:nvPr/>
+      </p:nvGrpSpPr>
+      <p:grpSpPr>
+        <a:xfrm>
+          <a:off x="0" y="0"/>
+          <a:ext cx="0" cy="0"/>
+          <a:chOff x="0" y="0"/>
+          <a:chExt cx="0" cy="0"/>
+        </a:xfrm>
+      </p:grpSpPr>
+      <p:sp>
+        <p:nvSpPr>
+          <p:cNvPr id="2" name="Titolo 1">
+            <a:extLst>
+              <a:ext uri="{FF2B5EF4-FFF2-40B4-BE49-F238E27FC236}">
+                <a16:creationId xmlns:a16="http://schemas.microsoft.com/office/drawing/2014/main" id="{9C731041-82B4-4201-B493-8255EDC832A5}"/>
+              </a:ext>
+            </a:extLst>
+          </p:cNvPr>
+          <p:cNvSpPr>
+            <a:spLocks noGrp="1"/>
+          </p:cNvSpPr>
+          <p:nvPr>
+            <p:ph type="title"/>
+          </p:nvPr>
+        </p:nvSpPr>
+        <p:spPr>
+          <a:xfrm>
+            <a:off x="838200" y="2766218"/>
+            <a:ext cx="10515600" cy="1325563"/>
+          </a:xfrm>
+        </p:spPr>
+        <p:txBody>
+          <a:bodyPr/>
+          <a:lstStyle/>
+          <a:p>
+            <a:pPr algn="ctr"/>
+            <a:r>
+              <a:rPr lang="it-IT" sz="4400" b="1" dirty="0"/>
+              <a:t>TRIGGERS</a:t>
+            </a:r>
+            <a:endParaRPr lang="it-IT" dirty="0"/>
+          </a:p>
+        </p:txBody>
+      </p:sp>
+    </p:spTree>
+    <p:extLst>
+      <p:ext uri="{BB962C8B-B14F-4D97-AF65-F5344CB8AC3E}">
+        <p14:creationId xmlns:p14="http://schemas.microsoft.com/office/powerpoint/2010/main" val="3731757172"/>
+      </p:ext>
+    </p:extLst>
+  </p:cSld>
+  <p:clrMapOvr>
+    <a:masterClrMapping/>
+  </p:clrMapOvr>
+</p:sld>
+</file>
+
+<file path=ppt/slides/slide8.xml><?xml version="1.0" encoding="utf-8"?>
 <p:sld xmlns:a="http://schemas.openxmlformats.org/drawingml/2006/main" xmlns:r="http://schemas.openxmlformats.org/officeDocument/2006/relationships" xmlns:p="http://schemas.openxmlformats.org/presentationml/2006/main">
   <p:cSld>
     <p:spTree>
@@ -8736,709 +9279,6 @@
 </p:sld>
 </file>
 
-<file path=ppt/slides/slide7.xml><?xml version="1.0" encoding="utf-8"?>
-<p:sld xmlns:a="http://schemas.openxmlformats.org/drawingml/2006/main" xmlns:r="http://schemas.openxmlformats.org/officeDocument/2006/relationships" xmlns:p="http://schemas.openxmlformats.org/presentationml/2006/main">
-  <p:cSld>
-    <p:spTree>
-      <p:nvGrpSpPr>
-        <p:cNvPr id="1" name=""/>
-        <p:cNvGrpSpPr/>
-        <p:nvPr/>
-      </p:nvGrpSpPr>
-      <p:grpSpPr>
-        <a:xfrm>
-          <a:off x="0" y="0"/>
-          <a:ext cx="0" cy="0"/>
-          <a:chOff x="0" y="0"/>
-          <a:chExt cx="0" cy="0"/>
-        </a:xfrm>
-      </p:grpSpPr>
-      <p:sp>
-        <p:nvSpPr>
-          <p:cNvPr id="2" name="Title 1">
-            <a:extLst>
-              <a:ext uri="{FF2B5EF4-FFF2-40B4-BE49-F238E27FC236}">
-                <a16:creationId xmlns:a16="http://schemas.microsoft.com/office/drawing/2014/main" id="{25B476F3-135E-7545-B075-FA2EF2E5B847}"/>
-              </a:ext>
-            </a:extLst>
-          </p:cNvPr>
-          <p:cNvSpPr>
-            <a:spLocks noGrp="1"/>
-          </p:cNvSpPr>
-          <p:nvPr>
-            <p:ph type="title"/>
-          </p:nvPr>
-        </p:nvSpPr>
-        <p:spPr/>
-        <p:txBody>
-          <a:bodyPr/>
-          <a:lstStyle/>
-          <a:p>
-            <a:r>
-              <a:rPr lang="en-IT" dirty="0"/>
-              <a:t>User_Strikes</a:t>
-            </a:r>
-          </a:p>
-        </p:txBody>
-      </p:sp>
-      <p:sp>
-        <p:nvSpPr>
-          <p:cNvPr id="3" name="Content Placeholder 2">
-            <a:extLst>
-              <a:ext uri="{FF2B5EF4-FFF2-40B4-BE49-F238E27FC236}">
-                <a16:creationId xmlns:a16="http://schemas.microsoft.com/office/drawing/2014/main" id="{D2CCA5B7-92D4-604E-B9DF-E76DA04EB34B}"/>
-              </a:ext>
-            </a:extLst>
-          </p:cNvPr>
-          <p:cNvSpPr>
-            <a:spLocks noGrp="1"/>
-          </p:cNvSpPr>
-          <p:nvPr>
-            <p:ph idx="1"/>
-          </p:nvPr>
-        </p:nvSpPr>
-        <p:spPr/>
-        <p:txBody>
-          <a:bodyPr>
-            <a:normAutofit fontScale="62500" lnSpcReduction="20000"/>
-          </a:bodyPr>
-          <a:lstStyle/>
-          <a:p>
-            <a:r>
-              <a:rPr lang="en-IT" b="1" dirty="0"/>
-              <a:t>Event:</a:t>
-            </a:r>
-            <a:r>
-              <a:rPr lang="en-IT" dirty="0"/>
-              <a:t> Update on Order</a:t>
-            </a:r>
-          </a:p>
-          <a:p>
-            <a:r>
-              <a:rPr lang="en-IT" b="1" dirty="0"/>
-              <a:t>Condition:</a:t>
-            </a:r>
-            <a:r>
-              <a:rPr lang="en-IT" dirty="0"/>
-              <a:t> The number of rejections (number_rejections) changes. The number of rejections of an order can only increase. </a:t>
-            </a:r>
-            <a:endParaRPr lang="en-IT" b="1" dirty="0"/>
-          </a:p>
-          <a:p>
-            <a:r>
-              <a:rPr lang="en-IT" b="1" dirty="0"/>
-              <a:t>Action:</a:t>
-            </a:r>
-            <a:r>
-              <a:rPr lang="en-IT" dirty="0"/>
-              <a:t> Update the number of rejections of the client whose order has been rejected adding 1 to the current value of rejections (client.number_rejections). </a:t>
-            </a:r>
-          </a:p>
-          <a:p>
-            <a:r>
-              <a:rPr lang="en-IT" b="1" dirty="0"/>
-              <a:t>Code:</a:t>
-            </a:r>
-            <a:r>
-              <a:rPr lang="en-IT" dirty="0"/>
-              <a:t> </a:t>
-            </a:r>
-          </a:p>
-          <a:p>
-            <a:pPr marL="457200" lvl="1" indent="0">
-              <a:buNone/>
-            </a:pPr>
-            <a:r>
-              <a:rPr lang="en-GB" sz="1500" dirty="0">
-                <a:latin typeface="Andale Mono" panose="020B0509000000000004" pitchFamily="49" charset="0"/>
-              </a:rPr>
-              <a:t>create trigger </a:t>
-            </a:r>
-            <a:r>
-              <a:rPr lang="en-GB" sz="1500" dirty="0" err="1">
-                <a:latin typeface="Andale Mono" panose="020B0509000000000004" pitchFamily="49" charset="0"/>
-              </a:rPr>
-              <a:t>solvent_user</a:t>
-            </a:r>
-            <a:endParaRPr lang="en-GB" sz="1500" dirty="0">
-              <a:latin typeface="Andale Mono" panose="020B0509000000000004" pitchFamily="49" charset="0"/>
-            </a:endParaRPr>
-          </a:p>
-          <a:p>
-            <a:pPr marL="457200" lvl="1" indent="0">
-              <a:buNone/>
-            </a:pPr>
-            <a:r>
-              <a:rPr lang="en-GB" sz="1500" dirty="0">
-                <a:latin typeface="Andale Mono" panose="020B0509000000000004" pitchFamily="49" charset="0"/>
-              </a:rPr>
-              <a:t>after update on telcoservice_</a:t>
-            </a:r>
-            <a:r>
-              <a:rPr lang="en-GB" sz="1500" dirty="0" err="1">
-                <a:latin typeface="Andale Mono" panose="020B0509000000000004" pitchFamily="49" charset="0"/>
-              </a:rPr>
-              <a:t>db</a:t>
-            </a:r>
-            <a:r>
-              <a:rPr lang="en-GB" sz="1500" dirty="0">
-                <a:latin typeface="Andale Mono" panose="020B0509000000000004" pitchFamily="49" charset="0"/>
-              </a:rPr>
-              <a:t>.`order`</a:t>
-            </a:r>
-          </a:p>
-          <a:p>
-            <a:pPr marL="457200" lvl="1" indent="0">
-              <a:buNone/>
-            </a:pPr>
-            <a:r>
-              <a:rPr lang="en-GB" sz="1500" dirty="0">
-                <a:latin typeface="Andale Mono" panose="020B0509000000000004" pitchFamily="49" charset="0"/>
-              </a:rPr>
-              <a:t>for each row</a:t>
-            </a:r>
-          </a:p>
-          <a:p>
-            <a:pPr marL="457200" lvl="1" indent="0">
-              <a:buNone/>
-            </a:pPr>
-            <a:r>
-              <a:rPr lang="en-GB" sz="1500" dirty="0">
-                <a:latin typeface="Andale Mono" panose="020B0509000000000004" pitchFamily="49" charset="0"/>
-              </a:rPr>
-              <a:t>BEGIN </a:t>
-            </a:r>
-          </a:p>
-          <a:p>
-            <a:pPr marL="457200" lvl="1" indent="0">
-              <a:buNone/>
-            </a:pPr>
-            <a:r>
-              <a:rPr lang="en-GB" sz="1500" dirty="0">
-                <a:latin typeface="Andale Mono" panose="020B0509000000000004" pitchFamily="49" charset="0"/>
-              </a:rPr>
-              <a:t>	declare customer varchar(255) default(</a:t>
-            </a:r>
-          </a:p>
-          <a:p>
-            <a:pPr marL="457200" lvl="1" indent="0">
-              <a:buNone/>
-            </a:pPr>
-            <a:r>
-              <a:rPr lang="en-GB" sz="1500" dirty="0">
-                <a:latin typeface="Andale Mono" panose="020B0509000000000004" pitchFamily="49" charset="0"/>
-              </a:rPr>
-              <a:t>		SELECT distinct </a:t>
-            </a:r>
-            <a:r>
-              <a:rPr lang="en-GB" sz="1500" dirty="0" err="1">
-                <a:latin typeface="Andale Mono" panose="020B0509000000000004" pitchFamily="49" charset="0"/>
-              </a:rPr>
-              <a:t>O.client</a:t>
-            </a:r>
-            <a:endParaRPr lang="en-GB" sz="1500" dirty="0">
-              <a:latin typeface="Andale Mono" panose="020B0509000000000004" pitchFamily="49" charset="0"/>
-            </a:endParaRPr>
-          </a:p>
-          <a:p>
-            <a:pPr marL="457200" lvl="1" indent="0">
-              <a:buNone/>
-            </a:pPr>
-            <a:r>
-              <a:rPr lang="en-GB" sz="1500" dirty="0">
-                <a:latin typeface="Andale Mono" panose="020B0509000000000004" pitchFamily="49" charset="0"/>
-              </a:rPr>
-              <a:t>		FROM telcoservice_</a:t>
-            </a:r>
-            <a:r>
-              <a:rPr lang="en-GB" sz="1500" dirty="0" err="1">
-                <a:latin typeface="Andale Mono" panose="020B0509000000000004" pitchFamily="49" charset="0"/>
-              </a:rPr>
-              <a:t>db</a:t>
-            </a:r>
-            <a:r>
-              <a:rPr lang="en-GB" sz="1500" dirty="0">
-                <a:latin typeface="Andale Mono" panose="020B0509000000000004" pitchFamily="49" charset="0"/>
-              </a:rPr>
-              <a:t>.`order` O</a:t>
-            </a:r>
-          </a:p>
-          <a:p>
-            <a:pPr marL="457200" lvl="1" indent="0">
-              <a:buNone/>
-            </a:pPr>
-            <a:r>
-              <a:rPr lang="en-GB" sz="1500" dirty="0">
-                <a:latin typeface="Andale Mono" panose="020B0509000000000004" pitchFamily="49" charset="0"/>
-              </a:rPr>
-              <a:t>		WHERE </a:t>
-            </a:r>
-            <a:r>
-              <a:rPr lang="en-GB" sz="1500" dirty="0" err="1">
-                <a:latin typeface="Andale Mono" panose="020B0509000000000004" pitchFamily="49" charset="0"/>
-              </a:rPr>
-              <a:t>O.client</a:t>
-            </a:r>
-            <a:r>
-              <a:rPr lang="en-GB" sz="1500" dirty="0">
-                <a:latin typeface="Andale Mono" panose="020B0509000000000004" pitchFamily="49" charset="0"/>
-              </a:rPr>
-              <a:t> = </a:t>
-            </a:r>
-            <a:r>
-              <a:rPr lang="en-GB" sz="1500" dirty="0" err="1">
-                <a:latin typeface="Andale Mono" panose="020B0509000000000004" pitchFamily="49" charset="0"/>
-              </a:rPr>
-              <a:t>new.client</a:t>
-            </a:r>
-            <a:endParaRPr lang="en-GB" sz="1500" dirty="0">
-              <a:latin typeface="Andale Mono" panose="020B0509000000000004" pitchFamily="49" charset="0"/>
-            </a:endParaRPr>
-          </a:p>
-          <a:p>
-            <a:pPr marL="457200" lvl="1" indent="0">
-              <a:buNone/>
-            </a:pPr>
-            <a:r>
-              <a:rPr lang="en-GB" sz="1500" dirty="0">
-                <a:latin typeface="Andale Mono" panose="020B0509000000000004" pitchFamily="49" charset="0"/>
-              </a:rPr>
-              <a:t>	); </a:t>
-            </a:r>
-          </a:p>
-          <a:p>
-            <a:pPr marL="457200" lvl="1" indent="0">
-              <a:buNone/>
-            </a:pPr>
-            <a:endParaRPr lang="en-GB" sz="1500" dirty="0">
-              <a:latin typeface="Andale Mono" panose="020B0509000000000004" pitchFamily="49" charset="0"/>
-            </a:endParaRPr>
-          </a:p>
-          <a:p>
-            <a:pPr marL="457200" lvl="1" indent="0">
-              <a:buNone/>
-            </a:pPr>
-            <a:r>
-              <a:rPr lang="en-GB" sz="1500" dirty="0">
-                <a:latin typeface="Andale Mono" panose="020B0509000000000004" pitchFamily="49" charset="0"/>
-              </a:rPr>
-              <a:t>	IF ( </a:t>
-            </a:r>
-            <a:r>
-              <a:rPr lang="en-GB" sz="1500" dirty="0" err="1">
-                <a:latin typeface="Andale Mono" panose="020B0509000000000004" pitchFamily="49" charset="0"/>
-              </a:rPr>
-              <a:t>old.number_rejections</a:t>
-            </a:r>
-            <a:r>
-              <a:rPr lang="en-GB" sz="1500" dirty="0">
-                <a:latin typeface="Andale Mono" panose="020B0509000000000004" pitchFamily="49" charset="0"/>
-              </a:rPr>
-              <a:t> &lt;&gt; </a:t>
-            </a:r>
-            <a:r>
-              <a:rPr lang="en-GB" sz="1500" dirty="0" err="1">
-                <a:latin typeface="Andale Mono" panose="020B0509000000000004" pitchFamily="49" charset="0"/>
-              </a:rPr>
-              <a:t>new.number_rejections</a:t>
-            </a:r>
-            <a:r>
-              <a:rPr lang="en-GB" sz="1500" dirty="0">
-                <a:latin typeface="Andale Mono" panose="020B0509000000000004" pitchFamily="49" charset="0"/>
-              </a:rPr>
-              <a:t> ) THEN</a:t>
-            </a:r>
-          </a:p>
-          <a:p>
-            <a:pPr marL="457200" lvl="1" indent="0">
-              <a:buNone/>
-            </a:pPr>
-            <a:r>
-              <a:rPr lang="en-GB" sz="1500" dirty="0">
-                <a:latin typeface="Andale Mono" panose="020B0509000000000004" pitchFamily="49" charset="0"/>
-              </a:rPr>
-              <a:t>		UPDATE </a:t>
-            </a:r>
-            <a:r>
-              <a:rPr lang="en-GB" sz="1500" dirty="0" err="1">
-                <a:latin typeface="Andale Mono" panose="020B0509000000000004" pitchFamily="49" charset="0"/>
-              </a:rPr>
-              <a:t>telcoservice_db.client</a:t>
-            </a:r>
-            <a:r>
-              <a:rPr lang="en-GB" sz="1500" dirty="0">
-                <a:latin typeface="Andale Mono" panose="020B0509000000000004" pitchFamily="49" charset="0"/>
-              </a:rPr>
-              <a:t> C</a:t>
-            </a:r>
-          </a:p>
-          <a:p>
-            <a:pPr marL="457200" lvl="1" indent="0">
-              <a:buNone/>
-            </a:pPr>
-            <a:r>
-              <a:rPr lang="en-GB" sz="1500" dirty="0">
-                <a:latin typeface="Andale Mono" panose="020B0509000000000004" pitchFamily="49" charset="0"/>
-              </a:rPr>
-              <a:t>			SET </a:t>
-            </a:r>
-            <a:r>
-              <a:rPr lang="en-GB" sz="1500" dirty="0" err="1">
-                <a:latin typeface="Andale Mono" panose="020B0509000000000004" pitchFamily="49" charset="0"/>
-              </a:rPr>
-              <a:t>IS_C.number_rejections</a:t>
-            </a:r>
-            <a:r>
-              <a:rPr lang="en-GB" sz="1500" dirty="0">
-                <a:latin typeface="Andale Mono" panose="020B0509000000000004" pitchFamily="49" charset="0"/>
-              </a:rPr>
-              <a:t> = </a:t>
-            </a:r>
-            <a:r>
-              <a:rPr lang="en-GB" sz="1500" dirty="0" err="1">
-                <a:latin typeface="Andale Mono" panose="020B0509000000000004" pitchFamily="49" charset="0"/>
-              </a:rPr>
-              <a:t>C.number_rejections</a:t>
-            </a:r>
-            <a:r>
-              <a:rPr lang="en-GB" sz="1500" dirty="0">
-                <a:latin typeface="Andale Mono" panose="020B0509000000000004" pitchFamily="49" charset="0"/>
-              </a:rPr>
-              <a:t> + 1</a:t>
-            </a:r>
-          </a:p>
-          <a:p>
-            <a:pPr marL="457200" lvl="1" indent="0">
-              <a:buNone/>
-            </a:pPr>
-            <a:r>
-              <a:rPr lang="en-GB" sz="1500" dirty="0">
-                <a:latin typeface="Andale Mono" panose="020B0509000000000004" pitchFamily="49" charset="0"/>
-              </a:rPr>
-              <a:t>			WHERE </a:t>
-            </a:r>
-            <a:r>
-              <a:rPr lang="en-GB" sz="1500" dirty="0" err="1">
-                <a:latin typeface="Andale Mono" panose="020B0509000000000004" pitchFamily="49" charset="0"/>
-              </a:rPr>
-              <a:t>C.username</a:t>
-            </a:r>
-            <a:r>
-              <a:rPr lang="en-GB" sz="1500" dirty="0">
-                <a:latin typeface="Andale Mono" panose="020B0509000000000004" pitchFamily="49" charset="0"/>
-              </a:rPr>
-              <a:t> = customer</a:t>
-            </a:r>
-          </a:p>
-          <a:p>
-            <a:pPr marL="457200" lvl="1" indent="0">
-              <a:buNone/>
-            </a:pPr>
-            <a:r>
-              <a:rPr lang="en-GB" sz="1500" dirty="0">
-                <a:latin typeface="Andale Mono" panose="020B0509000000000004" pitchFamily="49" charset="0"/>
-              </a:rPr>
-              <a:t>	END IF; </a:t>
-            </a:r>
-          </a:p>
-          <a:p>
-            <a:pPr marL="457200" lvl="1" indent="0">
-              <a:buNone/>
-            </a:pPr>
-            <a:r>
-              <a:rPr lang="en-GB" sz="1500" dirty="0">
-                <a:latin typeface="Andale Mono" panose="020B0509000000000004" pitchFamily="49" charset="0"/>
-              </a:rPr>
-              <a:t>END;  </a:t>
-            </a:r>
-          </a:p>
-          <a:p>
-            <a:endParaRPr lang="en-IT" dirty="0"/>
-          </a:p>
-        </p:txBody>
-      </p:sp>
-    </p:spTree>
-    <p:extLst>
-      <p:ext uri="{BB962C8B-B14F-4D97-AF65-F5344CB8AC3E}">
-        <p14:creationId xmlns:p14="http://schemas.microsoft.com/office/powerpoint/2010/main" val="1088087261"/>
-      </p:ext>
-    </p:extLst>
-  </p:cSld>
-  <p:clrMapOvr>
-    <a:masterClrMapping/>
-  </p:clrMapOvr>
-</p:sld>
-</file>
-
-<file path=ppt/slides/slide8.xml><?xml version="1.0" encoding="utf-8"?>
-<p:sld xmlns:a="http://schemas.openxmlformats.org/drawingml/2006/main" xmlns:r="http://schemas.openxmlformats.org/officeDocument/2006/relationships" xmlns:p="http://schemas.openxmlformats.org/presentationml/2006/main">
-  <p:cSld>
-    <p:spTree>
-      <p:nvGrpSpPr>
-        <p:cNvPr id="1" name=""/>
-        <p:cNvGrpSpPr/>
-        <p:nvPr/>
-      </p:nvGrpSpPr>
-      <p:grpSpPr>
-        <a:xfrm>
-          <a:off x="0" y="0"/>
-          <a:ext cx="0" cy="0"/>
-          <a:chOff x="0" y="0"/>
-          <a:chExt cx="0" cy="0"/>
-        </a:xfrm>
-      </p:grpSpPr>
-      <p:sp>
-        <p:nvSpPr>
-          <p:cNvPr id="2" name="Title 1">
-            <a:extLst>
-              <a:ext uri="{FF2B5EF4-FFF2-40B4-BE49-F238E27FC236}">
-                <a16:creationId xmlns:a16="http://schemas.microsoft.com/office/drawing/2014/main" id="{75965224-8E51-3840-A34A-1A628C5532F0}"/>
-              </a:ext>
-            </a:extLst>
-          </p:cNvPr>
-          <p:cNvSpPr>
-            <a:spLocks noGrp="1"/>
-          </p:cNvSpPr>
-          <p:nvPr>
-            <p:ph type="title"/>
-          </p:nvPr>
-        </p:nvSpPr>
-        <p:spPr/>
-        <p:txBody>
-          <a:bodyPr/>
-          <a:lstStyle/>
-          <a:p>
-            <a:r>
-              <a:rPr lang="en-IT" dirty="0"/>
-              <a:t>Alert_Auditing</a:t>
-            </a:r>
-          </a:p>
-        </p:txBody>
-      </p:sp>
-      <p:sp>
-        <p:nvSpPr>
-          <p:cNvPr id="3" name="Content Placeholder 2">
-            <a:extLst>
-              <a:ext uri="{FF2B5EF4-FFF2-40B4-BE49-F238E27FC236}">
-                <a16:creationId xmlns:a16="http://schemas.microsoft.com/office/drawing/2014/main" id="{FD2DD57B-F48F-F349-8C51-791C5F4260D0}"/>
-              </a:ext>
-            </a:extLst>
-          </p:cNvPr>
-          <p:cNvSpPr>
-            <a:spLocks noGrp="1"/>
-          </p:cNvSpPr>
-          <p:nvPr>
-            <p:ph idx="1"/>
-          </p:nvPr>
-        </p:nvSpPr>
-        <p:spPr/>
-        <p:txBody>
-          <a:bodyPr>
-            <a:normAutofit fontScale="92500"/>
-          </a:bodyPr>
-          <a:lstStyle/>
-          <a:p>
-            <a:r>
-              <a:rPr lang="en-IT" b="1" dirty="0"/>
-              <a:t>Event: </a:t>
-            </a:r>
-            <a:r>
-              <a:rPr lang="en-IT" dirty="0"/>
-              <a:t>Update on Client </a:t>
-            </a:r>
-          </a:p>
-          <a:p>
-            <a:r>
-              <a:rPr lang="en-IT" b="1" dirty="0"/>
-              <a:t>Condition: </a:t>
-            </a:r>
-            <a:r>
-              <a:rPr lang="en-IT" dirty="0"/>
-              <a:t>The number of rejections goes from 2 to 3. </a:t>
-            </a:r>
-            <a:endParaRPr lang="en-IT" b="1" dirty="0"/>
-          </a:p>
-          <a:p>
-            <a:r>
-              <a:rPr lang="en-IT" b="1" dirty="0"/>
-              <a:t>Action: </a:t>
-            </a:r>
-            <a:r>
-              <a:rPr lang="en-IT" dirty="0"/>
-              <a:t>Insert a tuple in the auditing table with the username and the mail of the client, the value of the order and the current date and time. </a:t>
-            </a:r>
-          </a:p>
-          <a:p>
-            <a:r>
-              <a:rPr lang="en-IT" b="1" dirty="0"/>
-              <a:t>Code:</a:t>
-            </a:r>
-            <a:r>
-              <a:rPr lang="en-IT" dirty="0"/>
-              <a:t> </a:t>
-            </a:r>
-          </a:p>
-          <a:p>
-            <a:pPr marL="457200" lvl="1" indent="0">
-              <a:buNone/>
-            </a:pPr>
-            <a:r>
-              <a:rPr lang="en-GB" sz="1500" dirty="0">
-                <a:latin typeface="Andale Mono" panose="020B0509000000000004" pitchFamily="49" charset="0"/>
-              </a:rPr>
-              <a:t>create trigger </a:t>
-            </a:r>
-            <a:r>
-              <a:rPr lang="en-GB" sz="1500" dirty="0" err="1">
-                <a:latin typeface="Andale Mono" panose="020B0509000000000004" pitchFamily="49" charset="0"/>
-              </a:rPr>
-              <a:t>alert_auditing</a:t>
-            </a:r>
-            <a:endParaRPr lang="en-GB" sz="1500" dirty="0">
-              <a:latin typeface="Andale Mono" panose="020B0509000000000004" pitchFamily="49" charset="0"/>
-            </a:endParaRPr>
-          </a:p>
-          <a:p>
-            <a:pPr marL="457200" lvl="1" indent="0">
-              <a:buNone/>
-            </a:pPr>
-            <a:r>
-              <a:rPr lang="en-GB" sz="1500" dirty="0">
-                <a:latin typeface="Andale Mono" panose="020B0509000000000004" pitchFamily="49" charset="0"/>
-              </a:rPr>
-              <a:t>after update on </a:t>
-            </a:r>
-            <a:r>
-              <a:rPr lang="en-GB" sz="1500" dirty="0" err="1">
-                <a:latin typeface="Andale Mono" panose="020B0509000000000004" pitchFamily="49" charset="0"/>
-              </a:rPr>
-              <a:t>telcoservice_db.client</a:t>
-            </a:r>
-            <a:endParaRPr lang="en-GB" sz="1500" dirty="0">
-              <a:latin typeface="Andale Mono" panose="020B0509000000000004" pitchFamily="49" charset="0"/>
-            </a:endParaRPr>
-          </a:p>
-          <a:p>
-            <a:pPr marL="457200" lvl="1" indent="0">
-              <a:buNone/>
-            </a:pPr>
-            <a:r>
-              <a:rPr lang="en-GB" sz="1500" dirty="0">
-                <a:latin typeface="Andale Mono" panose="020B0509000000000004" pitchFamily="49" charset="0"/>
-              </a:rPr>
-              <a:t>for each row</a:t>
-            </a:r>
-          </a:p>
-          <a:p>
-            <a:pPr marL="457200" lvl="1" indent="0">
-              <a:buNone/>
-            </a:pPr>
-            <a:r>
-              <a:rPr lang="en-GB" sz="1500" dirty="0">
-                <a:latin typeface="Andale Mono" panose="020B0509000000000004" pitchFamily="49" charset="0"/>
-              </a:rPr>
-              <a:t>BEGIN </a:t>
-            </a:r>
-          </a:p>
-          <a:p>
-            <a:pPr marL="457200" lvl="1" indent="0">
-              <a:buNone/>
-            </a:pPr>
-            <a:r>
-              <a:rPr lang="en-GB" sz="1500" dirty="0">
-                <a:latin typeface="Andale Mono" panose="020B0509000000000004" pitchFamily="49" charset="0"/>
-              </a:rPr>
-              <a:t>	declare </a:t>
-            </a:r>
-            <a:r>
-              <a:rPr lang="en-GB" sz="1500" dirty="0" err="1">
-                <a:latin typeface="Andale Mono" panose="020B0509000000000004" pitchFamily="49" charset="0"/>
-              </a:rPr>
-              <a:t>last_rejection_value</a:t>
-            </a:r>
-            <a:r>
-              <a:rPr lang="en-GB" sz="1500" dirty="0">
-                <a:latin typeface="Andale Mono" panose="020B0509000000000004" pitchFamily="49" charset="0"/>
-              </a:rPr>
-              <a:t> DECIMAL(6, 2);  </a:t>
-            </a:r>
-          </a:p>
-          <a:p>
-            <a:pPr marL="457200" lvl="1" indent="0">
-              <a:buNone/>
-            </a:pPr>
-            <a:r>
-              <a:rPr lang="en-GB" sz="1500" dirty="0">
-                <a:latin typeface="Andale Mono" panose="020B0509000000000004" pitchFamily="49" charset="0"/>
-              </a:rPr>
-              <a:t>	IF ( </a:t>
-            </a:r>
-            <a:r>
-              <a:rPr lang="en-GB" sz="1500" dirty="0" err="1">
-                <a:latin typeface="Andale Mono" panose="020B0509000000000004" pitchFamily="49" charset="0"/>
-              </a:rPr>
-              <a:t>old.number_rejections</a:t>
-            </a:r>
-            <a:r>
-              <a:rPr lang="en-GB" sz="1500" dirty="0">
-                <a:latin typeface="Andale Mono" panose="020B0509000000000004" pitchFamily="49" charset="0"/>
-              </a:rPr>
-              <a:t> = 2 AND </a:t>
-            </a:r>
-            <a:r>
-              <a:rPr lang="en-GB" sz="1500" dirty="0" err="1">
-                <a:latin typeface="Andale Mono" panose="020B0509000000000004" pitchFamily="49" charset="0"/>
-              </a:rPr>
-              <a:t>new.number_rejections</a:t>
-            </a:r>
-            <a:r>
-              <a:rPr lang="en-GB" sz="1500" dirty="0">
-                <a:latin typeface="Andale Mono" panose="020B0509000000000004" pitchFamily="49" charset="0"/>
-              </a:rPr>
-              <a:t> = 3 ) THEN</a:t>
-            </a:r>
-          </a:p>
-          <a:p>
-            <a:pPr marL="457200" lvl="1" indent="0">
-              <a:buNone/>
-            </a:pPr>
-            <a:r>
-              <a:rPr lang="en-GB" sz="1500" dirty="0">
-                <a:latin typeface="Andale Mono" panose="020B0509000000000004" pitchFamily="49" charset="0"/>
-              </a:rPr>
-              <a:t>	END IF; </a:t>
-            </a:r>
-          </a:p>
-          <a:p>
-            <a:pPr marL="457200" lvl="1" indent="0">
-              <a:buNone/>
-            </a:pPr>
-            <a:r>
-              <a:rPr lang="en-GB" sz="1500" dirty="0">
-                <a:latin typeface="Andale Mono" panose="020B0509000000000004" pitchFamily="49" charset="0"/>
-              </a:rPr>
-              <a:t>END;  </a:t>
-            </a:r>
-            <a:endParaRPr lang="en-IT" dirty="0"/>
-          </a:p>
-          <a:p>
-            <a:endParaRPr lang="en-IT" dirty="0"/>
-          </a:p>
-        </p:txBody>
-      </p:sp>
-    </p:spTree>
-    <p:extLst>
-      <p:ext uri="{BB962C8B-B14F-4D97-AF65-F5344CB8AC3E}">
-        <p14:creationId xmlns:p14="http://schemas.microsoft.com/office/powerpoint/2010/main" val="650809274"/>
-      </p:ext>
-    </p:extLst>
-  </p:cSld>
-  <p:clrMapOvr>
-    <a:masterClrMapping/>
-  </p:clrMapOvr>
-</p:sld>
-</file>
-
 <file path=ppt/slides/slide9.xml><?xml version="1.0" encoding="utf-8"?>
 <p:sld xmlns:a="http://schemas.openxmlformats.org/drawingml/2006/main" xmlns:r="http://schemas.openxmlformats.org/officeDocument/2006/relationships" xmlns:p="http://schemas.openxmlformats.org/presentationml/2006/main">
   <p:cSld>
@@ -9461,7 +9301,7 @@
           <p:cNvPr id="2" name="Title 1">
             <a:extLst>
               <a:ext uri="{FF2B5EF4-FFF2-40B4-BE49-F238E27FC236}">
-                <a16:creationId xmlns:a16="http://schemas.microsoft.com/office/drawing/2014/main" id="{B911054E-2738-774F-9462-FA40FA4B25FE}"/>
+                <a16:creationId xmlns:a16="http://schemas.microsoft.com/office/drawing/2014/main" id="{25B476F3-135E-7545-B075-FA2EF2E5B847}"/>
               </a:ext>
             </a:extLst>
           </p:cNvPr>
@@ -9479,7 +9319,7 @@
           <a:p>
             <a:r>
               <a:rPr lang="en-IT" dirty="0"/>
-              <a:t>Insolvent_User</a:t>
+              <a:t>User_Strikes</a:t>
             </a:r>
           </a:p>
         </p:txBody>
@@ -9489,7 +9329,7 @@
           <p:cNvPr id="3" name="Content Placeholder 2">
             <a:extLst>
               <a:ext uri="{FF2B5EF4-FFF2-40B4-BE49-F238E27FC236}">
-                <a16:creationId xmlns:a16="http://schemas.microsoft.com/office/drawing/2014/main" id="{93383466-79D8-E241-ACC6-A66BD538C215}"/>
+                <a16:creationId xmlns:a16="http://schemas.microsoft.com/office/drawing/2014/main" id="{D2CCA5B7-92D4-604E-B9DF-E76DA04EB34B}"/>
               </a:ext>
             </a:extLst>
           </p:cNvPr>
@@ -9502,43 +9342,30 @@
         </p:nvSpPr>
         <p:spPr/>
         <p:txBody>
-          <a:bodyPr/>
+          <a:bodyPr>
+            <a:normAutofit fontScale="62500" lnSpcReduction="20000"/>
+          </a:bodyPr>
           <a:lstStyle/>
           <a:p>
             <a:r>
               <a:rPr lang="en-IT" b="1" dirty="0"/>
-              <a:t>Event: </a:t>
-            </a:r>
-            <a:r>
-              <a:rPr lang="en-GB" dirty="0"/>
-              <a:t>Update on </a:t>
-            </a:r>
-            <a:r>
-              <a:rPr lang="it-IT" dirty="0"/>
-              <a:t>Order</a:t>
-            </a:r>
-            <a:endParaRPr lang="en-IT" dirty="0"/>
+              <a:t>Event:</a:t>
+            </a:r>
+            <a:r>
+              <a:rPr lang="en-IT" dirty="0"/>
+              <a:t> Update on Order</a:t>
+            </a:r>
           </a:p>
           <a:p>
             <a:r>
               <a:rPr lang="en-IT" b="1" dirty="0"/>
-              <a:t>Condition: </a:t>
+              <a:t>Condition:</a:t>
             </a:r>
             <a:r>
               <a:rPr lang="en-IT" dirty="0"/>
-              <a:t>The validity field (is_valid) changes</a:t>
+              <a:t> The number of rejections (number_rejections) changes. The number of rejections of an order can only increase. </a:t>
             </a:r>
             <a:endParaRPr lang="en-IT" b="1" dirty="0"/>
-          </a:p>
-          <a:p>
-            <a:r>
-              <a:rPr lang="en-IT" b="1" dirty="0"/>
-              <a:t>Action: </a:t>
-            </a:r>
-            <a:r>
-              <a:rPr lang="en-IT" dirty="0"/>
-              <a:t>If the validity goes from “DEFAULT” to rejected then the client is marked as “INSOLVENT”</a:t>
-            </a:r>
           </a:p>
           <a:p>
             <a:r>
@@ -9547,7 +9374,7 @@
             </a:r>
             <a:r>
               <a:rPr lang="en-IT" dirty="0"/>
-              <a:t> If the validity goes from “REJECTED” to “ACCEPTED”, then the number of rejections of the client is reduced by the number of rejections of the order (client.number_rejections=4, order.number_rejections=2, then client.number_rejections=2)</a:t>
+              <a:t> Update the number of rejections of the client whose order has been rejected adding 1 to the current value of rejections (client.number_rejections). </a:t>
             </a:r>
           </a:p>
           <a:p>
@@ -9557,13 +9384,318 @@
             </a:r>
             <a:r>
               <a:rPr lang="en-IT" dirty="0"/>
-              <a:t> (on next slide)</a:t>
-            </a:r>
-          </a:p>
-          <a:p>
-            <a:pPr marL="0" indent="0">
+              <a:t> </a:t>
+            </a:r>
+          </a:p>
+          <a:p>
+            <a:pPr marL="457200" lvl="1" indent="0">
               <a:buNone/>
             </a:pPr>
+            <a:r>
+              <a:rPr lang="en-GB" sz="1500" dirty="0">
+                <a:latin typeface="Andale Mono" panose="020B0509000000000004" pitchFamily="49" charset="0"/>
+              </a:rPr>
+              <a:t>create trigger </a:t>
+            </a:r>
+            <a:r>
+              <a:rPr lang="en-GB" sz="1500" dirty="0" err="1">
+                <a:latin typeface="Andale Mono" panose="020B0509000000000004" pitchFamily="49" charset="0"/>
+              </a:rPr>
+              <a:t>solvent_user</a:t>
+            </a:r>
+            <a:endParaRPr lang="en-GB" sz="1500" dirty="0">
+              <a:latin typeface="Andale Mono" panose="020B0509000000000004" pitchFamily="49" charset="0"/>
+            </a:endParaRPr>
+          </a:p>
+          <a:p>
+            <a:pPr marL="457200" lvl="1" indent="0">
+              <a:buNone/>
+            </a:pPr>
+            <a:r>
+              <a:rPr lang="en-GB" sz="1500" dirty="0">
+                <a:latin typeface="Andale Mono" panose="020B0509000000000004" pitchFamily="49" charset="0"/>
+              </a:rPr>
+              <a:t>after update on telcoservice_</a:t>
+            </a:r>
+            <a:r>
+              <a:rPr lang="en-GB" sz="1500" dirty="0" err="1">
+                <a:latin typeface="Andale Mono" panose="020B0509000000000004" pitchFamily="49" charset="0"/>
+              </a:rPr>
+              <a:t>db</a:t>
+            </a:r>
+            <a:r>
+              <a:rPr lang="en-GB" sz="1500" dirty="0">
+                <a:latin typeface="Andale Mono" panose="020B0509000000000004" pitchFamily="49" charset="0"/>
+              </a:rPr>
+              <a:t>.`order`</a:t>
+            </a:r>
+          </a:p>
+          <a:p>
+            <a:pPr marL="457200" lvl="1" indent="0">
+              <a:buNone/>
+            </a:pPr>
+            <a:r>
+              <a:rPr lang="en-GB" sz="1500" dirty="0">
+                <a:latin typeface="Andale Mono" panose="020B0509000000000004" pitchFamily="49" charset="0"/>
+              </a:rPr>
+              <a:t>for each row</a:t>
+            </a:r>
+          </a:p>
+          <a:p>
+            <a:pPr marL="457200" lvl="1" indent="0">
+              <a:buNone/>
+            </a:pPr>
+            <a:r>
+              <a:rPr lang="en-GB" sz="1500" dirty="0">
+                <a:latin typeface="Andale Mono" panose="020B0509000000000004" pitchFamily="49" charset="0"/>
+              </a:rPr>
+              <a:t>BEGIN </a:t>
+            </a:r>
+          </a:p>
+          <a:p>
+            <a:pPr marL="457200" lvl="1" indent="0">
+              <a:buNone/>
+            </a:pPr>
+            <a:r>
+              <a:rPr lang="en-GB" sz="1500" dirty="0">
+                <a:latin typeface="Andale Mono" panose="020B0509000000000004" pitchFamily="49" charset="0"/>
+              </a:rPr>
+              <a:t>	declare customer varchar(255) default(</a:t>
+            </a:r>
+          </a:p>
+          <a:p>
+            <a:pPr marL="457200" lvl="1" indent="0">
+              <a:buNone/>
+            </a:pPr>
+            <a:r>
+              <a:rPr lang="en-GB" sz="1500" dirty="0">
+                <a:latin typeface="Andale Mono" panose="020B0509000000000004" pitchFamily="49" charset="0"/>
+              </a:rPr>
+              <a:t>		SELECT distinct </a:t>
+            </a:r>
+            <a:r>
+              <a:rPr lang="en-GB" sz="1500" dirty="0" err="1">
+                <a:latin typeface="Andale Mono" panose="020B0509000000000004" pitchFamily="49" charset="0"/>
+              </a:rPr>
+              <a:t>O.client</a:t>
+            </a:r>
+            <a:endParaRPr lang="en-GB" sz="1500" dirty="0">
+              <a:latin typeface="Andale Mono" panose="020B0509000000000004" pitchFamily="49" charset="0"/>
+            </a:endParaRPr>
+          </a:p>
+          <a:p>
+            <a:pPr marL="457200" lvl="1" indent="0">
+              <a:buNone/>
+            </a:pPr>
+            <a:r>
+              <a:rPr lang="en-GB" sz="1500" dirty="0">
+                <a:latin typeface="Andale Mono" panose="020B0509000000000004" pitchFamily="49" charset="0"/>
+              </a:rPr>
+              <a:t>		FROM telcoservice_</a:t>
+            </a:r>
+            <a:r>
+              <a:rPr lang="en-GB" sz="1500" dirty="0" err="1">
+                <a:latin typeface="Andale Mono" panose="020B0509000000000004" pitchFamily="49" charset="0"/>
+              </a:rPr>
+              <a:t>db</a:t>
+            </a:r>
+            <a:r>
+              <a:rPr lang="en-GB" sz="1500" dirty="0">
+                <a:latin typeface="Andale Mono" panose="020B0509000000000004" pitchFamily="49" charset="0"/>
+              </a:rPr>
+              <a:t>.`order` O</a:t>
+            </a:r>
+          </a:p>
+          <a:p>
+            <a:pPr marL="457200" lvl="1" indent="0">
+              <a:buNone/>
+            </a:pPr>
+            <a:r>
+              <a:rPr lang="en-GB" sz="1500" dirty="0">
+                <a:latin typeface="Andale Mono" panose="020B0509000000000004" pitchFamily="49" charset="0"/>
+              </a:rPr>
+              <a:t>		WHERE </a:t>
+            </a:r>
+            <a:r>
+              <a:rPr lang="en-GB" sz="1500" dirty="0" err="1">
+                <a:latin typeface="Andale Mono" panose="020B0509000000000004" pitchFamily="49" charset="0"/>
+              </a:rPr>
+              <a:t>O.client</a:t>
+            </a:r>
+            <a:r>
+              <a:rPr lang="en-GB" sz="1500" dirty="0">
+                <a:latin typeface="Andale Mono" panose="020B0509000000000004" pitchFamily="49" charset="0"/>
+              </a:rPr>
+              <a:t> = </a:t>
+            </a:r>
+            <a:r>
+              <a:rPr lang="en-GB" sz="1500" dirty="0" err="1">
+                <a:latin typeface="Andale Mono" panose="020B0509000000000004" pitchFamily="49" charset="0"/>
+              </a:rPr>
+              <a:t>new.client</a:t>
+            </a:r>
+            <a:endParaRPr lang="en-GB" sz="1500" dirty="0">
+              <a:latin typeface="Andale Mono" panose="020B0509000000000004" pitchFamily="49" charset="0"/>
+            </a:endParaRPr>
+          </a:p>
+          <a:p>
+            <a:pPr marL="457200" lvl="1" indent="0">
+              <a:buNone/>
+            </a:pPr>
+            <a:r>
+              <a:rPr lang="en-GB" sz="1500" dirty="0">
+                <a:latin typeface="Andale Mono" panose="020B0509000000000004" pitchFamily="49" charset="0"/>
+              </a:rPr>
+              <a:t>	); </a:t>
+            </a:r>
+          </a:p>
+          <a:p>
+            <a:pPr marL="457200" lvl="1" indent="0">
+              <a:buNone/>
+            </a:pPr>
+            <a:endParaRPr lang="en-GB" sz="1500" dirty="0">
+              <a:latin typeface="Andale Mono" panose="020B0509000000000004" pitchFamily="49" charset="0"/>
+            </a:endParaRPr>
+          </a:p>
+          <a:p>
+            <a:pPr marL="457200" lvl="1" indent="0">
+              <a:buNone/>
+            </a:pPr>
+            <a:r>
+              <a:rPr lang="en-GB" sz="1500" dirty="0">
+                <a:latin typeface="Andale Mono" panose="020B0509000000000004" pitchFamily="49" charset="0"/>
+              </a:rPr>
+              <a:t>	IF ( </a:t>
+            </a:r>
+            <a:r>
+              <a:rPr lang="en-GB" sz="1500" dirty="0" err="1">
+                <a:latin typeface="Andale Mono" panose="020B0509000000000004" pitchFamily="49" charset="0"/>
+              </a:rPr>
+              <a:t>old.number_rejections</a:t>
+            </a:r>
+            <a:r>
+              <a:rPr lang="en-GB" sz="1500" dirty="0">
+                <a:latin typeface="Andale Mono" panose="020B0509000000000004" pitchFamily="49" charset="0"/>
+              </a:rPr>
+              <a:t> &lt;&gt; </a:t>
+            </a:r>
+            <a:r>
+              <a:rPr lang="en-GB" sz="1500" dirty="0" err="1">
+                <a:latin typeface="Andale Mono" panose="020B0509000000000004" pitchFamily="49" charset="0"/>
+              </a:rPr>
+              <a:t>new.number_rejections</a:t>
+            </a:r>
+            <a:r>
+              <a:rPr lang="en-GB" sz="1500" dirty="0">
+                <a:latin typeface="Andale Mono" panose="020B0509000000000004" pitchFamily="49" charset="0"/>
+              </a:rPr>
+              <a:t> ) THEN</a:t>
+            </a:r>
+          </a:p>
+          <a:p>
+            <a:pPr marL="457200" lvl="1" indent="0">
+              <a:buNone/>
+            </a:pPr>
+            <a:r>
+              <a:rPr lang="en-GB" sz="1500" dirty="0">
+                <a:latin typeface="Andale Mono" panose="020B0509000000000004" pitchFamily="49" charset="0"/>
+              </a:rPr>
+              <a:t>		UPDATE </a:t>
+            </a:r>
+            <a:r>
+              <a:rPr lang="en-GB" sz="1500" dirty="0" err="1">
+                <a:latin typeface="Andale Mono" panose="020B0509000000000004" pitchFamily="49" charset="0"/>
+              </a:rPr>
+              <a:t>telcoservice_db.client</a:t>
+            </a:r>
+            <a:r>
+              <a:rPr lang="en-GB" sz="1500" dirty="0">
+                <a:latin typeface="Andale Mono" panose="020B0509000000000004" pitchFamily="49" charset="0"/>
+              </a:rPr>
+              <a:t> C</a:t>
+            </a:r>
+          </a:p>
+          <a:p>
+            <a:pPr marL="457200" lvl="1" indent="0">
+              <a:buNone/>
+            </a:pPr>
+            <a:r>
+              <a:rPr lang="en-GB" sz="1500" dirty="0">
+                <a:latin typeface="Andale Mono" panose="020B0509000000000004" pitchFamily="49" charset="0"/>
+              </a:rPr>
+              <a:t>			SET </a:t>
+            </a:r>
+            <a:r>
+              <a:rPr lang="en-GB" sz="1500" dirty="0" err="1">
+                <a:latin typeface="Andale Mono" panose="020B0509000000000004" pitchFamily="49" charset="0"/>
+              </a:rPr>
+              <a:t>IS_C.number_rejections</a:t>
+            </a:r>
+            <a:r>
+              <a:rPr lang="en-GB" sz="1500" dirty="0">
+                <a:latin typeface="Andale Mono" panose="020B0509000000000004" pitchFamily="49" charset="0"/>
+              </a:rPr>
+              <a:t> = </a:t>
+            </a:r>
+            <a:r>
+              <a:rPr lang="en-GB" sz="1500" dirty="0" err="1">
+                <a:latin typeface="Andale Mono" panose="020B0509000000000004" pitchFamily="49" charset="0"/>
+              </a:rPr>
+              <a:t>C.number_rejections</a:t>
+            </a:r>
+            <a:r>
+              <a:rPr lang="en-GB" sz="1500" dirty="0">
+                <a:latin typeface="Andale Mono" panose="020B0509000000000004" pitchFamily="49" charset="0"/>
+              </a:rPr>
+              <a:t> + 1</a:t>
+            </a:r>
+          </a:p>
+          <a:p>
+            <a:pPr marL="457200" lvl="1" indent="0">
+              <a:buNone/>
+            </a:pPr>
+            <a:r>
+              <a:rPr lang="en-GB" sz="1500" dirty="0">
+                <a:latin typeface="Andale Mono" panose="020B0509000000000004" pitchFamily="49" charset="0"/>
+              </a:rPr>
+              <a:t>			WHERE </a:t>
+            </a:r>
+            <a:r>
+              <a:rPr lang="en-GB" sz="1500" dirty="0" err="1">
+                <a:latin typeface="Andale Mono" panose="020B0509000000000004" pitchFamily="49" charset="0"/>
+              </a:rPr>
+              <a:t>C.username</a:t>
+            </a:r>
+            <a:r>
+              <a:rPr lang="en-GB" sz="1500" dirty="0">
+                <a:latin typeface="Andale Mono" panose="020B0509000000000004" pitchFamily="49" charset="0"/>
+              </a:rPr>
+              <a:t> = customer</a:t>
+            </a:r>
+          </a:p>
+          <a:p>
+            <a:pPr marL="457200" lvl="1" indent="0">
+              <a:buNone/>
+            </a:pPr>
+            <a:r>
+              <a:rPr lang="en-GB" sz="1500" dirty="0">
+                <a:latin typeface="Andale Mono" panose="020B0509000000000004" pitchFamily="49" charset="0"/>
+              </a:rPr>
+              <a:t>	END IF; </a:t>
+            </a:r>
+          </a:p>
+          <a:p>
+            <a:pPr marL="457200" lvl="1" indent="0">
+              <a:buNone/>
+            </a:pPr>
+            <a:r>
+              <a:rPr lang="en-GB" sz="1500" dirty="0">
+                <a:latin typeface="Andale Mono" panose="020B0509000000000004" pitchFamily="49" charset="0"/>
+              </a:rPr>
+              <a:t>END;  </a:t>
+            </a:r>
+          </a:p>
+          <a:p>
             <a:endParaRPr lang="en-IT" dirty="0"/>
           </a:p>
         </p:txBody>
@@ -9571,7 +9703,7 @@
     </p:spTree>
     <p:extLst>
       <p:ext uri="{BB962C8B-B14F-4D97-AF65-F5344CB8AC3E}">
-        <p14:creationId xmlns:p14="http://schemas.microsoft.com/office/powerpoint/2010/main" val="1885216724"/>
+        <p14:creationId xmlns:p14="http://schemas.microsoft.com/office/powerpoint/2010/main" val="1088087261"/>
       </p:ext>
     </p:extLst>
   </p:cSld>
